--- a/Mod0/Probability+Distributions+Assignment.pptx
+++ b/Mod0/Probability+Distributions+Assignment.pptx
@@ -274,7 +274,7 @@
           <a:p>
             <a:fld id="{70DAC3A1-42A1-421A-8CF7-D5228AFF269C}" type="datetimeFigureOut">
               <a:rPr lang="en-US" smtClean="0"/>
-              <a:t>8/16/2021</a:t>
+              <a:t>8/30/2021</a:t>
             </a:fld>
             <a:endParaRPr lang="en-US"/>
           </a:p>
@@ -472,7 +472,7 @@
           <a:p>
             <a:fld id="{70DAC3A1-42A1-421A-8CF7-D5228AFF269C}" type="datetimeFigureOut">
               <a:rPr lang="en-US" smtClean="0"/>
-              <a:t>8/16/2021</a:t>
+              <a:t>8/30/2021</a:t>
             </a:fld>
             <a:endParaRPr lang="en-US"/>
           </a:p>
@@ -680,7 +680,7 @@
           <a:p>
             <a:fld id="{70DAC3A1-42A1-421A-8CF7-D5228AFF269C}" type="datetimeFigureOut">
               <a:rPr lang="en-US" smtClean="0"/>
-              <a:t>8/16/2021</a:t>
+              <a:t>8/30/2021</a:t>
             </a:fld>
             <a:endParaRPr lang="en-US"/>
           </a:p>
@@ -878,7 +878,7 @@
           <a:p>
             <a:fld id="{70DAC3A1-42A1-421A-8CF7-D5228AFF269C}" type="datetimeFigureOut">
               <a:rPr lang="en-US" smtClean="0"/>
-              <a:t>8/16/2021</a:t>
+              <a:t>8/30/2021</a:t>
             </a:fld>
             <a:endParaRPr lang="en-US"/>
           </a:p>
@@ -1153,7 +1153,7 @@
           <a:p>
             <a:fld id="{70DAC3A1-42A1-421A-8CF7-D5228AFF269C}" type="datetimeFigureOut">
               <a:rPr lang="en-US" smtClean="0"/>
-              <a:t>8/16/2021</a:t>
+              <a:t>8/30/2021</a:t>
             </a:fld>
             <a:endParaRPr lang="en-US"/>
           </a:p>
@@ -1418,7 +1418,7 @@
           <a:p>
             <a:fld id="{70DAC3A1-42A1-421A-8CF7-D5228AFF269C}" type="datetimeFigureOut">
               <a:rPr lang="en-US" smtClean="0"/>
-              <a:t>8/16/2021</a:t>
+              <a:t>8/30/2021</a:t>
             </a:fld>
             <a:endParaRPr lang="en-US"/>
           </a:p>
@@ -1830,7 +1830,7 @@
           <a:p>
             <a:fld id="{70DAC3A1-42A1-421A-8CF7-D5228AFF269C}" type="datetimeFigureOut">
               <a:rPr lang="en-US" smtClean="0"/>
-              <a:t>8/16/2021</a:t>
+              <a:t>8/30/2021</a:t>
             </a:fld>
             <a:endParaRPr lang="en-US"/>
           </a:p>
@@ -1971,7 +1971,7 @@
           <a:p>
             <a:fld id="{70DAC3A1-42A1-421A-8CF7-D5228AFF269C}" type="datetimeFigureOut">
               <a:rPr lang="en-US" smtClean="0"/>
-              <a:t>8/16/2021</a:t>
+              <a:t>8/30/2021</a:t>
             </a:fld>
             <a:endParaRPr lang="en-US"/>
           </a:p>
@@ -2084,7 +2084,7 @@
           <a:p>
             <a:fld id="{70DAC3A1-42A1-421A-8CF7-D5228AFF269C}" type="datetimeFigureOut">
               <a:rPr lang="en-US" smtClean="0"/>
-              <a:t>8/16/2021</a:t>
+              <a:t>8/30/2021</a:t>
             </a:fld>
             <a:endParaRPr lang="en-US"/>
           </a:p>
@@ -2395,7 +2395,7 @@
           <a:p>
             <a:fld id="{70DAC3A1-42A1-421A-8CF7-D5228AFF269C}" type="datetimeFigureOut">
               <a:rPr lang="en-US" smtClean="0"/>
-              <a:t>8/16/2021</a:t>
+              <a:t>8/30/2021</a:t>
             </a:fld>
             <a:endParaRPr lang="en-US"/>
           </a:p>
@@ -2683,7 +2683,7 @@
           <a:p>
             <a:fld id="{70DAC3A1-42A1-421A-8CF7-D5228AFF269C}" type="datetimeFigureOut">
               <a:rPr lang="en-US" smtClean="0"/>
-              <a:t>8/16/2021</a:t>
+              <a:t>8/30/2021</a:t>
             </a:fld>
             <a:endParaRPr lang="en-US"/>
           </a:p>
@@ -2924,7 +2924,7 @@
           <a:p>
             <a:fld id="{70DAC3A1-42A1-421A-8CF7-D5228AFF269C}" type="datetimeFigureOut">
               <a:rPr lang="en-US" smtClean="0"/>
-              <a:t>8/16/2021</a:t>
+              <a:t>8/30/2021</a:t>
             </a:fld>
             <a:endParaRPr lang="en-US"/>
           </a:p>
@@ -3556,7 +3556,7 @@
               <p:nvPr>
                 <p:extLst>
                   <p:ext uri="{D42A27DB-BD31-4B8C-83A1-F6EECF244321}">
-                    <p14:modId xmlns:p14="http://schemas.microsoft.com/office/powerpoint/2010/main" val="3387669877"/>
+                    <p14:modId xmlns:p14="http://schemas.microsoft.com/office/powerpoint/2010/main" val="1940526383"/>
                   </p:ext>
                 </p:extLst>
               </p:nvPr>
@@ -3599,7 +3599,7 @@
                                 <a:schemeClr val="tx1"/>
                               </a:solidFill>
                             </a:rPr>
-                            <a:t>PMF</a:t>
+                            <a:t>PDF</a:t>
                           </a:r>
                         </a:p>
                       </a:txBody>
@@ -3671,8 +3671,35 @@
                           </a14:m>
                           <a:r>
                             <a:rPr lang="en-US" sz="1400" dirty="0"/>
-                            <a:t> is the “location parameter”, specifying the location of the peak of the distribution</a:t>
+                            <a:t> is the “location parameter”, specifying the location of the peak of the distribution. </a:t>
                           </a:r>
+                          <a14:m>
+                            <m:oMath xmlns:m="http://schemas.openxmlformats.org/officeDocument/2006/math">
+                              <m:r>
+                                <a:rPr lang="en-US" sz="1400" i="1" smtClean="0">
+                                  <a:latin typeface="Cambria Math" panose="02040503050406030204" pitchFamily="18" charset="0"/>
+                                  <a:ea typeface="Cambria Math" panose="02040503050406030204" pitchFamily="18" charset="0"/>
+                                </a:rPr>
+                                <m:t>𝛾</m:t>
+                              </m:r>
+                              <m:r>
+                                <a:rPr lang="en-US" sz="1400" b="0" i="1" smtClean="0">
+                                  <a:latin typeface="Cambria Math" panose="02040503050406030204" pitchFamily="18" charset="0"/>
+                                  <a:ea typeface="Cambria Math" panose="02040503050406030204" pitchFamily="18" charset="0"/>
+                                </a:rPr>
+                                <m:t>&gt;0</m:t>
+                              </m:r>
+                            </m:oMath>
+                          </a14:m>
+                          <a:r>
+                            <a:rPr lang="en-US" sz="1400" dirty="0"/>
+                            <a:t> this</a:t>
+                          </a:r>
+                          <a:r>
+                            <a:rPr lang="en-US" sz="1400" baseline="0" dirty="0"/>
+                            <a:t> is the scale.</a:t>
+                          </a:r>
+                          <a:endParaRPr lang="en-US" sz="1400" dirty="0"/>
                         </a:p>
                       </a:txBody>
                       <a:tcPr/>
@@ -3702,6 +3729,7 @@
                         <a:bodyPr/>
                         <a:lstStyle/>
                         <a:p>
+                          <a:pPr/>
                           <a14:m>
                             <m:oMathPara xmlns:m="http://schemas.openxmlformats.org/officeDocument/2006/math">
                               <m:oMathParaPr>
@@ -3850,7 +3878,7 @@
               <p:nvPr>
                 <p:extLst>
                   <p:ext uri="{D42A27DB-BD31-4B8C-83A1-F6EECF244321}">
-                    <p14:modId xmlns:p14="http://schemas.microsoft.com/office/powerpoint/2010/main" val="3387669877"/>
+                    <p14:modId xmlns:p14="http://schemas.microsoft.com/office/powerpoint/2010/main" val="1940526383"/>
                   </p:ext>
                 </p:extLst>
               </p:nvPr>
@@ -3893,7 +3921,7 @@
                                 <a:schemeClr val="tx1"/>
                               </a:solidFill>
                             </a:rPr>
-                            <a:t>PMF</a:t>
+                            <a:t>PDF</a:t>
                           </a:r>
                         </a:p>
                       </a:txBody>
@@ -4140,22 +4168,12 @@
           <a:p>
             <a:r>
               <a:rPr lang="en-US" b="1" dirty="0"/>
-              <a:t>Typical Uses: </a:t>
-            </a:r>
-          </a:p>
-          <a:p>
-            <a:pPr marL="285750" indent="-285750">
-              <a:buFontTx/>
-              <a:buChar char="-"/>
-            </a:pPr>
-            <a:endParaRPr lang="en-US" dirty="0"/>
-          </a:p>
-          <a:p>
-            <a:pPr marL="285750" indent="-285750">
-              <a:buFontTx/>
-              <a:buChar char="-"/>
-            </a:pPr>
-            <a:endParaRPr lang="en-US" dirty="0"/>
+              <a:t>Typical Uses: “</a:t>
+            </a:r>
+            <a:r>
+              <a:rPr lang="en-US" dirty="0"/>
+              <a:t>The Cauchy distribution is often the distribution of observations for objects that are spinning.” (Wikipedia)</a:t>
+            </a:r>
           </a:p>
         </p:txBody>
       </p:sp>
@@ -4293,6 +4311,36 @@
           <a:xfrm>
             <a:off x="2472871" y="2335368"/>
             <a:ext cx="1905000" cy="704850"/>
+          </a:xfrm>
+          <a:prstGeom prst="rect">
+            <a:avLst/>
+          </a:prstGeom>
+        </p:spPr>
+      </p:pic>
+      <p:pic>
+        <p:nvPicPr>
+          <p:cNvPr id="8" name="Picture 7">
+            <a:extLst>
+              <a:ext uri="{FF2B5EF4-FFF2-40B4-BE49-F238E27FC236}">
+                <a16:creationId xmlns:a16="http://schemas.microsoft.com/office/drawing/2014/main" id="{26F22F7D-59E1-419E-B5A3-9FD6C3DB5800}"/>
+              </a:ext>
+            </a:extLst>
+          </p:cNvPr>
+          <p:cNvPicPr>
+            <a:picLocks noChangeAspect="1"/>
+          </p:cNvPicPr>
+          <p:nvPr/>
+        </p:nvPicPr>
+        <p:blipFill>
+          <a:blip r:embed="rId7"/>
+          <a:stretch>
+            <a:fillRect/>
+          </a:stretch>
+        </p:blipFill>
+        <p:spPr>
+          <a:xfrm>
+            <a:off x="6677585" y="1519972"/>
+            <a:ext cx="4606791" cy="4328691"/>
           </a:xfrm>
           <a:prstGeom prst="rect">
             <a:avLst/>
@@ -4397,14 +4445,17 @@
           <a:p>
             <a:r>
               <a:rPr lang="en-US" b="1" dirty="0"/>
-              <a:t>Support Type:</a:t>
-            </a:r>
-            <a:endParaRPr lang="en-US" dirty="0"/>
+              <a:t>Support Type: </a:t>
+            </a:r>
+            <a:r>
+              <a:rPr lang="en-US" dirty="0"/>
+              <a:t>single variable, discrete</a:t>
+            </a:r>
           </a:p>
         </p:txBody>
       </p:sp>
-      <mc:AlternateContent xmlns:mc="http://schemas.openxmlformats.org/markup-compatibility/2006" xmlns:a14="http://schemas.microsoft.com/office/drawing/2010/main">
-        <mc:Choice Requires="a14">
+      <mc:AlternateContent xmlns:mc="http://schemas.openxmlformats.org/markup-compatibility/2006">
+        <mc:Choice xmlns:a14="http://schemas.microsoft.com/office/drawing/2010/main" Requires="a14">
           <p:graphicFrame>
             <p:nvGraphicFramePr>
               <p:cNvPr id="15" name="Table 15">
@@ -4420,14 +4471,14 @@
               <p:nvPr>
                 <p:extLst>
                   <p:ext uri="{D42A27DB-BD31-4B8C-83A1-F6EECF244321}">
-                    <p14:modId xmlns:p14="http://schemas.microsoft.com/office/powerpoint/2010/main" val="3202718773"/>
+                    <p14:modId xmlns:p14="http://schemas.microsoft.com/office/powerpoint/2010/main" val="179070960"/>
                   </p:ext>
                 </p:extLst>
               </p:nvPr>
             </p:nvGraphicFramePr>
             <p:xfrm>
               <a:off x="907624" y="2251102"/>
-              <a:ext cx="4106635" cy="1587363"/>
+              <a:ext cx="4106635" cy="2516907"/>
             </p:xfrm>
             <a:graphic>
               <a:graphicData uri="http://schemas.openxmlformats.org/drawingml/2006/table">
@@ -4451,7 +4502,7 @@
                       </a:extLst>
                     </a:gridCol>
                   </a:tblGrid>
-                  <a:tr h="370840">
+                  <a:tr h="701325">
                     <a:tc>
                       <a:txBody>
                         <a:bodyPr/>
@@ -4485,7 +4536,7 @@
                       </a:ext>
                     </a:extLst>
                   </a:tr>
-                  <a:tr h="370840">
+                  <a:tr h="221540">
                     <a:tc>
                       <a:txBody>
                         <a:bodyPr/>
@@ -4504,7 +4555,167 @@
                         <a:bodyPr/>
                         <a:lstStyle/>
                         <a:p>
-                          <a:endParaRPr lang="en-US" dirty="0"/>
+                          <a14:m>
+                            <m:oMathPara xmlns:m="http://schemas.openxmlformats.org/officeDocument/2006/math">
+                              <m:oMathParaPr>
+                                <m:jc m:val="centerGroup"/>
+                              </m:oMathParaPr>
+                              <m:oMath xmlns:m="http://schemas.openxmlformats.org/officeDocument/2006/math">
+                                <m:r>
+                                  <a:rPr lang="en-US" sz="1400" b="0" i="1" smtClean="0">
+                                    <a:latin typeface="Cambria Math" panose="02040503050406030204" pitchFamily="18" charset="0"/>
+                                  </a:rPr>
+                                  <m:t>𝑛</m:t>
+                                </m:r>
+                                <m:r>
+                                  <a:rPr lang="en-US" sz="1400" b="0" i="1" smtClean="0">
+                                    <a:latin typeface="Cambria Math" panose="02040503050406030204" pitchFamily="18" charset="0"/>
+                                  </a:rPr>
+                                  <m:t>&gt;0 </m:t>
+                                </m:r>
+                                <m:d>
+                                  <m:dPr>
+                                    <m:ctrlPr>
+                                      <a:rPr lang="en-US" sz="1400" b="0" i="1" smtClean="0">
+                                        <a:latin typeface="Cambria Math" panose="02040503050406030204" pitchFamily="18" charset="0"/>
+                                      </a:rPr>
+                                    </m:ctrlPr>
+                                  </m:dPr>
+                                  <m:e>
+                                    <m:r>
+                                      <a:rPr lang="en-US" sz="1400" b="0" i="1" smtClean="0">
+                                        <a:latin typeface="Cambria Math" panose="02040503050406030204" pitchFamily="18" charset="0"/>
+                                      </a:rPr>
+                                      <m:t>𝑛𝑢𝑚𝑏𝑒𝑟</m:t>
+                                    </m:r>
+                                    <m:r>
+                                      <a:rPr lang="en-US" sz="1400" b="0" i="1" smtClean="0">
+                                        <a:latin typeface="Cambria Math" panose="02040503050406030204" pitchFamily="18" charset="0"/>
+                                      </a:rPr>
+                                      <m:t> </m:t>
+                                    </m:r>
+                                    <m:r>
+                                      <a:rPr lang="en-US" sz="1400" b="0" i="1" smtClean="0">
+                                        <a:latin typeface="Cambria Math" panose="02040503050406030204" pitchFamily="18" charset="0"/>
+                                      </a:rPr>
+                                      <m:t>𝑜𝑓</m:t>
+                                    </m:r>
+                                    <m:r>
+                                      <a:rPr lang="en-US" sz="1400" b="0" i="1" smtClean="0">
+                                        <a:latin typeface="Cambria Math" panose="02040503050406030204" pitchFamily="18" charset="0"/>
+                                      </a:rPr>
+                                      <m:t> </m:t>
+                                    </m:r>
+                                    <m:r>
+                                      <a:rPr lang="en-US" sz="1400" b="0" i="1" smtClean="0">
+                                        <a:latin typeface="Cambria Math" panose="02040503050406030204" pitchFamily="18" charset="0"/>
+                                      </a:rPr>
+                                      <m:t>𝑡𝑟𝑖𝑎𝑙𝑠</m:t>
+                                    </m:r>
+                                  </m:e>
+                                </m:d>
+                              </m:oMath>
+                            </m:oMathPara>
+                          </a14:m>
+                          <a:endParaRPr lang="en-US" sz="1400" b="0" dirty="0"/>
+                        </a:p>
+                        <a:p>
+                          <a14:m>
+                            <m:oMathPara xmlns:m="http://schemas.openxmlformats.org/officeDocument/2006/math">
+                              <m:oMathParaPr>
+                                <m:jc m:val="centerGroup"/>
+                              </m:oMathParaPr>
+                              <m:oMath xmlns:m="http://schemas.openxmlformats.org/officeDocument/2006/math">
+                                <m:sSub>
+                                  <m:sSubPr>
+                                    <m:ctrlPr>
+                                      <a:rPr lang="en-US" sz="1400" b="0" i="1" smtClean="0">
+                                        <a:latin typeface="Cambria Math" panose="02040503050406030204" pitchFamily="18" charset="0"/>
+                                      </a:rPr>
+                                    </m:ctrlPr>
+                                  </m:sSubPr>
+                                  <m:e>
+                                    <m:r>
+                                      <a:rPr lang="en-US" sz="1400" b="0" i="1" smtClean="0">
+                                        <a:latin typeface="Cambria Math" panose="02040503050406030204" pitchFamily="18" charset="0"/>
+                                      </a:rPr>
+                                      <m:t>𝑝</m:t>
+                                    </m:r>
+                                  </m:e>
+                                  <m:sub>
+                                    <m:r>
+                                      <a:rPr lang="en-US" sz="1400" b="0" i="1" smtClean="0">
+                                        <a:latin typeface="Cambria Math" panose="02040503050406030204" pitchFamily="18" charset="0"/>
+                                      </a:rPr>
+                                      <m:t>1</m:t>
+                                    </m:r>
+                                  </m:sub>
+                                </m:sSub>
+                                <m:r>
+                                  <a:rPr lang="en-US" sz="1400" b="0" i="1" smtClean="0">
+                                    <a:latin typeface="Cambria Math" panose="02040503050406030204" pitchFamily="18" charset="0"/>
+                                  </a:rPr>
+                                  <m:t>, …, </m:t>
+                                </m:r>
+                                <m:sSub>
+                                  <m:sSubPr>
+                                    <m:ctrlPr>
+                                      <a:rPr lang="en-US" sz="1400" b="0" i="1" smtClean="0">
+                                        <a:latin typeface="Cambria Math" panose="02040503050406030204" pitchFamily="18" charset="0"/>
+                                      </a:rPr>
+                                    </m:ctrlPr>
+                                  </m:sSubPr>
+                                  <m:e>
+                                    <m:r>
+                                      <a:rPr lang="en-US" sz="1400" b="0" i="1" smtClean="0">
+                                        <a:latin typeface="Cambria Math" panose="02040503050406030204" pitchFamily="18" charset="0"/>
+                                      </a:rPr>
+                                      <m:t>𝑝</m:t>
+                                    </m:r>
+                                  </m:e>
+                                  <m:sub>
+                                    <m:r>
+                                      <a:rPr lang="en-US" sz="1400" b="0" i="1" smtClean="0">
+                                        <a:latin typeface="Cambria Math" panose="02040503050406030204" pitchFamily="18" charset="0"/>
+                                      </a:rPr>
+                                      <m:t>𝑘</m:t>
+                                    </m:r>
+                                  </m:sub>
+                                </m:sSub>
+                                <m:r>
+                                  <a:rPr lang="en-US" sz="1400" b="0" i="1" smtClean="0">
+                                    <a:latin typeface="Cambria Math" panose="02040503050406030204" pitchFamily="18" charset="0"/>
+                                  </a:rPr>
+                                  <m:t> (</m:t>
+                                </m:r>
+                                <m:r>
+                                  <a:rPr lang="en-US" sz="1400" b="0" i="1" smtClean="0">
+                                    <a:latin typeface="Cambria Math" panose="02040503050406030204" pitchFamily="18" charset="0"/>
+                                  </a:rPr>
+                                  <m:t>𝑒𝑣𝑒𝑛𝑡</m:t>
+                                </m:r>
+                                <m:r>
+                                  <a:rPr lang="en-US" sz="1400" b="0" i="1" smtClean="0">
+                                    <a:latin typeface="Cambria Math" panose="02040503050406030204" pitchFamily="18" charset="0"/>
+                                  </a:rPr>
+                                  <m:t> </m:t>
+                                </m:r>
+                                <m:r>
+                                  <a:rPr lang="en-US" sz="1400" b="0" i="1" smtClean="0">
+                                    <a:latin typeface="Cambria Math" panose="02040503050406030204" pitchFamily="18" charset="0"/>
+                                  </a:rPr>
+                                  <m:t>𝑝𝑟𝑜𝑏𝑎𝑏𝑖𝑙𝑖𝑡𝑖𝑒𝑠</m:t>
+                                </m:r>
+                                <m:r>
+                                  <a:rPr lang="en-US" sz="1400" b="0" i="1" smtClean="0">
+                                    <a:latin typeface="Cambria Math" panose="02040503050406030204" pitchFamily="18" charset="0"/>
+                                  </a:rPr>
+                                  <m:t>)</m:t>
+                                </m:r>
+                              </m:oMath>
+                            </m:oMathPara>
+                          </a14:m>
+                          <a:endParaRPr lang="en-US" sz="1400" b="0" dirty="0"/>
                         </a:p>
                       </a:txBody>
                       <a:tcPr/>
@@ -4534,7 +4745,221 @@
                         <a:bodyPr/>
                         <a:lstStyle/>
                         <a:p>
-                          <a:endParaRPr lang="en-US" dirty="0"/>
+                          <a14:m>
+                            <m:oMathPara xmlns:m="http://schemas.openxmlformats.org/officeDocument/2006/math">
+                              <m:oMathParaPr>
+                                <m:jc m:val="centerGroup"/>
+                              </m:oMathParaPr>
+                              <m:oMath xmlns:m="http://schemas.openxmlformats.org/officeDocument/2006/math">
+                                <m:sSub>
+                                  <m:sSubPr>
+                                    <m:ctrlPr>
+                                      <a:rPr lang="en-US" sz="1400" i="1" smtClean="0">
+                                        <a:latin typeface="Cambria Math" panose="02040503050406030204" pitchFamily="18" charset="0"/>
+                                      </a:rPr>
+                                    </m:ctrlPr>
+                                  </m:sSubPr>
+                                  <m:e>
+                                    <m:r>
+                                      <a:rPr lang="en-US" sz="1400" b="0" i="1" smtClean="0">
+                                        <a:latin typeface="Cambria Math" panose="02040503050406030204" pitchFamily="18" charset="0"/>
+                                      </a:rPr>
+                                      <m:t>𝑥</m:t>
+                                    </m:r>
+                                  </m:e>
+                                  <m:sub>
+                                    <m:r>
+                                      <a:rPr lang="en-US" sz="1400" b="0" i="1" smtClean="0">
+                                        <a:latin typeface="Cambria Math" panose="02040503050406030204" pitchFamily="18" charset="0"/>
+                                      </a:rPr>
+                                      <m:t>𝑖</m:t>
+                                    </m:r>
+                                  </m:sub>
+                                </m:sSub>
+                                <m:r>
+                                  <a:rPr lang="en-US" sz="1400" b="0" i="1" smtClean="0">
+                                    <a:latin typeface="Cambria Math" panose="02040503050406030204" pitchFamily="18" charset="0"/>
+                                  </a:rPr>
+                                  <m:t> </m:t>
+                                </m:r>
+                                <m:r>
+                                  <a:rPr lang="en-US" sz="1400" b="0" i="1" smtClean="0">
+                                    <a:latin typeface="Cambria Math" panose="02040503050406030204" pitchFamily="18" charset="0"/>
+                                    <a:ea typeface="Cambria Math" panose="02040503050406030204" pitchFamily="18" charset="0"/>
+                                  </a:rPr>
+                                  <m:t>𝜖</m:t>
+                                </m:r>
+                                <m:r>
+                                  <a:rPr lang="en-US" sz="1400" b="0" i="1" smtClean="0">
+                                    <a:latin typeface="Cambria Math" panose="02040503050406030204" pitchFamily="18" charset="0"/>
+                                    <a:ea typeface="Cambria Math" panose="02040503050406030204" pitchFamily="18" charset="0"/>
+                                  </a:rPr>
+                                  <m:t> </m:t>
+                                </m:r>
+                                <m:d>
+                                  <m:dPr>
+                                    <m:begChr m:val="{"/>
+                                    <m:endChr m:val="}"/>
+                                    <m:ctrlPr>
+                                      <a:rPr lang="en-US" sz="1400" b="0" i="1" smtClean="0">
+                                        <a:latin typeface="Cambria Math" panose="02040503050406030204" pitchFamily="18" charset="0"/>
+                                        <a:ea typeface="Cambria Math" panose="02040503050406030204" pitchFamily="18" charset="0"/>
+                                      </a:rPr>
+                                    </m:ctrlPr>
+                                  </m:dPr>
+                                  <m:e>
+                                    <m:r>
+                                      <a:rPr lang="en-US" sz="1400" b="0" i="1" smtClean="0">
+                                        <a:latin typeface="Cambria Math" panose="02040503050406030204" pitchFamily="18" charset="0"/>
+                                        <a:ea typeface="Cambria Math" panose="02040503050406030204" pitchFamily="18" charset="0"/>
+                                      </a:rPr>
+                                      <m:t>0, …, </m:t>
+                                    </m:r>
+                                    <m:r>
+                                      <a:rPr lang="en-US" sz="1400" b="0" i="1" smtClean="0">
+                                        <a:latin typeface="Cambria Math" panose="02040503050406030204" pitchFamily="18" charset="0"/>
+                                        <a:ea typeface="Cambria Math" panose="02040503050406030204" pitchFamily="18" charset="0"/>
+                                      </a:rPr>
+                                      <m:t>𝑛</m:t>
+                                    </m:r>
+                                  </m:e>
+                                </m:d>
+                                <m:r>
+                                  <a:rPr lang="en-US" sz="1400" b="0" i="1" smtClean="0">
+                                    <a:latin typeface="Cambria Math" panose="02040503050406030204" pitchFamily="18" charset="0"/>
+                                    <a:ea typeface="Cambria Math" panose="02040503050406030204" pitchFamily="18" charset="0"/>
+                                  </a:rPr>
+                                  <m:t>, </m:t>
+                                </m:r>
+                                <m:r>
+                                  <a:rPr lang="en-US" sz="1400" b="0" i="1" smtClean="0">
+                                    <a:latin typeface="Cambria Math" panose="02040503050406030204" pitchFamily="18" charset="0"/>
+                                    <a:ea typeface="Cambria Math" panose="02040503050406030204" pitchFamily="18" charset="0"/>
+                                  </a:rPr>
+                                  <m:t>𝑖</m:t>
+                                </m:r>
+                                <m:r>
+                                  <a:rPr lang="en-US" sz="1400" b="0" i="1" smtClean="0">
+                                    <a:latin typeface="Cambria Math" panose="02040503050406030204" pitchFamily="18" charset="0"/>
+                                    <a:ea typeface="Cambria Math" panose="02040503050406030204" pitchFamily="18" charset="0"/>
+                                  </a:rPr>
+                                  <m:t> </m:t>
+                                </m:r>
+                                <m:r>
+                                  <a:rPr lang="en-US" sz="1400" b="0" i="1" smtClean="0">
+                                    <a:latin typeface="Cambria Math" panose="02040503050406030204" pitchFamily="18" charset="0"/>
+                                    <a:ea typeface="Cambria Math" panose="02040503050406030204" pitchFamily="18" charset="0"/>
+                                  </a:rPr>
+                                  <m:t>𝜖</m:t>
+                                </m:r>
+                                <m:r>
+                                  <a:rPr lang="en-US" sz="1400" b="0" i="1" smtClean="0">
+                                    <a:latin typeface="Cambria Math" panose="02040503050406030204" pitchFamily="18" charset="0"/>
+                                    <a:ea typeface="Cambria Math" panose="02040503050406030204" pitchFamily="18" charset="0"/>
+                                  </a:rPr>
+                                  <m:t> </m:t>
+                                </m:r>
+                                <m:d>
+                                  <m:dPr>
+                                    <m:begChr m:val="{"/>
+                                    <m:endChr m:val="}"/>
+                                    <m:ctrlPr>
+                                      <a:rPr lang="en-US" sz="1400" b="0" i="1" smtClean="0">
+                                        <a:latin typeface="Cambria Math" panose="02040503050406030204" pitchFamily="18" charset="0"/>
+                                        <a:ea typeface="Cambria Math" panose="02040503050406030204" pitchFamily="18" charset="0"/>
+                                      </a:rPr>
+                                    </m:ctrlPr>
+                                  </m:dPr>
+                                  <m:e>
+                                    <m:r>
+                                      <a:rPr lang="en-US" sz="1400" b="0" i="1" smtClean="0">
+                                        <a:latin typeface="Cambria Math" panose="02040503050406030204" pitchFamily="18" charset="0"/>
+                                        <a:ea typeface="Cambria Math" panose="02040503050406030204" pitchFamily="18" charset="0"/>
+                                      </a:rPr>
+                                      <m:t>1, …, </m:t>
+                                    </m:r>
+                                    <m:r>
+                                      <a:rPr lang="en-US" sz="1400" b="0" i="1" smtClean="0">
+                                        <a:latin typeface="Cambria Math" panose="02040503050406030204" pitchFamily="18" charset="0"/>
+                                        <a:ea typeface="Cambria Math" panose="02040503050406030204" pitchFamily="18" charset="0"/>
+                                      </a:rPr>
+                                      <m:t>𝑘</m:t>
+                                    </m:r>
+                                  </m:e>
+                                </m:d>
+                              </m:oMath>
+                            </m:oMathPara>
+                          </a14:m>
+                          <a:endParaRPr lang="en-US" sz="1400" b="0" dirty="0">
+                            <a:ea typeface="Cambria Math" panose="02040503050406030204" pitchFamily="18" charset="0"/>
+                          </a:endParaRPr>
+                        </a:p>
+                        <a:p>
+                          <a14:m>
+                            <m:oMathPara xmlns:m="http://schemas.openxmlformats.org/officeDocument/2006/math">
+                              <m:oMathParaPr>
+                                <m:jc m:val="centerGroup"/>
+                              </m:oMathParaPr>
+                              <m:oMath xmlns:m="http://schemas.openxmlformats.org/officeDocument/2006/math">
+                                <m:r>
+                                  <a:rPr lang="en-US" sz="1400" b="0" i="1" smtClean="0">
+                                    <a:latin typeface="Cambria Math" panose="02040503050406030204" pitchFamily="18" charset="0"/>
+                                  </a:rPr>
+                                  <m:t>𝑤𝑖𝑡h</m:t>
+                                </m:r>
+                                <m:r>
+                                  <a:rPr lang="en-US" sz="1400" b="0" i="1" smtClean="0">
+                                    <a:latin typeface="Cambria Math" panose="02040503050406030204" pitchFamily="18" charset="0"/>
+                                  </a:rPr>
+                                  <m:t> </m:t>
+                                </m:r>
+                                <m:nary>
+                                  <m:naryPr>
+                                    <m:chr m:val="∑"/>
+                                    <m:supHide m:val="on"/>
+                                    <m:ctrlPr>
+                                      <a:rPr lang="en-US" sz="1400" b="0" i="1" smtClean="0">
+                                        <a:latin typeface="Cambria Math" panose="02040503050406030204" pitchFamily="18" charset="0"/>
+                                      </a:rPr>
+                                    </m:ctrlPr>
+                                  </m:naryPr>
+                                  <m:sub>
+                                    <m:r>
+                                      <m:rPr>
+                                        <m:brk m:alnAt="7"/>
+                                      </m:rPr>
+                                      <a:rPr lang="en-US" sz="1400" b="0" i="1" smtClean="0">
+                                        <a:latin typeface="Cambria Math" panose="02040503050406030204" pitchFamily="18" charset="0"/>
+                                      </a:rPr>
+                                      <m:t>𝑖</m:t>
+                                    </m:r>
+                                  </m:sub>
+                                  <m:sup/>
+                                  <m:e>
+                                    <m:r>
+                                      <a:rPr lang="en-US" sz="1400" b="0" i="1" smtClean="0">
+                                        <a:latin typeface="Cambria Math" panose="02040503050406030204" pitchFamily="18" charset="0"/>
+                                      </a:rPr>
+                                      <m:t>𝑥𝑖</m:t>
+                                    </m:r>
+                                  </m:e>
+                                </m:nary>
+                                <m:r>
+                                  <a:rPr lang="en-US" sz="1400" b="0" i="1" smtClean="0">
+                                    <a:latin typeface="Cambria Math" panose="02040503050406030204" pitchFamily="18" charset="0"/>
+                                  </a:rPr>
+                                  <m:t>=</m:t>
+                                </m:r>
+                                <m:r>
+                                  <a:rPr lang="en-US" sz="1400" b="0" i="1" smtClean="0">
+                                    <a:latin typeface="Cambria Math" panose="02040503050406030204" pitchFamily="18" charset="0"/>
+                                  </a:rPr>
+                                  <m:t>𝑛</m:t>
+                                </m:r>
+                              </m:oMath>
+                            </m:oMathPara>
+                          </a14:m>
+                          <a:endParaRPr lang="en-US" sz="1400" dirty="0"/>
                         </a:p>
                       </a:txBody>
                       <a:tcPr/>
@@ -4607,6 +5032,46 @@
                             <a:tabLst/>
                             <a:defRPr/>
                           </a:pPr>
+                          <a14:m>
+                            <m:oMathPara xmlns:m="http://schemas.openxmlformats.org/officeDocument/2006/math">
+                              <m:oMathParaPr>
+                                <m:jc m:val="centerGroup"/>
+                              </m:oMathParaPr>
+                              <m:oMath xmlns:m="http://schemas.openxmlformats.org/officeDocument/2006/math">
+                                <m:r>
+                                  <a:rPr lang="en-US" b="0" i="1" smtClean="0">
+                                    <a:latin typeface="Cambria Math" panose="02040503050406030204" pitchFamily="18" charset="0"/>
+                                  </a:rPr>
+                                  <m:t>𝑛</m:t>
+                                </m:r>
+                                <m:sSub>
+                                  <m:sSubPr>
+                                    <m:ctrlPr>
+                                      <a:rPr lang="en-US" b="0" i="1" smtClean="0">
+                                        <a:latin typeface="Cambria Math" panose="02040503050406030204" pitchFamily="18" charset="0"/>
+                                      </a:rPr>
+                                    </m:ctrlPr>
+                                  </m:sSubPr>
+                                  <m:e>
+                                    <m:r>
+                                      <a:rPr lang="en-US" b="0" i="1" smtClean="0">
+                                        <a:latin typeface="Cambria Math" panose="02040503050406030204" pitchFamily="18" charset="0"/>
+                                      </a:rPr>
+                                      <m:t>𝑝</m:t>
+                                    </m:r>
+                                  </m:e>
+                                  <m:sub>
+                                    <m:r>
+                                      <a:rPr lang="en-US" b="0" i="1" smtClean="0">
+                                        <a:latin typeface="Cambria Math" panose="02040503050406030204" pitchFamily="18" charset="0"/>
+                                      </a:rPr>
+                                      <m:t>𝑖</m:t>
+                                    </m:r>
+                                  </m:sub>
+                                </m:sSub>
+                              </m:oMath>
+                            </m:oMathPara>
+                          </a14:m>
                           <a:endParaRPr lang="en-US" dirty="0"/>
                         </a:p>
                       </a:txBody>
@@ -4623,7 +5088,7 @@
             </a:graphic>
           </p:graphicFrame>
         </mc:Choice>
-        <mc:Fallback xmlns="">
+        <mc:Fallback>
           <p:graphicFrame>
             <p:nvGraphicFramePr>
               <p:cNvPr id="15" name="Table 15">
@@ -4639,14 +5104,14 @@
               <p:nvPr>
                 <p:extLst>
                   <p:ext uri="{D42A27DB-BD31-4B8C-83A1-F6EECF244321}">
-                    <p14:modId xmlns:p14="http://schemas.microsoft.com/office/powerpoint/2010/main" val="3202718773"/>
+                    <p14:modId xmlns:p14="http://schemas.microsoft.com/office/powerpoint/2010/main" val="179070960"/>
                   </p:ext>
                 </p:extLst>
               </p:nvPr>
             </p:nvGraphicFramePr>
             <p:xfrm>
               <a:off x="907624" y="2251102"/>
-              <a:ext cx="4106635" cy="1587363"/>
+              <a:ext cx="4106635" cy="2516907"/>
             </p:xfrm>
             <a:graphic>
               <a:graphicData uri="http://schemas.openxmlformats.org/drawingml/2006/table">
@@ -4670,7 +5135,7 @@
                       </a:extLst>
                     </a:gridCol>
                   </a:tblGrid>
-                  <a:tr h="370840">
+                  <a:tr h="701325">
                     <a:tc>
                       <a:txBody>
                         <a:bodyPr/>
@@ -4704,7 +5169,7 @@
                       </a:ext>
                     </a:extLst>
                   </a:tr>
-                  <a:tr h="370840">
+                  <a:tr h="518160">
                     <a:tc>
                       <a:txBody>
                         <a:bodyPr/>
@@ -4723,10 +5188,17 @@
                         <a:bodyPr/>
                         <a:lstStyle/>
                         <a:p>
-                          <a:endParaRPr lang="en-US" dirty="0"/>
-                        </a:p>
-                      </a:txBody>
-                      <a:tcPr/>
+                          <a:endParaRPr lang="en-US"/>
+                        </a:p>
+                      </a:txBody>
+                      <a:tcPr>
+                        <a:blipFill>
+                          <a:blip r:embed="rId2"/>
+                          <a:stretch>
+                            <a:fillRect l="-59434" t="-139535" r="-708" b="-352326"/>
+                          </a:stretch>
+                        </a:blipFill>
+                      </a:tcPr>
                     </a:tc>
                     <a:extLst>
                       <a:ext uri="{0D108BD9-81ED-4DB2-BD59-A6C34878D82A}">
@@ -4734,7 +5206,7 @@
                       </a:ext>
                     </a:extLst>
                   </a:tr>
-                  <a:tr h="370840">
+                  <a:tr h="822579">
                     <a:tc>
                       <a:txBody>
                         <a:bodyPr/>
@@ -4753,10 +5225,17 @@
                         <a:bodyPr/>
                         <a:lstStyle/>
                         <a:p>
-                          <a:endParaRPr lang="en-US" dirty="0"/>
-                        </a:p>
-                      </a:txBody>
-                      <a:tcPr/>
+                          <a:endParaRPr lang="en-US"/>
+                        </a:p>
+                      </a:txBody>
+                      <a:tcPr>
+                        <a:blipFill>
+                          <a:blip r:embed="rId2"/>
+                          <a:stretch>
+                            <a:fillRect l="-59434" t="-152593" r="-708" b="-124444"/>
+                          </a:stretch>
+                        </a:blipFill>
+                      </a:tcPr>
                     </a:tc>
                     <a:extLst>
                       <a:ext uri="{0D108BD9-81ED-4DB2-BD59-A6C34878D82A}">
@@ -4777,7 +5256,7 @@
                         <a:blipFill>
                           <a:blip r:embed="rId2"/>
                           <a:stretch>
-                            <a:fillRect l="-398" t="-241026" r="-170120" b="-2564"/>
+                            <a:fillRect l="-398" t="-437179" r="-170120" b="-115385"/>
                           </a:stretch>
                         </a:blipFill>
                       </a:tcPr>
@@ -4787,27 +5266,17 @@
                         <a:bodyPr/>
                         <a:lstStyle/>
                         <a:p>
-                          <a:pPr marL="0" marR="0" lvl="0" indent="0" algn="l" defTabSz="914400" rtl="0" eaLnBrk="1" fontAlgn="auto" latinLnBrk="0" hangingPunct="1">
-                            <a:lnSpc>
-                              <a:spcPct val="100000"/>
-                            </a:lnSpc>
-                            <a:spcBef>
-                              <a:spcPts val="0"/>
-                            </a:spcBef>
-                            <a:spcAft>
-                              <a:spcPts val="0"/>
-                            </a:spcAft>
-                            <a:buClrTx/>
-                            <a:buSzTx/>
-                            <a:buFontTx/>
-                            <a:buNone/>
-                            <a:tabLst/>
-                            <a:defRPr/>
-                          </a:pPr>
-                          <a:endParaRPr lang="en-US" dirty="0"/>
-                        </a:p>
-                      </a:txBody>
-                      <a:tcPr/>
+                          <a:endParaRPr lang="en-US"/>
+                        </a:p>
+                      </a:txBody>
+                      <a:tcPr>
+                        <a:blipFill>
+                          <a:blip r:embed="rId2"/>
+                          <a:stretch>
+                            <a:fillRect l="-59434" t="-437179" r="-708" b="-115385"/>
+                          </a:stretch>
+                        </a:blipFill>
+                      </a:tcPr>
                     </a:tc>
                     <a:extLst>
                       <a:ext uri="{0D108BD9-81ED-4DB2-BD59-A6C34878D82A}">
@@ -4891,8 +5360,8 @@
         </p:nvSpPr>
         <p:spPr>
           <a:xfrm>
-            <a:off x="908424" y="4446494"/>
-            <a:ext cx="4147670" cy="923330"/>
+            <a:off x="908424" y="4849450"/>
+            <a:ext cx="4147670" cy="1477328"/>
           </a:xfrm>
           <a:prstGeom prst="rect">
             <a:avLst/>
@@ -4912,22 +5381,12 @@
           <a:p>
             <a:r>
               <a:rPr lang="en-US" b="1" dirty="0"/>
-              <a:t>Typical Uses:</a:t>
-            </a:r>
-          </a:p>
-          <a:p>
-            <a:pPr marL="285750" indent="-285750">
-              <a:buFontTx/>
-              <a:buChar char="-"/>
-            </a:pPr>
-            <a:endParaRPr lang="en-US" dirty="0"/>
-          </a:p>
-          <a:p>
-            <a:pPr marL="285750" indent="-285750">
-              <a:buFontTx/>
-              <a:buChar char="-"/>
-            </a:pPr>
-            <a:endParaRPr lang="en-US" dirty="0"/>
+              <a:t>Typical Uses: </a:t>
+            </a:r>
+            <a:r>
+              <a:rPr lang="en-US" dirty="0"/>
+              <a:t> and example is: to model the probability of counts for each side of a k-sided die rolled n times. If the die is unfair, then the probability for each side of the die may be different.</a:t>
+            </a:r>
           </a:p>
         </p:txBody>
       </p:sp>
@@ -4946,7 +5405,7 @@
         <p:spPr>
           <a:xfrm>
             <a:off x="0" y="6317674"/>
-            <a:ext cx="12156141" cy="523220"/>
+            <a:ext cx="12156141" cy="400110"/>
           </a:xfrm>
           <a:prstGeom prst="rect">
             <a:avLst/>
@@ -4961,13 +5420,41 @@
           <a:p>
             <a:r>
               <a:rPr lang="en-US" sz="1000" b="1" dirty="0"/>
-              <a:t>Resources:</a:t>
-            </a:r>
-            <a:endParaRPr lang="en-US" sz="1000" b="1" dirty="0">
-              <a:hlinkClick r:id="rId3"/>
-            </a:endParaRPr>
-          </a:p>
-          <a:p>
+              <a:t>Resources: </a:t>
+            </a:r>
+            <a:r>
+              <a:rPr lang="en-US" sz="1000" dirty="0">
+                <a:hlinkClick r:id="rId3"/>
+              </a:rPr>
+              <a:t>Multinomial distribution </a:t>
+            </a:r>
+            <a:r>
+              <a:rPr lang="en-US" sz="1000" dirty="0">
+                <a:hlinkClick r:id="rId4"/>
+              </a:rPr>
+              <a:t>–</a:t>
+            </a:r>
+            <a:r>
+              <a:rPr lang="en-US" sz="1000" dirty="0">
+                <a:hlinkClick r:id="rId3"/>
+              </a:rPr>
+              <a:t> Wikipedia</a:t>
+            </a:r>
+            <a:endParaRPr lang="en-US" sz="1000" dirty="0"/>
+          </a:p>
+          <a:p>
+            <a:r>
+              <a:rPr lang="en-US" sz="1000" dirty="0">
+                <a:hlinkClick r:id="rId5"/>
+              </a:rPr>
+              <a:t>Multinomial Probability Distribution Functions - MATLAB &amp; Simulink - MathWorks </a:t>
+            </a:r>
+            <a:r>
+              <a:rPr lang="ko-KR" altLang="en-US" sz="1000" dirty="0">
+                <a:hlinkClick r:id="rId5"/>
+              </a:rPr>
+              <a:t>한국</a:t>
+            </a:r>
             <a:endParaRPr lang="en-US" dirty="0"/>
           </a:p>
         </p:txBody>
@@ -5008,6 +5495,66 @@
           </a:p>
         </p:txBody>
       </p:sp>
+      <p:pic>
+        <p:nvPicPr>
+          <p:cNvPr id="8" name="Picture 7">
+            <a:extLst>
+              <a:ext uri="{FF2B5EF4-FFF2-40B4-BE49-F238E27FC236}">
+                <a16:creationId xmlns:a16="http://schemas.microsoft.com/office/drawing/2014/main" id="{CD3022AF-FA64-4727-93D9-A4457C7B6EA8}"/>
+              </a:ext>
+            </a:extLst>
+          </p:cNvPr>
+          <p:cNvPicPr>
+            <a:picLocks noChangeAspect="1"/>
+          </p:cNvPicPr>
+          <p:nvPr/>
+        </p:nvPicPr>
+        <p:blipFill>
+          <a:blip r:embed="rId6"/>
+          <a:stretch>
+            <a:fillRect/>
+          </a:stretch>
+        </p:blipFill>
+        <p:spPr>
+          <a:xfrm>
+            <a:off x="2453010" y="2310279"/>
+            <a:ext cx="2485983" cy="556906"/>
+          </a:xfrm>
+          <a:prstGeom prst="rect">
+            <a:avLst/>
+          </a:prstGeom>
+        </p:spPr>
+      </p:pic>
+      <p:pic>
+        <p:nvPicPr>
+          <p:cNvPr id="10" name="Picture 9">
+            <a:extLst>
+              <a:ext uri="{FF2B5EF4-FFF2-40B4-BE49-F238E27FC236}">
+                <a16:creationId xmlns:a16="http://schemas.microsoft.com/office/drawing/2014/main" id="{9A889F29-7093-4AD1-BB93-4EAFAF6F3978}"/>
+              </a:ext>
+            </a:extLst>
+          </p:cNvPr>
+          <p:cNvPicPr>
+            <a:picLocks noChangeAspect="1"/>
+          </p:cNvPicPr>
+          <p:nvPr/>
+        </p:nvPicPr>
+        <p:blipFill>
+          <a:blip r:embed="rId7"/>
+          <a:stretch>
+            <a:fillRect/>
+          </a:stretch>
+        </p:blipFill>
+        <p:spPr>
+          <a:xfrm>
+            <a:off x="6635742" y="1556375"/>
+            <a:ext cx="4695825" cy="3914775"/>
+          </a:xfrm>
+          <a:prstGeom prst="rect">
+            <a:avLst/>
+          </a:prstGeom>
+        </p:spPr>
+      </p:pic>
     </p:spTree>
     <p:extLst>
       <p:ext uri="{BB962C8B-B14F-4D97-AF65-F5344CB8AC3E}">
@@ -5106,14 +5653,17 @@
           <a:p>
             <a:r>
               <a:rPr lang="en-US" b="1" dirty="0"/>
-              <a:t>Support Type:</a:t>
-            </a:r>
-            <a:endParaRPr lang="en-US" dirty="0"/>
+              <a:t>Support Type: </a:t>
+            </a:r>
+            <a:r>
+              <a:rPr lang="en-US" dirty="0"/>
+              <a:t>multi variable, continuous</a:t>
+            </a:r>
           </a:p>
         </p:txBody>
       </p:sp>
-      <mc:AlternateContent xmlns:mc="http://schemas.openxmlformats.org/markup-compatibility/2006" xmlns:a14="http://schemas.microsoft.com/office/drawing/2010/main">
-        <mc:Choice Requires="a14">
+      <mc:AlternateContent xmlns:mc="http://schemas.openxmlformats.org/markup-compatibility/2006">
+        <mc:Choice xmlns:a14="http://schemas.microsoft.com/office/drawing/2010/main" Requires="a14">
           <p:graphicFrame>
             <p:nvGraphicFramePr>
               <p:cNvPr id="15" name="Table 15">
@@ -5129,14 +5679,14 @@
               <p:nvPr>
                 <p:extLst>
                   <p:ext uri="{D42A27DB-BD31-4B8C-83A1-F6EECF244321}">
-                    <p14:modId xmlns:p14="http://schemas.microsoft.com/office/powerpoint/2010/main" val="56586511"/>
+                    <p14:modId xmlns:p14="http://schemas.microsoft.com/office/powerpoint/2010/main" val="2922797706"/>
                   </p:ext>
                 </p:extLst>
               </p:nvPr>
             </p:nvGraphicFramePr>
             <p:xfrm>
               <a:off x="907624" y="2251102"/>
-              <a:ext cx="4106635" cy="1587363"/>
+              <a:ext cx="4578776" cy="3129410"/>
             </p:xfrm>
             <a:graphic>
               <a:graphicData uri="http://schemas.openxmlformats.org/drawingml/2006/table">
@@ -5152,7 +5702,7 @@
                         </a:ext>
                       </a:extLst>
                     </a:gridCol>
-                    <a:gridCol w="2581836">
+                    <a:gridCol w="3053977">
                       <a:extLst>
                         <a:ext uri="{9D8B030D-6E8A-4147-A177-3AD203B41FA5}">
                           <a16:colId xmlns:a16="http://schemas.microsoft.com/office/drawing/2014/main" val="642450788"/>
@@ -5160,7 +5710,7 @@
                       </a:extLst>
                     </a:gridCol>
                   </a:tblGrid>
-                  <a:tr h="370840">
+                  <a:tr h="1282512">
                     <a:tc>
                       <a:txBody>
                         <a:bodyPr/>
@@ -5172,7 +5722,7 @@
                                 <a:schemeClr val="tx1"/>
                               </a:solidFill>
                             </a:rPr>
-                            <a:t>PMF</a:t>
+                            <a:t>PDF</a:t>
                           </a:r>
                         </a:p>
                       </a:txBody>
@@ -5213,7 +5763,223 @@
                         <a:bodyPr/>
                         <a:lstStyle/>
                         <a:p>
-                          <a:endParaRPr lang="en-US" dirty="0"/>
+                          <a14:m>
+                            <m:oMath xmlns:m="http://schemas.openxmlformats.org/officeDocument/2006/math">
+                              <m:r>
+                                <a:rPr lang="en-US" sz="1200" b="0" i="1" smtClean="0">
+                                  <a:latin typeface="Cambria Math" panose="02040503050406030204" pitchFamily="18" charset="0"/>
+                                </a:rPr>
+                                <m:t>𝐾</m:t>
+                              </m:r>
+                              <m:r>
+                                <a:rPr lang="en-US" sz="1200" b="0" i="1" smtClean="0">
+                                  <a:latin typeface="Cambria Math" panose="02040503050406030204" pitchFamily="18" charset="0"/>
+                                </a:rPr>
+                                <m:t>≥2 </m:t>
+                              </m:r>
+                              <m:d>
+                                <m:dPr>
+                                  <m:ctrlPr>
+                                    <a:rPr lang="en-US" sz="1200" b="0" i="1" smtClean="0">
+                                      <a:latin typeface="Cambria Math" panose="02040503050406030204" pitchFamily="18" charset="0"/>
+                                    </a:rPr>
+                                  </m:ctrlPr>
+                                </m:dPr>
+                                <m:e>
+                                  <m:r>
+                                    <a:rPr lang="en-US" sz="1200" b="0" i="1" smtClean="0">
+                                      <a:latin typeface="Cambria Math" panose="02040503050406030204" pitchFamily="18" charset="0"/>
+                                    </a:rPr>
+                                    <m:t>𝑛𝑢𝑚𝑏𝑒𝑟</m:t>
+                                  </m:r>
+                                  <m:r>
+                                    <a:rPr lang="en-US" sz="1200" b="0" i="1" smtClean="0">
+                                      <a:latin typeface="Cambria Math" panose="02040503050406030204" pitchFamily="18" charset="0"/>
+                                    </a:rPr>
+                                    <m:t> </m:t>
+                                  </m:r>
+                                  <m:r>
+                                    <a:rPr lang="en-US" sz="1200" b="0" i="1" smtClean="0">
+                                      <a:latin typeface="Cambria Math" panose="02040503050406030204" pitchFamily="18" charset="0"/>
+                                    </a:rPr>
+                                    <m:t>𝑜𝑓</m:t>
+                                  </m:r>
+                                  <m:r>
+                                    <a:rPr lang="en-US" sz="1200" b="0" i="1" smtClean="0">
+                                      <a:latin typeface="Cambria Math" panose="02040503050406030204" pitchFamily="18" charset="0"/>
+                                    </a:rPr>
+                                    <m:t> </m:t>
+                                  </m:r>
+                                  <m:r>
+                                    <a:rPr lang="en-US" sz="1200" b="0" i="1" smtClean="0">
+                                      <a:latin typeface="Cambria Math" panose="02040503050406030204" pitchFamily="18" charset="0"/>
+                                    </a:rPr>
+                                    <m:t>𝑐𝑎𝑡𝑒𝑔𝑜𝑟𝑖𝑒𝑠</m:t>
+                                  </m:r>
+                                </m:e>
+                              </m:d>
+                            </m:oMath>
+                          </a14:m>
+                          <a:r>
+                            <a:rPr lang="en-US" sz="1200" b="0" dirty="0"/>
+                            <a:t>,</a:t>
+                          </a:r>
+                        </a:p>
+                        <a:p>
+                          <a14:m>
+                            <m:oMathPara xmlns:m="http://schemas.openxmlformats.org/officeDocument/2006/math">
+                              <m:oMathParaPr>
+                                <m:jc m:val="centerGroup"/>
+                              </m:oMathParaPr>
+                              <m:oMath xmlns:m="http://schemas.openxmlformats.org/officeDocument/2006/math">
+                                <m:sSub>
+                                  <m:sSubPr>
+                                    <m:ctrlPr>
+                                      <a:rPr lang="en-US" sz="1100" b="0" i="1" smtClean="0">
+                                        <a:latin typeface="Cambria Math" panose="02040503050406030204" pitchFamily="18" charset="0"/>
+                                      </a:rPr>
+                                    </m:ctrlPr>
+                                  </m:sSubPr>
+                                  <m:e>
+                                    <m:r>
+                                      <a:rPr lang="en-US" sz="1100" b="0" i="1" smtClean="0">
+                                        <a:latin typeface="Cambria Math" panose="02040503050406030204" pitchFamily="18" charset="0"/>
+                                        <a:ea typeface="Cambria Math" panose="02040503050406030204" pitchFamily="18" charset="0"/>
+                                      </a:rPr>
+                                      <m:t>𝛼</m:t>
+                                    </m:r>
+                                  </m:e>
+                                  <m:sub>
+                                    <m:r>
+                                      <a:rPr lang="en-US" sz="1100" b="0" i="1" smtClean="0">
+                                        <a:latin typeface="Cambria Math" panose="02040503050406030204" pitchFamily="18" charset="0"/>
+                                      </a:rPr>
+                                      <m:t>1</m:t>
+                                    </m:r>
+                                  </m:sub>
+                                </m:sSub>
+                                <m:r>
+                                  <a:rPr lang="en-US" sz="1100" b="0" i="1" smtClean="0">
+                                    <a:latin typeface="Cambria Math" panose="02040503050406030204" pitchFamily="18" charset="0"/>
+                                  </a:rPr>
+                                  <m:t>,…,</m:t>
+                                </m:r>
+                                <m:sSub>
+                                  <m:sSubPr>
+                                    <m:ctrlPr>
+                                      <a:rPr lang="en-US" sz="1100" b="0" i="1" smtClean="0">
+                                        <a:latin typeface="Cambria Math" panose="02040503050406030204" pitchFamily="18" charset="0"/>
+                                      </a:rPr>
+                                    </m:ctrlPr>
+                                  </m:sSubPr>
+                                  <m:e>
+                                    <m:r>
+                                      <a:rPr lang="en-US" sz="1100" b="0" i="1" smtClean="0">
+                                        <a:latin typeface="Cambria Math" panose="02040503050406030204" pitchFamily="18" charset="0"/>
+                                        <a:ea typeface="Cambria Math" panose="02040503050406030204" pitchFamily="18" charset="0"/>
+                                      </a:rPr>
+                                      <m:t>𝛼</m:t>
+                                    </m:r>
+                                  </m:e>
+                                  <m:sub>
+                                    <m:r>
+                                      <a:rPr lang="en-US" sz="1100" b="0" i="1" smtClean="0">
+                                        <a:latin typeface="Cambria Math" panose="02040503050406030204" pitchFamily="18" charset="0"/>
+                                      </a:rPr>
+                                      <m:t>𝐾</m:t>
+                                    </m:r>
+                                  </m:sub>
+                                </m:sSub>
+                                <m:r>
+                                  <a:rPr lang="en-US" sz="1100" b="0" i="1" smtClean="0">
+                                    <a:latin typeface="Cambria Math" panose="02040503050406030204" pitchFamily="18" charset="0"/>
+                                  </a:rPr>
+                                  <m:t> (</m:t>
+                                </m:r>
+                                <m:r>
+                                  <a:rPr lang="en-US" sz="1100" b="0" i="1" smtClean="0">
+                                    <a:latin typeface="Cambria Math" panose="02040503050406030204" pitchFamily="18" charset="0"/>
+                                  </a:rPr>
+                                  <m:t>𝑐𝑜𝑛𝑐𝑒𝑛𝑡𝑟𝑎𝑡𝑖𝑜𝑛</m:t>
+                                </m:r>
+                                <m:r>
+                                  <a:rPr lang="en-US" sz="1100" b="0" i="1" smtClean="0">
+                                    <a:latin typeface="Cambria Math" panose="02040503050406030204" pitchFamily="18" charset="0"/>
+                                  </a:rPr>
+                                  <m:t> </m:t>
+                                </m:r>
+                                <m:r>
+                                  <a:rPr lang="en-US" sz="1100" b="0" i="1" smtClean="0">
+                                    <a:latin typeface="Cambria Math" panose="02040503050406030204" pitchFamily="18" charset="0"/>
+                                  </a:rPr>
+                                  <m:t>𝑝𝑎𝑟𝑎𝑚𝑒𝑡𝑒𝑟𝑠</m:t>
+                                </m:r>
+                                <m:r>
+                                  <a:rPr lang="en-US" sz="1100" b="0" i="1" smtClean="0">
+                                    <a:latin typeface="Cambria Math" panose="02040503050406030204" pitchFamily="18" charset="0"/>
+                                  </a:rPr>
+                                  <m:t>)</m:t>
+                                </m:r>
+                              </m:oMath>
+                            </m:oMathPara>
+                          </a14:m>
+                          <a:endParaRPr lang="en-US" sz="1100" b="0" dirty="0"/>
+                        </a:p>
+                        <a:p>
+                          <a14:m>
+                            <m:oMathPara xmlns:m="http://schemas.openxmlformats.org/officeDocument/2006/math">
+                              <m:oMathParaPr>
+                                <m:jc m:val="centerGroup"/>
+                              </m:oMathParaPr>
+                              <m:oMath xmlns:m="http://schemas.openxmlformats.org/officeDocument/2006/math">
+                                <m:r>
+                                  <a:rPr lang="en-US" sz="1100" b="0" i="1" smtClean="0">
+                                    <a:latin typeface="Cambria Math" panose="02040503050406030204" pitchFamily="18" charset="0"/>
+                                  </a:rPr>
+                                  <m:t>𝑤h𝑒𝑟𝑒</m:t>
+                                </m:r>
+                                <m:r>
+                                  <a:rPr lang="en-US" sz="1100" b="0" i="1" smtClean="0">
+                                    <a:latin typeface="Cambria Math" panose="02040503050406030204" pitchFamily="18" charset="0"/>
+                                  </a:rPr>
+                                  <m:t> </m:t>
+                                </m:r>
+                                <m:sSub>
+                                  <m:sSubPr>
+                                    <m:ctrlPr>
+                                      <a:rPr lang="en-US" sz="1100" b="0" i="1" smtClean="0">
+                                        <a:latin typeface="Cambria Math" panose="02040503050406030204" pitchFamily="18" charset="0"/>
+                                      </a:rPr>
+                                    </m:ctrlPr>
+                                  </m:sSubPr>
+                                  <m:e>
+                                    <m:r>
+                                      <a:rPr lang="en-US" sz="1100" b="0" i="1" smtClean="0">
+                                        <a:latin typeface="Cambria Math" panose="02040503050406030204" pitchFamily="18" charset="0"/>
+                                        <a:ea typeface="Cambria Math" panose="02040503050406030204" pitchFamily="18" charset="0"/>
+                                      </a:rPr>
+                                      <m:t>𝛼</m:t>
+                                    </m:r>
+                                  </m:e>
+                                  <m:sub>
+                                    <m:r>
+                                      <a:rPr lang="en-US" sz="1100" b="0" i="1" smtClean="0">
+                                        <a:latin typeface="Cambria Math" panose="02040503050406030204" pitchFamily="18" charset="0"/>
+                                      </a:rPr>
+                                      <m:t>𝑖</m:t>
+                                    </m:r>
+                                  </m:sub>
+                                </m:sSub>
+                                <m:r>
+                                  <a:rPr lang="en-US" sz="1100" b="0" i="1" smtClean="0">
+                                    <a:latin typeface="Cambria Math" panose="02040503050406030204" pitchFamily="18" charset="0"/>
+                                  </a:rPr>
+                                  <m:t>&gt;0</m:t>
+                                </m:r>
+                              </m:oMath>
+                            </m:oMathPara>
+                          </a14:m>
+                          <a:endParaRPr lang="en-US" sz="1100" dirty="0"/>
                         </a:p>
                       </a:txBody>
                       <a:tcPr/>
@@ -5243,7 +6009,244 @@
                         <a:bodyPr/>
                         <a:lstStyle/>
                         <a:p>
-                          <a:endParaRPr lang="en-US" dirty="0"/>
+                          <a14:m>
+                            <m:oMathPara xmlns:m="http://schemas.openxmlformats.org/officeDocument/2006/math">
+                              <m:oMathParaPr>
+                                <m:jc m:val="centerGroup"/>
+                              </m:oMathParaPr>
+                              <m:oMath xmlns:m="http://schemas.openxmlformats.org/officeDocument/2006/math">
+                                <m:sSub>
+                                  <m:sSubPr>
+                                    <m:ctrlPr>
+                                      <a:rPr lang="en-US" sz="1200" i="1" smtClean="0">
+                                        <a:latin typeface="Cambria Math" panose="02040503050406030204" pitchFamily="18" charset="0"/>
+                                      </a:rPr>
+                                    </m:ctrlPr>
+                                  </m:sSubPr>
+                                  <m:e>
+                                    <m:r>
+                                      <a:rPr lang="en-US" sz="1200" b="0" i="1" smtClean="0">
+                                        <a:latin typeface="Cambria Math" panose="02040503050406030204" pitchFamily="18" charset="0"/>
+                                      </a:rPr>
+                                      <m:t>𝑥</m:t>
+                                    </m:r>
+                                  </m:e>
+                                  <m:sub>
+                                    <m:r>
+                                      <a:rPr lang="en-US" sz="1200" b="0" i="1" smtClean="0">
+                                        <a:latin typeface="Cambria Math" panose="02040503050406030204" pitchFamily="18" charset="0"/>
+                                      </a:rPr>
+                                      <m:t>1</m:t>
+                                    </m:r>
+                                  </m:sub>
+                                </m:sSub>
+                                <m:r>
+                                  <a:rPr lang="en-US" sz="1200" b="0" i="1" smtClean="0">
+                                    <a:latin typeface="Cambria Math" panose="02040503050406030204" pitchFamily="18" charset="0"/>
+                                  </a:rPr>
+                                  <m:t>, …, </m:t>
+                                </m:r>
+                                <m:sSub>
+                                  <m:sSubPr>
+                                    <m:ctrlPr>
+                                      <a:rPr lang="en-US" sz="1200" b="0" i="1" smtClean="0">
+                                        <a:latin typeface="Cambria Math" panose="02040503050406030204" pitchFamily="18" charset="0"/>
+                                      </a:rPr>
+                                    </m:ctrlPr>
+                                  </m:sSubPr>
+                                  <m:e>
+                                    <m:r>
+                                      <a:rPr lang="en-US" sz="1200" b="0" i="1" smtClean="0">
+                                        <a:latin typeface="Cambria Math" panose="02040503050406030204" pitchFamily="18" charset="0"/>
+                                      </a:rPr>
+                                      <m:t>𝑥</m:t>
+                                    </m:r>
+                                  </m:e>
+                                  <m:sub>
+                                    <m:r>
+                                      <a:rPr lang="en-US" sz="1200" b="0" i="1" smtClean="0">
+                                        <a:latin typeface="Cambria Math" panose="02040503050406030204" pitchFamily="18" charset="0"/>
+                                      </a:rPr>
+                                      <m:t>𝐾</m:t>
+                                    </m:r>
+                                  </m:sub>
+                                </m:sSub>
+                                <m:r>
+                                  <a:rPr lang="en-US" sz="1200" b="0" i="1" smtClean="0">
+                                    <a:latin typeface="Cambria Math" panose="02040503050406030204" pitchFamily="18" charset="0"/>
+                                  </a:rPr>
+                                  <m:t> </m:t>
+                                </m:r>
+                                <m:r>
+                                  <a:rPr lang="en-US" sz="1200" b="0" i="1" smtClean="0">
+                                    <a:latin typeface="Cambria Math" panose="02040503050406030204" pitchFamily="18" charset="0"/>
+                                  </a:rPr>
+                                  <m:t>𝑤h𝑒𝑟𝑒</m:t>
+                                </m:r>
+                                <m:r>
+                                  <a:rPr lang="en-US" sz="1200" b="0" i="1" smtClean="0">
+                                    <a:latin typeface="Cambria Math" panose="02040503050406030204" pitchFamily="18" charset="0"/>
+                                  </a:rPr>
+                                  <m:t> </m:t>
+                                </m:r>
+                                <m:sSub>
+                                  <m:sSubPr>
+                                    <m:ctrlPr>
+                                      <a:rPr lang="en-US" sz="1200" b="0" i="1" smtClean="0">
+                                        <a:latin typeface="Cambria Math" panose="02040503050406030204" pitchFamily="18" charset="0"/>
+                                      </a:rPr>
+                                    </m:ctrlPr>
+                                  </m:sSubPr>
+                                  <m:e>
+                                    <m:r>
+                                      <a:rPr lang="en-US" sz="1200" b="0" i="1" smtClean="0">
+                                        <a:latin typeface="Cambria Math" panose="02040503050406030204" pitchFamily="18" charset="0"/>
+                                      </a:rPr>
+                                      <m:t>𝑥</m:t>
+                                    </m:r>
+                                  </m:e>
+                                  <m:sub>
+                                    <m:r>
+                                      <a:rPr lang="en-US" sz="1200" b="0" i="1" smtClean="0">
+                                        <a:latin typeface="Cambria Math" panose="02040503050406030204" pitchFamily="18" charset="0"/>
+                                      </a:rPr>
+                                      <m:t>𝑖</m:t>
+                                    </m:r>
+                                  </m:sub>
+                                </m:sSub>
+                                <m:r>
+                                  <a:rPr lang="en-US" sz="1200" b="0" i="1" smtClean="0">
+                                    <a:latin typeface="Cambria Math" panose="02040503050406030204" pitchFamily="18" charset="0"/>
+                                  </a:rPr>
+                                  <m:t> </m:t>
+                                </m:r>
+                                <m:r>
+                                  <a:rPr lang="en-US" sz="1200" b="0" i="1" smtClean="0">
+                                    <a:latin typeface="Cambria Math" panose="02040503050406030204" pitchFamily="18" charset="0"/>
+                                    <a:ea typeface="Cambria Math" panose="02040503050406030204" pitchFamily="18" charset="0"/>
+                                  </a:rPr>
+                                  <m:t>𝜖</m:t>
+                                </m:r>
+                                <m:r>
+                                  <a:rPr lang="en-US" sz="1200" b="0" i="1" smtClean="0">
+                                    <a:latin typeface="Cambria Math" panose="02040503050406030204" pitchFamily="18" charset="0"/>
+                                    <a:ea typeface="Cambria Math" panose="02040503050406030204" pitchFamily="18" charset="0"/>
+                                  </a:rPr>
+                                  <m:t> </m:t>
+                                </m:r>
+                                <m:d>
+                                  <m:dPr>
+                                    <m:ctrlPr>
+                                      <a:rPr lang="en-US" sz="1200" b="0" i="1" smtClean="0">
+                                        <a:latin typeface="Cambria Math" panose="02040503050406030204" pitchFamily="18" charset="0"/>
+                                        <a:ea typeface="Cambria Math" panose="02040503050406030204" pitchFamily="18" charset="0"/>
+                                      </a:rPr>
+                                    </m:ctrlPr>
+                                  </m:dPr>
+                                  <m:e>
+                                    <m:r>
+                                      <a:rPr lang="en-US" sz="1200" b="0" i="1" smtClean="0">
+                                        <a:latin typeface="Cambria Math" panose="02040503050406030204" pitchFamily="18" charset="0"/>
+                                        <a:ea typeface="Cambria Math" panose="02040503050406030204" pitchFamily="18" charset="0"/>
+                                      </a:rPr>
+                                      <m:t>0,1</m:t>
+                                    </m:r>
+                                  </m:e>
+                                </m:d>
+                                <m:r>
+                                  <a:rPr lang="en-US" sz="1200" b="0" i="1" smtClean="0">
+                                    <a:latin typeface="Cambria Math" panose="02040503050406030204" pitchFamily="18" charset="0"/>
+                                    <a:ea typeface="Cambria Math" panose="02040503050406030204" pitchFamily="18" charset="0"/>
+                                  </a:rPr>
+                                  <m:t>𝑎𝑛𝑑</m:t>
+                                </m:r>
+                                <m:r>
+                                  <a:rPr lang="en-US" sz="1200" b="0" i="1" smtClean="0">
+                                    <a:latin typeface="Cambria Math" panose="02040503050406030204" pitchFamily="18" charset="0"/>
+                                    <a:ea typeface="Cambria Math" panose="02040503050406030204" pitchFamily="18" charset="0"/>
+                                  </a:rPr>
+                                  <m:t> </m:t>
+                                </m:r>
+                                <m:nary>
+                                  <m:naryPr>
+                                    <m:chr m:val="∑"/>
+                                    <m:ctrlPr>
+                                      <a:rPr lang="en-US" sz="1200" b="0" i="1" smtClean="0">
+                                        <a:latin typeface="Cambria Math" panose="02040503050406030204" pitchFamily="18" charset="0"/>
+                                        <a:ea typeface="Cambria Math" panose="02040503050406030204" pitchFamily="18" charset="0"/>
+                                      </a:rPr>
+                                    </m:ctrlPr>
+                                  </m:naryPr>
+                                  <m:sub>
+                                    <m:r>
+                                      <m:rPr>
+                                        <m:brk m:alnAt="23"/>
+                                      </m:rPr>
+                                      <a:rPr lang="en-US" sz="1200" b="0" i="1" smtClean="0">
+                                        <a:latin typeface="Cambria Math" panose="02040503050406030204" pitchFamily="18" charset="0"/>
+                                        <a:ea typeface="Cambria Math" panose="02040503050406030204" pitchFamily="18" charset="0"/>
+                                      </a:rPr>
+                                      <m:t>𝑖</m:t>
+                                    </m:r>
+                                    <m:r>
+                                      <a:rPr lang="en-US" sz="1200" b="0" i="1" smtClean="0">
+                                        <a:latin typeface="Cambria Math" panose="02040503050406030204" pitchFamily="18" charset="0"/>
+                                        <a:ea typeface="Cambria Math" panose="02040503050406030204" pitchFamily="18" charset="0"/>
+                                      </a:rPr>
+                                      <m:t>=1</m:t>
+                                    </m:r>
+                                  </m:sub>
+                                  <m:sup>
+                                    <m:r>
+                                      <a:rPr lang="en-US" sz="1200" b="0" i="1" smtClean="0">
+                                        <a:latin typeface="Cambria Math" panose="02040503050406030204" pitchFamily="18" charset="0"/>
+                                        <a:ea typeface="Cambria Math" panose="02040503050406030204" pitchFamily="18" charset="0"/>
+                                      </a:rPr>
+                                      <m:t>𝐾</m:t>
+                                    </m:r>
+                                  </m:sup>
+                                  <m:e>
+                                    <m:sSub>
+                                      <m:sSubPr>
+                                        <m:ctrlPr>
+                                          <a:rPr lang="en-US" sz="1200" b="0" i="1" smtClean="0">
+                                            <a:latin typeface="Cambria Math" panose="02040503050406030204" pitchFamily="18" charset="0"/>
+                                            <a:ea typeface="Cambria Math" panose="02040503050406030204" pitchFamily="18" charset="0"/>
+                                          </a:rPr>
+                                        </m:ctrlPr>
+                                      </m:sSubPr>
+                                      <m:e>
+                                        <m:r>
+                                          <a:rPr lang="en-US" sz="1200" b="0" i="1" smtClean="0">
+                                            <a:latin typeface="Cambria Math" panose="02040503050406030204" pitchFamily="18" charset="0"/>
+                                            <a:ea typeface="Cambria Math" panose="02040503050406030204" pitchFamily="18" charset="0"/>
+                                          </a:rPr>
+                                          <m:t>𝑥</m:t>
+                                        </m:r>
+                                      </m:e>
+                                      <m:sub>
+                                        <m:r>
+                                          <a:rPr lang="en-US" sz="1200" b="0" i="1" smtClean="0">
+                                            <a:latin typeface="Cambria Math" panose="02040503050406030204" pitchFamily="18" charset="0"/>
+                                            <a:ea typeface="Cambria Math" panose="02040503050406030204" pitchFamily="18" charset="0"/>
+                                          </a:rPr>
+                                          <m:t>𝑖</m:t>
+                                        </m:r>
+                                      </m:sub>
+                                    </m:sSub>
+                                    <m:r>
+                                      <a:rPr lang="en-US" sz="1200" b="0" i="1" smtClean="0">
+                                        <a:latin typeface="Cambria Math" panose="02040503050406030204" pitchFamily="18" charset="0"/>
+                                        <a:ea typeface="Cambria Math" panose="02040503050406030204" pitchFamily="18" charset="0"/>
+                                      </a:rPr>
+                                      <m:t>=1</m:t>
+                                    </m:r>
+                                  </m:e>
+                                </m:nary>
+                              </m:oMath>
+                            </m:oMathPara>
+                          </a14:m>
+                          <a:endParaRPr lang="en-US" sz="1200" dirty="0"/>
                         </a:p>
                       </a:txBody>
                       <a:tcPr/>
@@ -5316,6 +6319,117 @@
                             <a:tabLst/>
                             <a:defRPr/>
                           </a:pPr>
+                          <a14:m>
+                            <m:oMathPara xmlns:m="http://schemas.openxmlformats.org/officeDocument/2006/math">
+                              <m:oMathParaPr>
+                                <m:jc m:val="centerGroup"/>
+                              </m:oMathParaPr>
+                              <m:oMath xmlns:m="http://schemas.openxmlformats.org/officeDocument/2006/math">
+                                <m:f>
+                                  <m:fPr>
+                                    <m:ctrlPr>
+                                      <a:rPr lang="en-US" i="1" smtClean="0">
+                                        <a:latin typeface="Cambria Math" panose="02040503050406030204" pitchFamily="18" charset="0"/>
+                                      </a:rPr>
+                                    </m:ctrlPr>
+                                  </m:fPr>
+                                  <m:num>
+                                    <m:sSub>
+                                      <m:sSubPr>
+                                        <m:ctrlPr>
+                                          <a:rPr lang="en-US" i="1" smtClean="0">
+                                            <a:latin typeface="Cambria Math" panose="02040503050406030204" pitchFamily="18" charset="0"/>
+                                          </a:rPr>
+                                        </m:ctrlPr>
+                                      </m:sSubPr>
+                                      <m:e>
+                                        <m:r>
+                                          <a:rPr lang="en-US" i="1" smtClean="0">
+                                            <a:latin typeface="Cambria Math" panose="02040503050406030204" pitchFamily="18" charset="0"/>
+                                            <a:ea typeface="Cambria Math" panose="02040503050406030204" pitchFamily="18" charset="0"/>
+                                          </a:rPr>
+                                          <m:t>𝛼</m:t>
+                                        </m:r>
+                                      </m:e>
+                                      <m:sub>
+                                        <m:r>
+                                          <a:rPr lang="en-US" b="0" i="1" smtClean="0">
+                                            <a:latin typeface="Cambria Math" panose="02040503050406030204" pitchFamily="18" charset="0"/>
+                                          </a:rPr>
+                                          <m:t>𝑖</m:t>
+                                        </m:r>
+                                      </m:sub>
+                                    </m:sSub>
+                                  </m:num>
+                                  <m:den>
+                                    <m:nary>
+                                      <m:naryPr>
+                                        <m:chr m:val="∑"/>
+                                        <m:ctrlPr>
+                                          <a:rPr lang="en-US" i="1" smtClean="0">
+                                            <a:latin typeface="Cambria Math" panose="02040503050406030204" pitchFamily="18" charset="0"/>
+                                          </a:rPr>
+                                        </m:ctrlPr>
+                                      </m:naryPr>
+                                      <m:sub>
+                                        <m:r>
+                                          <m:rPr>
+                                            <m:brk m:alnAt="23"/>
+                                          </m:rPr>
+                                          <a:rPr lang="en-US" b="0" i="1" smtClean="0">
+                                            <a:latin typeface="Cambria Math" panose="02040503050406030204" pitchFamily="18" charset="0"/>
+                                          </a:rPr>
+                                          <m:t>𝑘</m:t>
+                                        </m:r>
+                                        <m:r>
+                                          <a:rPr lang="en-US" b="0" i="1" smtClean="0">
+                                            <a:latin typeface="Cambria Math" panose="02040503050406030204" pitchFamily="18" charset="0"/>
+                                          </a:rPr>
+                                          <m:t>=1</m:t>
+                                        </m:r>
+                                      </m:sub>
+                                      <m:sup>
+                                        <m:r>
+                                          <a:rPr lang="en-US" b="0" i="1" smtClean="0">
+                                            <a:latin typeface="Cambria Math" panose="02040503050406030204" pitchFamily="18" charset="0"/>
+                                          </a:rPr>
+                                          <m:t>𝐾</m:t>
+                                        </m:r>
+                                      </m:sup>
+                                      <m:e>
+                                        <m:sSub>
+                                          <m:sSubPr>
+                                            <m:ctrlPr>
+                                              <a:rPr lang="en-US" i="1" smtClean="0">
+                                                <a:latin typeface="Cambria Math" panose="02040503050406030204" pitchFamily="18" charset="0"/>
+                                              </a:rPr>
+                                            </m:ctrlPr>
+                                          </m:sSubPr>
+                                          <m:e>
+                                            <m:r>
+                                              <a:rPr lang="en-US" i="1" smtClean="0">
+                                                <a:latin typeface="Cambria Math" panose="02040503050406030204" pitchFamily="18" charset="0"/>
+                                                <a:ea typeface="Cambria Math" panose="02040503050406030204" pitchFamily="18" charset="0"/>
+                                              </a:rPr>
+                                              <m:t>𝛼</m:t>
+                                            </m:r>
+                                          </m:e>
+                                          <m:sub>
+                                            <m:r>
+                                              <a:rPr lang="en-US" b="0" i="1" smtClean="0">
+                                                <a:latin typeface="Cambria Math" panose="02040503050406030204" pitchFamily="18" charset="0"/>
+                                              </a:rPr>
+                                              <m:t>𝑘</m:t>
+                                            </m:r>
+                                          </m:sub>
+                                        </m:sSub>
+                                      </m:e>
+                                    </m:nary>
+                                  </m:den>
+                                </m:f>
+                              </m:oMath>
+                            </m:oMathPara>
+                          </a14:m>
                           <a:endParaRPr lang="en-US" dirty="0"/>
                         </a:p>
                       </a:txBody>
@@ -5332,7 +6446,7 @@
             </a:graphic>
           </p:graphicFrame>
         </mc:Choice>
-        <mc:Fallback xmlns="">
+        <mc:Fallback>
           <p:graphicFrame>
             <p:nvGraphicFramePr>
               <p:cNvPr id="15" name="Table 15">
@@ -5348,14 +6462,14 @@
               <p:nvPr>
                 <p:extLst>
                   <p:ext uri="{D42A27DB-BD31-4B8C-83A1-F6EECF244321}">
-                    <p14:modId xmlns:p14="http://schemas.microsoft.com/office/powerpoint/2010/main" val="56586511"/>
+                    <p14:modId xmlns:p14="http://schemas.microsoft.com/office/powerpoint/2010/main" val="2922797706"/>
                   </p:ext>
                 </p:extLst>
               </p:nvPr>
             </p:nvGraphicFramePr>
             <p:xfrm>
               <a:off x="907624" y="2251102"/>
-              <a:ext cx="4106635" cy="1587363"/>
+              <a:ext cx="4578776" cy="3129410"/>
             </p:xfrm>
             <a:graphic>
               <a:graphicData uri="http://schemas.openxmlformats.org/drawingml/2006/table">
@@ -5371,7 +6485,7 @@
                         </a:ext>
                       </a:extLst>
                     </a:gridCol>
-                    <a:gridCol w="2581836">
+                    <a:gridCol w="3053977">
                       <a:extLst>
                         <a:ext uri="{9D8B030D-6E8A-4147-A177-3AD203B41FA5}">
                           <a16:colId xmlns:a16="http://schemas.microsoft.com/office/drawing/2014/main" val="642450788"/>
@@ -5379,7 +6493,7 @@
                       </a:extLst>
                     </a:gridCol>
                   </a:tblGrid>
-                  <a:tr h="370840">
+                  <a:tr h="1282512">
                     <a:tc>
                       <a:txBody>
                         <a:bodyPr/>
@@ -5391,7 +6505,7 @@
                                 <a:schemeClr val="tx1"/>
                               </a:solidFill>
                             </a:rPr>
-                            <a:t>PMF</a:t>
+                            <a:t>PDF</a:t>
                           </a:r>
                         </a:p>
                       </a:txBody>
@@ -5413,7 +6527,7 @@
                       </a:ext>
                     </a:extLst>
                   </a:tr>
-                  <a:tr h="370840">
+                  <a:tr h="609600">
                     <a:tc>
                       <a:txBody>
                         <a:bodyPr/>
@@ -5432,10 +6546,17 @@
                         <a:bodyPr/>
                         <a:lstStyle/>
                         <a:p>
-                          <a:endParaRPr lang="en-US" dirty="0"/>
-                        </a:p>
-                      </a:txBody>
-                      <a:tcPr/>
+                          <a:endParaRPr lang="en-US"/>
+                        </a:p>
+                      </a:txBody>
+                      <a:tcPr>
+                        <a:blipFill>
+                          <a:blip r:embed="rId2"/>
+                          <a:stretch>
+                            <a:fillRect l="-50000" t="-216000" r="-797" b="-205000"/>
+                          </a:stretch>
+                        </a:blipFill>
+                      </a:tcPr>
                     </a:tc>
                     <a:extLst>
                       <a:ext uri="{0D108BD9-81ED-4DB2-BD59-A6C34878D82A}">
@@ -5443,7 +6564,7 @@
                       </a:ext>
                     </a:extLst>
                   </a:tr>
-                  <a:tr h="370840">
+                  <a:tr h="605727">
                     <a:tc>
                       <a:txBody>
                         <a:bodyPr/>
@@ -5462,10 +6583,17 @@
                         <a:bodyPr/>
                         <a:lstStyle/>
                         <a:p>
-                          <a:endParaRPr lang="en-US" dirty="0"/>
-                        </a:p>
-                      </a:txBody>
-                      <a:tcPr/>
+                          <a:endParaRPr lang="en-US"/>
+                        </a:p>
+                      </a:txBody>
+                      <a:tcPr>
+                        <a:blipFill>
+                          <a:blip r:embed="rId2"/>
+                          <a:stretch>
+                            <a:fillRect l="-50000" t="-319192" r="-797" b="-107071"/>
+                          </a:stretch>
+                        </a:blipFill>
+                      </a:tcPr>
                     </a:tc>
                     <a:extLst>
                       <a:ext uri="{0D108BD9-81ED-4DB2-BD59-A6C34878D82A}">
@@ -5473,7 +6601,7 @@
                       </a:ext>
                     </a:extLst>
                   </a:tr>
-                  <a:tr h="474843">
+                  <a:tr h="631571">
                     <a:tc>
                       <a:txBody>
                         <a:bodyPr/>
@@ -5486,7 +6614,7 @@
                         <a:blipFill>
                           <a:blip r:embed="rId2"/>
                           <a:stretch>
-                            <a:fillRect l="-398" t="-241026" r="-170120" b="-2564"/>
+                            <a:fillRect l="-400" t="-399038" r="-202400" b="-1923"/>
                           </a:stretch>
                         </a:blipFill>
                       </a:tcPr>
@@ -5496,27 +6624,17 @@
                         <a:bodyPr/>
                         <a:lstStyle/>
                         <a:p>
-                          <a:pPr marL="0" marR="0" lvl="0" indent="0" algn="l" defTabSz="914400" rtl="0" eaLnBrk="1" fontAlgn="auto" latinLnBrk="0" hangingPunct="1">
-                            <a:lnSpc>
-                              <a:spcPct val="100000"/>
-                            </a:lnSpc>
-                            <a:spcBef>
-                              <a:spcPts val="0"/>
-                            </a:spcBef>
-                            <a:spcAft>
-                              <a:spcPts val="0"/>
-                            </a:spcAft>
-                            <a:buClrTx/>
-                            <a:buSzTx/>
-                            <a:buFontTx/>
-                            <a:buNone/>
-                            <a:tabLst/>
-                            <a:defRPr/>
-                          </a:pPr>
-                          <a:endParaRPr lang="en-US" dirty="0"/>
-                        </a:p>
-                      </a:txBody>
-                      <a:tcPr/>
+                          <a:endParaRPr lang="en-US"/>
+                        </a:p>
+                      </a:txBody>
+                      <a:tcPr>
+                        <a:blipFill>
+                          <a:blip r:embed="rId2"/>
+                          <a:stretch>
+                            <a:fillRect l="-50000" t="-399038" r="-797" b="-1923"/>
+                          </a:stretch>
+                        </a:blipFill>
+                      </a:tcPr>
                     </a:tc>
                     <a:extLst>
                       <a:ext uri="{0D108BD9-81ED-4DB2-BD59-A6C34878D82A}">
@@ -5600,8 +6718,8 @@
         </p:nvSpPr>
         <p:spPr>
           <a:xfrm>
-            <a:off x="908424" y="4446494"/>
-            <a:ext cx="4147670" cy="923330"/>
+            <a:off x="895276" y="5502759"/>
+            <a:ext cx="4543746" cy="923330"/>
           </a:xfrm>
           <a:prstGeom prst="rect">
             <a:avLst/>
@@ -5621,22 +6739,42 @@
           <a:p>
             <a:r>
               <a:rPr lang="en-US" b="1" dirty="0"/>
-              <a:t>Typical Uses:</a:t>
-            </a:r>
-          </a:p>
-          <a:p>
-            <a:pPr marL="285750" indent="-285750">
-              <a:buFontTx/>
-              <a:buChar char="-"/>
-            </a:pPr>
-            <a:endParaRPr lang="en-US" dirty="0"/>
-          </a:p>
-          <a:p>
-            <a:pPr marL="285750" indent="-285750">
-              <a:buFontTx/>
-              <a:buChar char="-"/>
-            </a:pPr>
-            <a:endParaRPr lang="en-US" dirty="0"/>
+              <a:t>Typical Uses: </a:t>
+            </a:r>
+            <a:r>
+              <a:rPr lang="en-US" dirty="0"/>
+              <a:t>This is the </a:t>
+            </a:r>
+            <a:r>
+              <a:rPr lang="en-US" dirty="0">
+                <a:hlinkClick r:id="rId3" tooltip="Conjugate prior"/>
+              </a:rPr>
+              <a:t>conjugate prior</a:t>
+            </a:r>
+            <a:r>
+              <a:rPr lang="en-US" dirty="0"/>
+              <a:t> of the </a:t>
+            </a:r>
+            <a:r>
+              <a:rPr lang="en-US" dirty="0">
+                <a:hlinkClick r:id="rId4" tooltip="Categorical distribution"/>
+              </a:rPr>
+              <a:t>categorical distribution</a:t>
+            </a:r>
+            <a:r>
+              <a:rPr lang="en-US" dirty="0"/>
+              <a:t> and </a:t>
+            </a:r>
+            <a:r>
+              <a:rPr lang="en-US" dirty="0">
+                <a:hlinkClick r:id="rId5" tooltip="Multinomial distribution"/>
+              </a:rPr>
+              <a:t>multinomial distribution</a:t>
+            </a:r>
+            <a:r>
+              <a:rPr lang="en-US" dirty="0"/>
+              <a:t>. (Wikipedia)</a:t>
+            </a:r>
           </a:p>
         </p:txBody>
       </p:sp>
@@ -5655,7 +6793,7 @@
         <p:spPr>
           <a:xfrm>
             <a:off x="0" y="6317674"/>
-            <a:ext cx="12156141" cy="523220"/>
+            <a:ext cx="12156141" cy="400110"/>
           </a:xfrm>
           <a:prstGeom prst="rect">
             <a:avLst/>
@@ -5672,11 +6810,14 @@
               <a:rPr lang="en-US" sz="1000" b="1" dirty="0"/>
               <a:t>Resources:</a:t>
             </a:r>
-            <a:endParaRPr lang="en-US" sz="1000" b="1" dirty="0">
-              <a:hlinkClick r:id="rId3"/>
-            </a:endParaRPr>
-          </a:p>
-          <a:p>
+          </a:p>
+          <a:p>
+            <a:r>
+              <a:rPr lang="en-US" sz="1000" dirty="0">
+                <a:hlinkClick r:id="rId6"/>
+              </a:rPr>
+              <a:t>Dirichlet distribution - Wikipedia</a:t>
+            </a:r>
             <a:endParaRPr lang="en-US" dirty="0"/>
           </a:p>
         </p:txBody>
@@ -5717,6 +6858,66 @@
           </a:p>
         </p:txBody>
       </p:sp>
+      <p:pic>
+        <p:nvPicPr>
+          <p:cNvPr id="7" name="Picture 6">
+            <a:extLst>
+              <a:ext uri="{FF2B5EF4-FFF2-40B4-BE49-F238E27FC236}">
+                <a16:creationId xmlns:a16="http://schemas.microsoft.com/office/drawing/2014/main" id="{6BFE5AFE-3F73-4C3D-AA61-38D505DA6333}"/>
+              </a:ext>
+            </a:extLst>
+          </p:cNvPr>
+          <p:cNvPicPr>
+            <a:picLocks noChangeAspect="1"/>
+          </p:cNvPicPr>
+          <p:nvPr/>
+        </p:nvPicPr>
+        <p:blipFill>
+          <a:blip r:embed="rId7"/>
+          <a:stretch>
+            <a:fillRect/>
+          </a:stretch>
+        </p:blipFill>
+        <p:spPr>
+          <a:xfrm>
+            <a:off x="6258237" y="1386372"/>
+            <a:ext cx="5592231" cy="4457377"/>
+          </a:xfrm>
+          <a:prstGeom prst="rect">
+            <a:avLst/>
+          </a:prstGeom>
+        </p:spPr>
+      </p:pic>
+      <p:pic>
+        <p:nvPicPr>
+          <p:cNvPr id="9" name="Picture 8">
+            <a:extLst>
+              <a:ext uri="{FF2B5EF4-FFF2-40B4-BE49-F238E27FC236}">
+                <a16:creationId xmlns:a16="http://schemas.microsoft.com/office/drawing/2014/main" id="{6A985C43-6771-4E35-A513-FBFA7896B062}"/>
+              </a:ext>
+            </a:extLst>
+          </p:cNvPr>
+          <p:cNvPicPr>
+            <a:picLocks noChangeAspect="1"/>
+          </p:cNvPicPr>
+          <p:nvPr/>
+        </p:nvPicPr>
+        <p:blipFill>
+          <a:blip r:embed="rId8"/>
+          <a:stretch>
+            <a:fillRect/>
+          </a:stretch>
+        </p:blipFill>
+        <p:spPr>
+          <a:xfrm>
+            <a:off x="2538726" y="2344360"/>
+            <a:ext cx="1696466" cy="1111762"/>
+          </a:xfrm>
+          <a:prstGeom prst="rect">
+            <a:avLst/>
+          </a:prstGeom>
+        </p:spPr>
+      </p:pic>
     </p:spTree>
     <p:extLst>
       <p:ext uri="{BB962C8B-B14F-4D97-AF65-F5344CB8AC3E}">
@@ -5815,14 +7016,17 @@
           <a:p>
             <a:r>
               <a:rPr lang="en-US" b="1" dirty="0"/>
-              <a:t>Support Type:</a:t>
-            </a:r>
-            <a:endParaRPr lang="en-US" dirty="0"/>
+              <a:t>Support Type: </a:t>
+            </a:r>
+            <a:r>
+              <a:rPr lang="en-US" dirty="0"/>
+              <a:t>multi variable, continuous</a:t>
+            </a:r>
           </a:p>
         </p:txBody>
       </p:sp>
-      <mc:AlternateContent xmlns:mc="http://schemas.openxmlformats.org/markup-compatibility/2006" xmlns:a14="http://schemas.microsoft.com/office/drawing/2010/main">
-        <mc:Choice Requires="a14">
+      <mc:AlternateContent xmlns:mc="http://schemas.openxmlformats.org/markup-compatibility/2006">
+        <mc:Choice xmlns:a14="http://schemas.microsoft.com/office/drawing/2010/main" Requires="a14">
           <p:graphicFrame>
             <p:nvGraphicFramePr>
               <p:cNvPr id="15" name="Table 15">
@@ -5838,14 +7042,14 @@
               <p:nvPr>
                 <p:extLst>
                   <p:ext uri="{D42A27DB-BD31-4B8C-83A1-F6EECF244321}">
-                    <p14:modId xmlns:p14="http://schemas.microsoft.com/office/powerpoint/2010/main" val="390108076"/>
+                    <p14:modId xmlns:p14="http://schemas.microsoft.com/office/powerpoint/2010/main" val="2010622066"/>
                   </p:ext>
                 </p:extLst>
               </p:nvPr>
             </p:nvGraphicFramePr>
             <p:xfrm>
               <a:off x="907624" y="2251102"/>
-              <a:ext cx="4106635" cy="1587363"/>
+              <a:ext cx="4106635" cy="2005058"/>
             </p:xfrm>
             <a:graphic>
               <a:graphicData uri="http://schemas.openxmlformats.org/drawingml/2006/table">
@@ -5869,7 +7073,7 @@
                       </a:extLst>
                     </a:gridCol>
                   </a:tblGrid>
-                  <a:tr h="370840">
+                  <a:tr h="561840">
                     <a:tc>
                       <a:txBody>
                         <a:bodyPr/>
@@ -5881,7 +7085,7 @@
                                 <a:schemeClr val="tx1"/>
                               </a:solidFill>
                             </a:rPr>
-                            <a:t>PMF</a:t>
+                            <a:t>PDF</a:t>
                           </a:r>
                         </a:p>
                       </a:txBody>
@@ -5922,7 +7126,220 @@
                         <a:bodyPr/>
                         <a:lstStyle/>
                         <a:p>
-                          <a:endParaRPr lang="en-US" dirty="0"/>
+                          <a:pPr marL="0" marR="0" lvl="0" indent="0" algn="l" defTabSz="914400" rtl="0" eaLnBrk="1" fontAlgn="auto" latinLnBrk="0" hangingPunct="1">
+                            <a:lnSpc>
+                              <a:spcPct val="100000"/>
+                            </a:lnSpc>
+                            <a:spcBef>
+                              <a:spcPts val="0"/>
+                            </a:spcBef>
+                            <a:spcAft>
+                              <a:spcPts val="0"/>
+                            </a:spcAft>
+                            <a:buClrTx/>
+                            <a:buSzTx/>
+                            <a:buFontTx/>
+                            <a:buNone/>
+                            <a:tabLst/>
+                            <a:defRPr/>
+                          </a:pPr>
+                          <a14:m>
+                            <m:oMathPara xmlns:m="http://schemas.openxmlformats.org/officeDocument/2006/math">
+                              <m:oMathParaPr>
+                                <m:jc m:val="centerGroup"/>
+                              </m:oMathParaPr>
+                              <m:oMath xmlns:m="http://schemas.openxmlformats.org/officeDocument/2006/math">
+                                <m:r>
+                                  <a:rPr lang="en-US" sz="1600" b="1" i="1" smtClean="0">
+                                    <a:latin typeface="Cambria Math" panose="02040503050406030204" pitchFamily="18" charset="0"/>
+                                    <a:ea typeface="Cambria Math" panose="02040503050406030204" pitchFamily="18" charset="0"/>
+                                  </a:rPr>
+                                  <m:t>𝝁</m:t>
+                                </m:r>
+                                <m:r>
+                                  <a:rPr lang="en-US" sz="1600" b="1" i="1" smtClean="0">
+                                    <a:latin typeface="Cambria Math" panose="02040503050406030204" pitchFamily="18" charset="0"/>
+                                    <a:ea typeface="Cambria Math" panose="02040503050406030204" pitchFamily="18" charset="0"/>
+                                  </a:rPr>
+                                  <m:t> </m:t>
+                                </m:r>
+                                <m:r>
+                                  <a:rPr lang="en-US" sz="1600" b="0" i="1" smtClean="0">
+                                    <a:latin typeface="Cambria Math" panose="02040503050406030204" pitchFamily="18" charset="0"/>
+                                    <a:ea typeface="Cambria Math" panose="02040503050406030204" pitchFamily="18" charset="0"/>
+                                  </a:rPr>
+                                  <m:t>𝜖</m:t>
+                                </m:r>
+                                <m:r>
+                                  <a:rPr lang="en-US" sz="1600" b="0" i="1" smtClean="0">
+                                    <a:latin typeface="Cambria Math" panose="02040503050406030204" pitchFamily="18" charset="0"/>
+                                    <a:ea typeface="Cambria Math" panose="02040503050406030204" pitchFamily="18" charset="0"/>
+                                  </a:rPr>
+                                  <m:t> </m:t>
+                                </m:r>
+                                <m:sSup>
+                                  <m:sSupPr>
+                                    <m:ctrlPr>
+                                      <a:rPr lang="en-US" sz="1600" b="0" i="1" smtClean="0">
+                                        <a:latin typeface="Cambria Math" panose="02040503050406030204" pitchFamily="18" charset="0"/>
+                                        <a:ea typeface="Cambria Math" panose="02040503050406030204" pitchFamily="18" charset="0"/>
+                                      </a:rPr>
+                                    </m:ctrlPr>
+                                  </m:sSupPr>
+                                  <m:e>
+                                    <m:r>
+                                      <a:rPr lang="en-US" sz="1600" b="1" i="1" smtClean="0">
+                                        <a:latin typeface="Cambria Math" panose="02040503050406030204" pitchFamily="18" charset="0"/>
+                                        <a:ea typeface="Cambria Math" panose="02040503050406030204" pitchFamily="18" charset="0"/>
+                                      </a:rPr>
+                                      <m:t>ℝ</m:t>
+                                    </m:r>
+                                  </m:e>
+                                  <m:sup>
+                                    <m:r>
+                                      <a:rPr lang="en-US" sz="1600" b="1" i="1" smtClean="0">
+                                        <a:latin typeface="Cambria Math" panose="02040503050406030204" pitchFamily="18" charset="0"/>
+                                        <a:ea typeface="Cambria Math" panose="02040503050406030204" pitchFamily="18" charset="0"/>
+                                      </a:rPr>
+                                      <m:t>𝒌</m:t>
+                                    </m:r>
+                                  </m:sup>
+                                </m:sSup>
+                                <m:r>
+                                  <a:rPr lang="en-US" sz="1600" b="0" i="1" smtClean="0">
+                                    <a:latin typeface="Cambria Math" panose="02040503050406030204" pitchFamily="18" charset="0"/>
+                                    <a:ea typeface="Cambria Math" panose="02040503050406030204" pitchFamily="18" charset="0"/>
+                                  </a:rPr>
+                                  <m:t> −</m:t>
+                                </m:r>
+                                <m:r>
+                                  <a:rPr lang="en-US" sz="1600" b="0" i="1" smtClean="0">
+                                    <a:latin typeface="Cambria Math" panose="02040503050406030204" pitchFamily="18" charset="0"/>
+                                    <a:ea typeface="Cambria Math" panose="02040503050406030204" pitchFamily="18" charset="0"/>
+                                  </a:rPr>
+                                  <m:t>𝑙𝑜𝑐𝑎𝑡𝑖𝑜𝑛</m:t>
+                                </m:r>
+                              </m:oMath>
+                            </m:oMathPara>
+                          </a14:m>
+                          <a:endParaRPr lang="en-US" sz="1600" b="1" dirty="0"/>
+                        </a:p>
+                        <a:p>
+                          <a14:m>
+                            <m:oMathPara xmlns:m="http://schemas.openxmlformats.org/officeDocument/2006/math">
+                              <m:oMathParaPr>
+                                <m:jc m:val="centerGroup"/>
+                              </m:oMathParaPr>
+                              <m:oMath xmlns:m="http://schemas.openxmlformats.org/officeDocument/2006/math">
+                                <m:r>
+                                  <a:rPr lang="en-US" sz="1600" b="1" i="1" smtClean="0">
+                                    <a:latin typeface="Cambria Math" panose="02040503050406030204" pitchFamily="18" charset="0"/>
+                                    <a:ea typeface="Cambria Math" panose="02040503050406030204" pitchFamily="18" charset="0"/>
+                                  </a:rPr>
+                                  <m:t> </m:t>
+                                </m:r>
+                                <m:r>
+                                  <a:rPr lang="en-US" sz="1600" b="1" i="1" smtClean="0">
+                                    <a:latin typeface="Cambria Math" panose="02040503050406030204" pitchFamily="18" charset="0"/>
+                                    <a:ea typeface="Cambria Math" panose="02040503050406030204" pitchFamily="18" charset="0"/>
+                                  </a:rPr>
+                                  <m:t>𝚺</m:t>
+                                </m:r>
+                                <m:r>
+                                  <a:rPr lang="en-US" sz="1600" b="1" i="1" smtClean="0">
+                                    <a:latin typeface="Cambria Math" panose="02040503050406030204" pitchFamily="18" charset="0"/>
+                                    <a:ea typeface="Cambria Math" panose="02040503050406030204" pitchFamily="18" charset="0"/>
+                                  </a:rPr>
+                                  <m:t> </m:t>
+                                </m:r>
+                                <m:r>
+                                  <a:rPr lang="en-US" sz="1600" b="0" i="1" smtClean="0">
+                                    <a:latin typeface="Cambria Math" panose="02040503050406030204" pitchFamily="18" charset="0"/>
+                                    <a:ea typeface="Cambria Math" panose="02040503050406030204" pitchFamily="18" charset="0"/>
+                                  </a:rPr>
+                                  <m:t>𝜖</m:t>
+                                </m:r>
+                                <m:r>
+                                  <a:rPr lang="en-US" sz="1600" b="0" i="1" smtClean="0">
+                                    <a:latin typeface="Cambria Math" panose="02040503050406030204" pitchFamily="18" charset="0"/>
+                                    <a:ea typeface="Cambria Math" panose="02040503050406030204" pitchFamily="18" charset="0"/>
+                                  </a:rPr>
+                                  <m:t> </m:t>
+                                </m:r>
+                                <m:sSup>
+                                  <m:sSupPr>
+                                    <m:ctrlPr>
+                                      <a:rPr lang="en-US" sz="1600" b="0" i="1" smtClean="0">
+                                        <a:latin typeface="Cambria Math" panose="02040503050406030204" pitchFamily="18" charset="0"/>
+                                        <a:ea typeface="Cambria Math" panose="02040503050406030204" pitchFamily="18" charset="0"/>
+                                      </a:rPr>
+                                    </m:ctrlPr>
+                                  </m:sSupPr>
+                                  <m:e>
+                                    <m:r>
+                                      <a:rPr lang="en-US" sz="1600" b="1" i="1" smtClean="0">
+                                        <a:latin typeface="Cambria Math" panose="02040503050406030204" pitchFamily="18" charset="0"/>
+                                        <a:ea typeface="Cambria Math" panose="02040503050406030204" pitchFamily="18" charset="0"/>
+                                      </a:rPr>
+                                      <m:t>ℝ</m:t>
+                                    </m:r>
+                                  </m:e>
+                                  <m:sup>
+                                    <m:r>
+                                      <a:rPr lang="en-US" sz="1600" b="1" i="1" smtClean="0">
+                                        <a:latin typeface="Cambria Math" panose="02040503050406030204" pitchFamily="18" charset="0"/>
+                                        <a:ea typeface="Cambria Math" panose="02040503050406030204" pitchFamily="18" charset="0"/>
+                                      </a:rPr>
+                                      <m:t>𝒌</m:t>
+                                    </m:r>
+                                    <m:r>
+                                      <a:rPr lang="en-US" sz="1600" b="1" i="1" smtClean="0">
+                                        <a:latin typeface="Cambria Math" panose="02040503050406030204" pitchFamily="18" charset="0"/>
+                                        <a:ea typeface="Cambria Math" panose="02040503050406030204" pitchFamily="18" charset="0"/>
+                                      </a:rPr>
+                                      <m:t> </m:t>
+                                    </m:r>
+                                    <m:r>
+                                      <a:rPr lang="en-US" sz="1600" b="1" i="1" smtClean="0">
+                                        <a:latin typeface="Cambria Math" panose="02040503050406030204" pitchFamily="18" charset="0"/>
+                                        <a:ea typeface="Cambria Math" panose="02040503050406030204" pitchFamily="18" charset="0"/>
+                                      </a:rPr>
+                                      <m:t>𝒙</m:t>
+                                    </m:r>
+                                    <m:r>
+                                      <a:rPr lang="en-US" sz="1600" b="1" i="1" smtClean="0">
+                                        <a:latin typeface="Cambria Math" panose="02040503050406030204" pitchFamily="18" charset="0"/>
+                                        <a:ea typeface="Cambria Math" panose="02040503050406030204" pitchFamily="18" charset="0"/>
+                                      </a:rPr>
+                                      <m:t> </m:t>
+                                    </m:r>
+                                    <m:r>
+                                      <a:rPr lang="en-US" sz="1600" b="1" i="1" smtClean="0">
+                                        <a:latin typeface="Cambria Math" panose="02040503050406030204" pitchFamily="18" charset="0"/>
+                                        <a:ea typeface="Cambria Math" panose="02040503050406030204" pitchFamily="18" charset="0"/>
+                                      </a:rPr>
+                                      <m:t>𝒌</m:t>
+                                    </m:r>
+                                  </m:sup>
+                                </m:sSup>
+                                <m:r>
+                                  <a:rPr lang="en-US" sz="1600" b="0" i="1" smtClean="0">
+                                    <a:latin typeface="Cambria Math" panose="02040503050406030204" pitchFamily="18" charset="0"/>
+                                    <a:ea typeface="Cambria Math" panose="02040503050406030204" pitchFamily="18" charset="0"/>
+                                  </a:rPr>
+                                  <m:t> −</m:t>
+                                </m:r>
+                                <m:r>
+                                  <a:rPr lang="en-US" sz="1600" b="0" i="1" smtClean="0">
+                                    <a:latin typeface="Cambria Math" panose="02040503050406030204" pitchFamily="18" charset="0"/>
+                                    <a:ea typeface="Cambria Math" panose="02040503050406030204" pitchFamily="18" charset="0"/>
+                                  </a:rPr>
+                                  <m:t>𝑐𝑜𝑣𝑎𝑟𝑖𝑎𝑛𝑐𝑒</m:t>
+                                </m:r>
+                              </m:oMath>
+                            </m:oMathPara>
+                          </a14:m>
+                          <a:endParaRPr lang="en-US" sz="1600" dirty="0"/>
                         </a:p>
                       </a:txBody>
                       <a:tcPr/>
@@ -5952,6 +7369,114 @@
                         <a:bodyPr/>
                         <a:lstStyle/>
                         <a:p>
+                          <a:r>
+                            <a:rPr lang="en-US" sz="1800" b="1" i="1" kern="1200" dirty="0">
+                              <a:solidFill>
+                                <a:schemeClr val="tx1"/>
+                              </a:solidFill>
+                              <a:effectLst/>
+                              <a:latin typeface="+mn-lt"/>
+                              <a:ea typeface="+mn-ea"/>
+                              <a:cs typeface="+mn-cs"/>
+                            </a:rPr>
+                            <a:t>x</a:t>
+                          </a:r>
+                          <a:r>
+                            <a:rPr lang="en-US" sz="1800" b="0" i="0" kern="1200" dirty="0">
+                              <a:solidFill>
+                                <a:schemeClr val="tx1"/>
+                              </a:solidFill>
+                              <a:effectLst/>
+                              <a:latin typeface="+mn-lt"/>
+                              <a:ea typeface="+mn-ea"/>
+                              <a:cs typeface="+mn-cs"/>
+                            </a:rPr>
+                            <a:t> ∈ </a:t>
+                          </a:r>
+                          <a:r>
+                            <a:rPr lang="el-GR" sz="1800" b="1" i="1" kern="1200" dirty="0">
+                              <a:solidFill>
+                                <a:schemeClr val="tx1"/>
+                              </a:solidFill>
+                              <a:effectLst/>
+                              <a:latin typeface="+mn-lt"/>
+                              <a:ea typeface="+mn-ea"/>
+                              <a:cs typeface="+mn-cs"/>
+                            </a:rPr>
+                            <a:t>μ</a:t>
+                          </a:r>
+                          <a:r>
+                            <a:rPr lang="el-GR" sz="1800" b="0" i="0" kern="1200" dirty="0">
+                              <a:solidFill>
+                                <a:schemeClr val="tx1"/>
+                              </a:solidFill>
+                              <a:effectLst/>
+                              <a:latin typeface="+mn-lt"/>
+                              <a:ea typeface="+mn-ea"/>
+                              <a:cs typeface="+mn-cs"/>
+                            </a:rPr>
+                            <a:t> + </a:t>
+                          </a:r>
+                          <a:r>
+                            <a:rPr lang="en-US" sz="1800" b="0" i="0" kern="1200" dirty="0">
+                              <a:solidFill>
+                                <a:schemeClr val="tx1"/>
+                              </a:solidFill>
+                              <a:effectLst/>
+                              <a:latin typeface="+mn-lt"/>
+                              <a:ea typeface="+mn-ea"/>
+                              <a:cs typeface="+mn-cs"/>
+                            </a:rPr>
+                            <a:t>span(</a:t>
+                          </a:r>
+                          <a:r>
+                            <a:rPr lang="el-GR" sz="1800" b="1" i="0" kern="1200" dirty="0">
+                              <a:solidFill>
+                                <a:schemeClr val="tx1"/>
+                              </a:solidFill>
+                              <a:effectLst/>
+                              <a:latin typeface="+mn-lt"/>
+                              <a:ea typeface="+mn-ea"/>
+                              <a:cs typeface="+mn-cs"/>
+                            </a:rPr>
+                            <a:t>Σ</a:t>
+                          </a:r>
+                          <a:r>
+                            <a:rPr lang="el-GR" sz="1800" b="0" i="0" kern="1200" dirty="0">
+                              <a:solidFill>
+                                <a:schemeClr val="tx1"/>
+                              </a:solidFill>
+                              <a:effectLst/>
+                              <a:latin typeface="+mn-lt"/>
+                              <a:ea typeface="+mn-ea"/>
+                              <a:cs typeface="+mn-cs"/>
+                            </a:rPr>
+                            <a:t>) ⊆ </a:t>
+                          </a:r>
+                          <a:r>
+                            <a:rPr lang="en-US" sz="1800" b="1" i="0" kern="1200" dirty="0" err="1">
+                              <a:solidFill>
+                                <a:schemeClr val="tx1"/>
+                              </a:solidFill>
+                              <a:effectLst/>
+                              <a:latin typeface="+mn-lt"/>
+                              <a:ea typeface="+mn-ea"/>
+                              <a:cs typeface="+mn-cs"/>
+                            </a:rPr>
+                            <a:t>R</a:t>
+                          </a:r>
+                          <a:r>
+                            <a:rPr lang="en-US" sz="1800" b="0" i="1" kern="1200" baseline="30000" dirty="0" err="1">
+                              <a:solidFill>
+                                <a:schemeClr val="tx1"/>
+                              </a:solidFill>
+                              <a:effectLst/>
+                              <a:latin typeface="+mn-lt"/>
+                              <a:ea typeface="+mn-ea"/>
+                              <a:cs typeface="+mn-cs"/>
+                            </a:rPr>
+                            <a:t>k</a:t>
+                          </a:r>
                           <a:endParaRPr lang="en-US" dirty="0"/>
                         </a:p>
                       </a:txBody>
@@ -6025,7 +7550,23 @@
                             <a:tabLst/>
                             <a:defRPr/>
                           </a:pPr>
-                          <a:endParaRPr lang="en-US" dirty="0"/>
+                          <a14:m>
+                            <m:oMathPara xmlns:m="http://schemas.openxmlformats.org/officeDocument/2006/math">
+                              <m:oMathParaPr>
+                                <m:jc m:val="centerGroup"/>
+                              </m:oMathParaPr>
+                              <m:oMath xmlns:m="http://schemas.openxmlformats.org/officeDocument/2006/math">
+                                <m:r>
+                                  <a:rPr lang="en-US" b="1" i="1" smtClean="0">
+                                    <a:latin typeface="Cambria Math" panose="02040503050406030204" pitchFamily="18" charset="0"/>
+                                    <a:ea typeface="Cambria Math" panose="02040503050406030204" pitchFamily="18" charset="0"/>
+                                  </a:rPr>
+                                  <m:t>𝝁</m:t>
+                                </m:r>
+                              </m:oMath>
+                            </m:oMathPara>
+                          </a14:m>
+                          <a:endParaRPr lang="en-US" b="1" dirty="0"/>
                         </a:p>
                       </a:txBody>
                       <a:tcPr/>
@@ -6041,7 +7582,7 @@
             </a:graphic>
           </p:graphicFrame>
         </mc:Choice>
-        <mc:Fallback xmlns="">
+        <mc:Fallback>
           <p:graphicFrame>
             <p:nvGraphicFramePr>
               <p:cNvPr id="15" name="Table 15">
@@ -6057,14 +7598,14 @@
               <p:nvPr>
                 <p:extLst>
                   <p:ext uri="{D42A27DB-BD31-4B8C-83A1-F6EECF244321}">
-                    <p14:modId xmlns:p14="http://schemas.microsoft.com/office/powerpoint/2010/main" val="390108076"/>
+                    <p14:modId xmlns:p14="http://schemas.microsoft.com/office/powerpoint/2010/main" val="2010622066"/>
                   </p:ext>
                 </p:extLst>
               </p:nvPr>
             </p:nvGraphicFramePr>
             <p:xfrm>
               <a:off x="907624" y="2251102"/>
-              <a:ext cx="4106635" cy="1587363"/>
+              <a:ext cx="4106635" cy="2005058"/>
             </p:xfrm>
             <a:graphic>
               <a:graphicData uri="http://schemas.openxmlformats.org/drawingml/2006/table">
@@ -6088,7 +7629,7 @@
                       </a:extLst>
                     </a:gridCol>
                   </a:tblGrid>
-                  <a:tr h="370840">
+                  <a:tr h="561840">
                     <a:tc>
                       <a:txBody>
                         <a:bodyPr/>
@@ -6100,7 +7641,7 @@
                                 <a:schemeClr val="tx1"/>
                               </a:solidFill>
                             </a:rPr>
-                            <a:t>PMF</a:t>
+                            <a:t>PDF</a:t>
                           </a:r>
                         </a:p>
                       </a:txBody>
@@ -6122,7 +7663,7 @@
                       </a:ext>
                     </a:extLst>
                   </a:tr>
-                  <a:tr h="370840">
+                  <a:tr h="597535">
                     <a:tc>
                       <a:txBody>
                         <a:bodyPr/>
@@ -6141,10 +7682,17 @@
                         <a:bodyPr/>
                         <a:lstStyle/>
                         <a:p>
-                          <a:endParaRPr lang="en-US" dirty="0"/>
-                        </a:p>
-                      </a:txBody>
-                      <a:tcPr/>
+                          <a:endParaRPr lang="en-US"/>
+                        </a:p>
+                      </a:txBody>
+                      <a:tcPr>
+                        <a:blipFill>
+                          <a:blip r:embed="rId2"/>
+                          <a:stretch>
+                            <a:fillRect l="-59434" t="-97980" r="-708" b="-142424"/>
+                          </a:stretch>
+                        </a:blipFill>
+                      </a:tcPr>
                     </a:tc>
                     <a:extLst>
                       <a:ext uri="{0D108BD9-81ED-4DB2-BD59-A6C34878D82A}">
@@ -6171,6 +7719,114 @@
                         <a:bodyPr/>
                         <a:lstStyle/>
                         <a:p>
+                          <a:r>
+                            <a:rPr lang="en-US" sz="1800" b="1" i="1" kern="1200" dirty="0">
+                              <a:solidFill>
+                                <a:schemeClr val="tx1"/>
+                              </a:solidFill>
+                              <a:effectLst/>
+                              <a:latin typeface="+mn-lt"/>
+                              <a:ea typeface="+mn-ea"/>
+                              <a:cs typeface="+mn-cs"/>
+                            </a:rPr>
+                            <a:t>x</a:t>
+                          </a:r>
+                          <a:r>
+                            <a:rPr lang="en-US" sz="1800" b="0" i="0" kern="1200" dirty="0">
+                              <a:solidFill>
+                                <a:schemeClr val="tx1"/>
+                              </a:solidFill>
+                              <a:effectLst/>
+                              <a:latin typeface="+mn-lt"/>
+                              <a:ea typeface="+mn-ea"/>
+                              <a:cs typeface="+mn-cs"/>
+                            </a:rPr>
+                            <a:t> ∈ </a:t>
+                          </a:r>
+                          <a:r>
+                            <a:rPr lang="el-GR" sz="1800" b="1" i="1" kern="1200" dirty="0">
+                              <a:solidFill>
+                                <a:schemeClr val="tx1"/>
+                              </a:solidFill>
+                              <a:effectLst/>
+                              <a:latin typeface="+mn-lt"/>
+                              <a:ea typeface="+mn-ea"/>
+                              <a:cs typeface="+mn-cs"/>
+                            </a:rPr>
+                            <a:t>μ</a:t>
+                          </a:r>
+                          <a:r>
+                            <a:rPr lang="el-GR" sz="1800" b="0" i="0" kern="1200" dirty="0">
+                              <a:solidFill>
+                                <a:schemeClr val="tx1"/>
+                              </a:solidFill>
+                              <a:effectLst/>
+                              <a:latin typeface="+mn-lt"/>
+                              <a:ea typeface="+mn-ea"/>
+                              <a:cs typeface="+mn-cs"/>
+                            </a:rPr>
+                            <a:t> + </a:t>
+                          </a:r>
+                          <a:r>
+                            <a:rPr lang="en-US" sz="1800" b="0" i="0" kern="1200" dirty="0">
+                              <a:solidFill>
+                                <a:schemeClr val="tx1"/>
+                              </a:solidFill>
+                              <a:effectLst/>
+                              <a:latin typeface="+mn-lt"/>
+                              <a:ea typeface="+mn-ea"/>
+                              <a:cs typeface="+mn-cs"/>
+                            </a:rPr>
+                            <a:t>span(</a:t>
+                          </a:r>
+                          <a:r>
+                            <a:rPr lang="el-GR" sz="1800" b="1" i="0" kern="1200" dirty="0">
+                              <a:solidFill>
+                                <a:schemeClr val="tx1"/>
+                              </a:solidFill>
+                              <a:effectLst/>
+                              <a:latin typeface="+mn-lt"/>
+                              <a:ea typeface="+mn-ea"/>
+                              <a:cs typeface="+mn-cs"/>
+                            </a:rPr>
+                            <a:t>Σ</a:t>
+                          </a:r>
+                          <a:r>
+                            <a:rPr lang="el-GR" sz="1800" b="0" i="0" kern="1200" dirty="0">
+                              <a:solidFill>
+                                <a:schemeClr val="tx1"/>
+                              </a:solidFill>
+                              <a:effectLst/>
+                              <a:latin typeface="+mn-lt"/>
+                              <a:ea typeface="+mn-ea"/>
+                              <a:cs typeface="+mn-cs"/>
+                            </a:rPr>
+                            <a:t>) ⊆ </a:t>
+                          </a:r>
+                          <a:r>
+                            <a:rPr lang="en-US" sz="1800" b="1" i="0" kern="1200" dirty="0" err="1">
+                              <a:solidFill>
+                                <a:schemeClr val="tx1"/>
+                              </a:solidFill>
+                              <a:effectLst/>
+                              <a:latin typeface="+mn-lt"/>
+                              <a:ea typeface="+mn-ea"/>
+                              <a:cs typeface="+mn-cs"/>
+                            </a:rPr>
+                            <a:t>R</a:t>
+                          </a:r>
+                          <a:r>
+                            <a:rPr lang="en-US" sz="1800" b="0" i="1" kern="1200" baseline="30000" dirty="0" err="1">
+                              <a:solidFill>
+                                <a:schemeClr val="tx1"/>
+                              </a:solidFill>
+                              <a:effectLst/>
+                              <a:latin typeface="+mn-lt"/>
+                              <a:ea typeface="+mn-ea"/>
+                              <a:cs typeface="+mn-cs"/>
+                            </a:rPr>
+                            <a:t>k</a:t>
+                          </a:r>
                           <a:endParaRPr lang="en-US" dirty="0"/>
                         </a:p>
                       </a:txBody>
@@ -6195,7 +7851,7 @@
                         <a:blipFill>
                           <a:blip r:embed="rId2"/>
                           <a:stretch>
-                            <a:fillRect l="-398" t="-241026" r="-170120" b="-2564"/>
+                            <a:fillRect l="-398" t="-329487" r="-170120" b="-2564"/>
                           </a:stretch>
                         </a:blipFill>
                       </a:tcPr>
@@ -6205,27 +7861,17 @@
                         <a:bodyPr/>
                         <a:lstStyle/>
                         <a:p>
-                          <a:pPr marL="0" marR="0" lvl="0" indent="0" algn="l" defTabSz="914400" rtl="0" eaLnBrk="1" fontAlgn="auto" latinLnBrk="0" hangingPunct="1">
-                            <a:lnSpc>
-                              <a:spcPct val="100000"/>
-                            </a:lnSpc>
-                            <a:spcBef>
-                              <a:spcPts val="0"/>
-                            </a:spcBef>
-                            <a:spcAft>
-                              <a:spcPts val="0"/>
-                            </a:spcAft>
-                            <a:buClrTx/>
-                            <a:buSzTx/>
-                            <a:buFontTx/>
-                            <a:buNone/>
-                            <a:tabLst/>
-                            <a:defRPr/>
-                          </a:pPr>
-                          <a:endParaRPr lang="en-US" dirty="0"/>
-                        </a:p>
-                      </a:txBody>
-                      <a:tcPr/>
+                          <a:endParaRPr lang="en-US"/>
+                        </a:p>
+                      </a:txBody>
+                      <a:tcPr>
+                        <a:blipFill>
+                          <a:blip r:embed="rId2"/>
+                          <a:stretch>
+                            <a:fillRect l="-59434" t="-329487" r="-708" b="-2564"/>
+                          </a:stretch>
+                        </a:blipFill>
+                      </a:tcPr>
                     </a:tc>
                     <a:extLst>
                       <a:ext uri="{0D108BD9-81ED-4DB2-BD59-A6C34878D82A}">
@@ -6310,7 +7956,7 @@
         <p:spPr>
           <a:xfrm>
             <a:off x="908424" y="4446494"/>
-            <a:ext cx="4147670" cy="923330"/>
+            <a:ext cx="4147670" cy="1477328"/>
           </a:xfrm>
           <a:prstGeom prst="rect">
             <a:avLst/>
@@ -6330,22 +7976,12 @@
           <a:p>
             <a:r>
               <a:rPr lang="en-US" b="1" dirty="0"/>
-              <a:t>Typical Uses:</a:t>
-            </a:r>
-          </a:p>
-          <a:p>
-            <a:pPr marL="285750" indent="-285750">
-              <a:buFontTx/>
-              <a:buChar char="-"/>
-            </a:pPr>
-            <a:endParaRPr lang="en-US" dirty="0"/>
-          </a:p>
-          <a:p>
-            <a:pPr marL="285750" indent="-285750">
-              <a:buFontTx/>
-              <a:buChar char="-"/>
-            </a:pPr>
-            <a:endParaRPr lang="en-US" dirty="0"/>
+              <a:t>Typical Uses: </a:t>
+            </a:r>
+            <a:r>
+              <a:rPr lang="en-US" dirty="0"/>
+              <a:t>often used to describe, at least approximately, any set of (possibly) correlated real-valued random variables each of which clusters around a mean value. (Wikipedia)</a:t>
+            </a:r>
           </a:p>
         </p:txBody>
       </p:sp>
@@ -6363,8 +7999,8 @@
         </p:nvSpPr>
         <p:spPr>
           <a:xfrm>
-            <a:off x="0" y="6317674"/>
-            <a:ext cx="12156141" cy="523220"/>
+            <a:off x="-7749" y="6317674"/>
+            <a:ext cx="12156141" cy="384721"/>
           </a:xfrm>
           <a:prstGeom prst="rect">
             <a:avLst/>
@@ -6381,12 +8017,15 @@
               <a:rPr lang="en-US" sz="1000" b="1" dirty="0"/>
               <a:t>Resources:</a:t>
             </a:r>
-            <a:endParaRPr lang="en-US" sz="1000" b="1" dirty="0">
-              <a:hlinkClick r:id="rId3"/>
-            </a:endParaRPr>
-          </a:p>
-          <a:p>
-            <a:endParaRPr lang="en-US" dirty="0"/>
+          </a:p>
+          <a:p>
+            <a:r>
+              <a:rPr lang="en-US" sz="900" dirty="0">
+                <a:hlinkClick r:id="rId3"/>
+              </a:rPr>
+              <a:t>Multivariate normal distribution – Wikipedia</a:t>
+            </a:r>
+            <a:endParaRPr lang="en-US" sz="900" dirty="0"/>
           </a:p>
         </p:txBody>
       </p:sp>
@@ -6426,6 +8065,66 @@
           </a:p>
         </p:txBody>
       </p:sp>
+      <p:pic>
+        <p:nvPicPr>
+          <p:cNvPr id="8" name="Picture 7">
+            <a:extLst>
+              <a:ext uri="{FF2B5EF4-FFF2-40B4-BE49-F238E27FC236}">
+                <a16:creationId xmlns:a16="http://schemas.microsoft.com/office/drawing/2014/main" id="{853E74A2-31CD-4E6A-AB31-7CF89393D692}"/>
+              </a:ext>
+            </a:extLst>
+          </p:cNvPr>
+          <p:cNvPicPr>
+            <a:picLocks noChangeAspect="1"/>
+          </p:cNvPicPr>
+          <p:nvPr/>
+        </p:nvPicPr>
+        <p:blipFill>
+          <a:blip r:embed="rId4"/>
+          <a:stretch>
+            <a:fillRect/>
+          </a:stretch>
+        </p:blipFill>
+        <p:spPr>
+          <a:xfrm>
+            <a:off x="6680477" y="1393020"/>
+            <a:ext cx="4616719" cy="4683628"/>
+          </a:xfrm>
+          <a:prstGeom prst="rect">
+            <a:avLst/>
+          </a:prstGeom>
+        </p:spPr>
+      </p:pic>
+      <p:pic>
+        <p:nvPicPr>
+          <p:cNvPr id="9" name="Picture 8">
+            <a:extLst>
+              <a:ext uri="{FF2B5EF4-FFF2-40B4-BE49-F238E27FC236}">
+                <a16:creationId xmlns:a16="http://schemas.microsoft.com/office/drawing/2014/main" id="{477599BE-7192-4D52-8338-FE33A197DB4E}"/>
+              </a:ext>
+            </a:extLst>
+          </p:cNvPr>
+          <p:cNvPicPr>
+            <a:picLocks noChangeAspect="1"/>
+          </p:cNvPicPr>
+          <p:nvPr/>
+        </p:nvPicPr>
+        <p:blipFill>
+          <a:blip r:embed="rId5"/>
+          <a:stretch>
+            <a:fillRect/>
+          </a:stretch>
+        </p:blipFill>
+        <p:spPr>
+          <a:xfrm>
+            <a:off x="2490695" y="2281989"/>
+            <a:ext cx="2383824" cy="450137"/>
+          </a:xfrm>
+          <a:prstGeom prst="rect">
+            <a:avLst/>
+          </a:prstGeom>
+        </p:spPr>
+      </p:pic>
     </p:spTree>
     <p:extLst>
       <p:ext uri="{BB962C8B-B14F-4D97-AF65-F5344CB8AC3E}">
@@ -6524,14 +8223,17 @@
           <a:p>
             <a:r>
               <a:rPr lang="en-US" b="1" dirty="0"/>
-              <a:t>Support Type:</a:t>
-            </a:r>
-            <a:endParaRPr lang="en-US" dirty="0"/>
+              <a:t>Support Type: </a:t>
+            </a:r>
+            <a:r>
+              <a:rPr lang="en-US" dirty="0"/>
+              <a:t>multi variable, continuous</a:t>
+            </a:r>
           </a:p>
         </p:txBody>
       </p:sp>
-      <mc:AlternateContent xmlns:mc="http://schemas.openxmlformats.org/markup-compatibility/2006" xmlns:a14="http://schemas.microsoft.com/office/drawing/2010/main">
-        <mc:Choice Requires="a14">
+      <mc:AlternateContent xmlns:mc="http://schemas.openxmlformats.org/markup-compatibility/2006">
+        <mc:Choice xmlns:a14="http://schemas.microsoft.com/office/drawing/2010/main" Requires="a14">
           <p:graphicFrame>
             <p:nvGraphicFramePr>
               <p:cNvPr id="15" name="Table 15">
@@ -6547,14 +8249,14 @@
               <p:nvPr>
                 <p:extLst>
                   <p:ext uri="{D42A27DB-BD31-4B8C-83A1-F6EECF244321}">
-                    <p14:modId xmlns:p14="http://schemas.microsoft.com/office/powerpoint/2010/main" val="3371152605"/>
+                    <p14:modId xmlns:p14="http://schemas.microsoft.com/office/powerpoint/2010/main" val="2595661577"/>
                   </p:ext>
                 </p:extLst>
               </p:nvPr>
             </p:nvGraphicFramePr>
             <p:xfrm>
               <a:off x="907624" y="2251102"/>
-              <a:ext cx="4106635" cy="1587363"/>
+              <a:ext cx="4772505" cy="2388588"/>
             </p:xfrm>
             <a:graphic>
               <a:graphicData uri="http://schemas.openxmlformats.org/drawingml/2006/table">
@@ -6563,14 +8265,14 @@
                     <a:tableStyleId>{5DA37D80-6434-44D0-A028-1B22A696006F}</a:tableStyleId>
                   </a:tblPr>
                   <a:tblGrid>
-                    <a:gridCol w="1524799">
+                    <a:gridCol w="1362878">
                       <a:extLst>
                         <a:ext uri="{9D8B030D-6E8A-4147-A177-3AD203B41FA5}">
                           <a16:colId xmlns:a16="http://schemas.microsoft.com/office/drawing/2014/main" val="4049054063"/>
                         </a:ext>
                       </a:extLst>
                     </a:gridCol>
-                    <a:gridCol w="2581836">
+                    <a:gridCol w="3409627">
                       <a:extLst>
                         <a:ext uri="{9D8B030D-6E8A-4147-A177-3AD203B41FA5}">
                           <a16:colId xmlns:a16="http://schemas.microsoft.com/office/drawing/2014/main" val="642450788"/>
@@ -6578,7 +8280,7 @@
                       </a:extLst>
                     </a:gridCol>
                   </a:tblGrid>
-                  <a:tr h="370840">
+                  <a:tr h="716823">
                     <a:tc>
                       <a:txBody>
                         <a:bodyPr/>
@@ -6590,7 +8292,7 @@
                                 <a:schemeClr val="tx1"/>
                               </a:solidFill>
                             </a:rPr>
-                            <a:t>PMF</a:t>
+                            <a:t>PDF</a:t>
                           </a:r>
                         </a:p>
                       </a:txBody>
@@ -6631,7 +8333,299 @@
                         <a:bodyPr/>
                         <a:lstStyle/>
                         <a:p>
-                          <a:endParaRPr lang="en-US" dirty="0"/>
+                          <a14:m>
+                            <m:oMathPara xmlns:m="http://schemas.openxmlformats.org/officeDocument/2006/math">
+                              <m:oMathParaPr>
+                                <m:jc m:val="centerGroup"/>
+                              </m:oMathParaPr>
+                              <m:oMath xmlns:m="http://schemas.openxmlformats.org/officeDocument/2006/math">
+                                <m:r>
+                                  <a:rPr lang="en-US" sz="1400" b="1" i="1" smtClean="0">
+                                    <a:latin typeface="Cambria Math" panose="02040503050406030204" pitchFamily="18" charset="0"/>
+                                    <a:ea typeface="Cambria Math" panose="02040503050406030204" pitchFamily="18" charset="0"/>
+                                  </a:rPr>
+                                  <m:t>𝝁</m:t>
+                                </m:r>
+                                <m:r>
+                                  <a:rPr lang="en-US" sz="1400" b="1" i="1" smtClean="0">
+                                    <a:latin typeface="Cambria Math" panose="02040503050406030204" pitchFamily="18" charset="0"/>
+                                    <a:ea typeface="Cambria Math" panose="02040503050406030204" pitchFamily="18" charset="0"/>
+                                  </a:rPr>
+                                  <m:t> </m:t>
+                                </m:r>
+                                <m:r>
+                                  <a:rPr lang="en-US" sz="1400" b="0" i="1" smtClean="0">
+                                    <a:latin typeface="Cambria Math" panose="02040503050406030204" pitchFamily="18" charset="0"/>
+                                    <a:ea typeface="Cambria Math" panose="02040503050406030204" pitchFamily="18" charset="0"/>
+                                  </a:rPr>
+                                  <m:t>=[</m:t>
+                                </m:r>
+                                <m:sSub>
+                                  <m:sSubPr>
+                                    <m:ctrlPr>
+                                      <a:rPr lang="en-US" sz="1400" b="0" i="1" smtClean="0">
+                                        <a:latin typeface="Cambria Math" panose="02040503050406030204" pitchFamily="18" charset="0"/>
+                                        <a:ea typeface="Cambria Math" panose="02040503050406030204" pitchFamily="18" charset="0"/>
+                                      </a:rPr>
+                                    </m:ctrlPr>
+                                  </m:sSubPr>
+                                  <m:e>
+                                    <m:r>
+                                      <a:rPr lang="en-US" sz="1400" b="0" i="1" smtClean="0">
+                                        <a:latin typeface="Cambria Math" panose="02040503050406030204" pitchFamily="18" charset="0"/>
+                                        <a:ea typeface="Cambria Math" panose="02040503050406030204" pitchFamily="18" charset="0"/>
+                                      </a:rPr>
+                                      <m:t>𝜇</m:t>
+                                    </m:r>
+                                  </m:e>
+                                  <m:sub>
+                                    <m:r>
+                                      <a:rPr lang="en-US" sz="1400" b="0" i="1" smtClean="0">
+                                        <a:latin typeface="Cambria Math" panose="02040503050406030204" pitchFamily="18" charset="0"/>
+                                        <a:ea typeface="Cambria Math" panose="02040503050406030204" pitchFamily="18" charset="0"/>
+                                      </a:rPr>
+                                      <m:t>1</m:t>
+                                    </m:r>
+                                  </m:sub>
+                                </m:sSub>
+                                <m:r>
+                                  <a:rPr lang="en-US" sz="1400" b="0" i="1" smtClean="0">
+                                    <a:latin typeface="Cambria Math" panose="02040503050406030204" pitchFamily="18" charset="0"/>
+                                    <a:ea typeface="Cambria Math" panose="02040503050406030204" pitchFamily="18" charset="0"/>
+                                  </a:rPr>
+                                  <m:t>,…,</m:t>
+                                </m:r>
+                                <m:sSub>
+                                  <m:sSubPr>
+                                    <m:ctrlPr>
+                                      <a:rPr lang="en-US" sz="1400" b="0" i="1" smtClean="0">
+                                        <a:latin typeface="Cambria Math" panose="02040503050406030204" pitchFamily="18" charset="0"/>
+                                        <a:ea typeface="Cambria Math" panose="02040503050406030204" pitchFamily="18" charset="0"/>
+                                      </a:rPr>
+                                    </m:ctrlPr>
+                                  </m:sSubPr>
+                                  <m:e>
+                                    <m:r>
+                                      <a:rPr lang="en-US" sz="1400" b="0" i="1" smtClean="0">
+                                        <a:latin typeface="Cambria Math" panose="02040503050406030204" pitchFamily="18" charset="0"/>
+                                        <a:ea typeface="Cambria Math" panose="02040503050406030204" pitchFamily="18" charset="0"/>
+                                      </a:rPr>
+                                      <m:t>𝜇</m:t>
+                                    </m:r>
+                                  </m:e>
+                                  <m:sub>
+                                    <m:r>
+                                      <a:rPr lang="en-US" sz="1400" b="0" i="1" smtClean="0">
+                                        <a:latin typeface="Cambria Math" panose="02040503050406030204" pitchFamily="18" charset="0"/>
+                                        <a:ea typeface="Cambria Math" panose="02040503050406030204" pitchFamily="18" charset="0"/>
+                                      </a:rPr>
+                                      <m:t>𝑝</m:t>
+                                    </m:r>
+                                  </m:sub>
+                                </m:sSub>
+                                <m:sSup>
+                                  <m:sSupPr>
+                                    <m:ctrlPr>
+                                      <a:rPr lang="en-US" sz="1400" b="0" i="1" smtClean="0">
+                                        <a:latin typeface="Cambria Math" panose="02040503050406030204" pitchFamily="18" charset="0"/>
+                                        <a:ea typeface="Cambria Math" panose="02040503050406030204" pitchFamily="18" charset="0"/>
+                                      </a:rPr>
+                                    </m:ctrlPr>
+                                  </m:sSupPr>
+                                  <m:e>
+                                    <m:r>
+                                      <a:rPr lang="en-US" sz="1400" b="0" i="1" smtClean="0">
+                                        <a:latin typeface="Cambria Math" panose="02040503050406030204" pitchFamily="18" charset="0"/>
+                                        <a:ea typeface="Cambria Math" panose="02040503050406030204" pitchFamily="18" charset="0"/>
+                                      </a:rPr>
+                                      <m:t>]</m:t>
+                                    </m:r>
+                                  </m:e>
+                                  <m:sup>
+                                    <m:r>
+                                      <a:rPr lang="en-US" sz="1400" b="0" i="1" smtClean="0">
+                                        <a:latin typeface="Cambria Math" panose="02040503050406030204" pitchFamily="18" charset="0"/>
+                                        <a:ea typeface="Cambria Math" panose="02040503050406030204" pitchFamily="18" charset="0"/>
+                                      </a:rPr>
+                                      <m:t>𝑇</m:t>
+                                    </m:r>
+                                  </m:sup>
+                                </m:sSup>
+                                <m:r>
+                                  <a:rPr lang="en-US" sz="1400" b="0" i="1" smtClean="0">
+                                    <a:latin typeface="Cambria Math" panose="02040503050406030204" pitchFamily="18" charset="0"/>
+                                    <a:ea typeface="Cambria Math" panose="02040503050406030204" pitchFamily="18" charset="0"/>
+                                  </a:rPr>
+                                  <m:t> −</m:t>
+                                </m:r>
+                                <m:r>
+                                  <a:rPr lang="en-US" sz="1400" b="0" i="1" smtClean="0">
+                                    <a:latin typeface="Cambria Math" panose="02040503050406030204" pitchFamily="18" charset="0"/>
+                                    <a:ea typeface="Cambria Math" panose="02040503050406030204" pitchFamily="18" charset="0"/>
+                                  </a:rPr>
+                                  <m:t>𝑙𝑜𝑐𝑎𝑡𝑖𝑜𝑛</m:t>
+                                </m:r>
+                              </m:oMath>
+                            </m:oMathPara>
+                          </a14:m>
+                          <a:endParaRPr lang="en-US" sz="1400" b="1" dirty="0"/>
+                        </a:p>
+                        <a:p>
+                          <a14:m>
+                            <m:oMathPara xmlns:m="http://schemas.openxmlformats.org/officeDocument/2006/math">
+                              <m:oMathParaPr>
+                                <m:jc m:val="centerGroup"/>
+                              </m:oMathParaPr>
+                              <m:oMath xmlns:m="http://schemas.openxmlformats.org/officeDocument/2006/math">
+                                <m:r>
+                                  <a:rPr lang="en-US" sz="1400" b="1" i="1" smtClean="0">
+                                    <a:latin typeface="Cambria Math" panose="02040503050406030204" pitchFamily="18" charset="0"/>
+                                    <a:ea typeface="Cambria Math" panose="02040503050406030204" pitchFamily="18" charset="0"/>
+                                  </a:rPr>
+                                  <m:t>𝚺</m:t>
+                                </m:r>
+                                <m:r>
+                                  <a:rPr lang="en-US" sz="1400" b="1" i="1" smtClean="0">
+                                    <a:latin typeface="Cambria Math" panose="02040503050406030204" pitchFamily="18" charset="0"/>
+                                    <a:ea typeface="Cambria Math" panose="02040503050406030204" pitchFamily="18" charset="0"/>
+                                  </a:rPr>
+                                  <m:t> (</m:t>
+                                </m:r>
+                                <m:r>
+                                  <a:rPr lang="en-US" sz="1400" b="1" i="1" smtClean="0">
+                                    <a:latin typeface="Cambria Math" panose="02040503050406030204" pitchFamily="18" charset="0"/>
+                                    <a:ea typeface="Cambria Math" panose="02040503050406030204" pitchFamily="18" charset="0"/>
+                                  </a:rPr>
+                                  <m:t>𝒑𝒙𝒑</m:t>
+                                </m:r>
+                                <m:r>
+                                  <a:rPr lang="en-US" sz="1400" b="1" i="1" smtClean="0">
+                                    <a:latin typeface="Cambria Math" panose="02040503050406030204" pitchFamily="18" charset="0"/>
+                                    <a:ea typeface="Cambria Math" panose="02040503050406030204" pitchFamily="18" charset="0"/>
+                                  </a:rPr>
+                                  <m:t> </m:t>
+                                </m:r>
+                                <m:r>
+                                  <a:rPr lang="en-US" sz="1400" b="1" i="1" smtClean="0">
+                                    <a:latin typeface="Cambria Math" panose="02040503050406030204" pitchFamily="18" charset="0"/>
+                                    <a:ea typeface="Cambria Math" panose="02040503050406030204" pitchFamily="18" charset="0"/>
+                                  </a:rPr>
+                                  <m:t>𝒔𝒄𝒂𝒍𝒆</m:t>
+                                </m:r>
+                                <m:r>
+                                  <a:rPr lang="en-US" sz="1400" b="1" i="1" smtClean="0">
+                                    <a:latin typeface="Cambria Math" panose="02040503050406030204" pitchFamily="18" charset="0"/>
+                                    <a:ea typeface="Cambria Math" panose="02040503050406030204" pitchFamily="18" charset="0"/>
+                                  </a:rPr>
+                                  <m:t> </m:t>
+                                </m:r>
+                                <m:r>
+                                  <a:rPr lang="en-US" sz="1400" b="1" i="1" smtClean="0">
+                                    <a:latin typeface="Cambria Math" panose="02040503050406030204" pitchFamily="18" charset="0"/>
+                                    <a:ea typeface="Cambria Math" panose="02040503050406030204" pitchFamily="18" charset="0"/>
+                                  </a:rPr>
+                                  <m:t>𝒎𝒂𝒕𝒓𝒊𝒙</m:t>
+                                </m:r>
+                                <m:r>
+                                  <a:rPr lang="en-US" sz="1400" b="1" i="1" smtClean="0">
+                                    <a:latin typeface="Cambria Math" panose="02040503050406030204" pitchFamily="18" charset="0"/>
+                                    <a:ea typeface="Cambria Math" panose="02040503050406030204" pitchFamily="18" charset="0"/>
+                                  </a:rPr>
+                                  <m:t>)</m:t>
+                                </m:r>
+                              </m:oMath>
+                            </m:oMathPara>
+                          </a14:m>
+                          <a:endParaRPr lang="en-US" sz="1400" b="1" dirty="0"/>
+                        </a:p>
+                        <a:p>
+                          <a14:m>
+                            <m:oMathPara xmlns:m="http://schemas.openxmlformats.org/officeDocument/2006/math">
+                              <m:oMathParaPr>
+                                <m:jc m:val="centerGroup"/>
+                              </m:oMathParaPr>
+                              <m:oMath xmlns:m="http://schemas.openxmlformats.org/officeDocument/2006/math">
+                                <m:r>
+                                  <a:rPr lang="en-US" sz="1400" b="1" i="1" smtClean="0">
+                                    <a:latin typeface="Cambria Math" panose="02040503050406030204" pitchFamily="18" charset="0"/>
+                                    <a:ea typeface="Cambria Math" panose="02040503050406030204" pitchFamily="18" charset="0"/>
+                                  </a:rPr>
+                                  <m:t>𝝂</m:t>
+                                </m:r>
+                                <m:r>
+                                  <a:rPr lang="en-US" sz="1400" b="1" i="1" smtClean="0">
+                                    <a:latin typeface="Cambria Math" panose="02040503050406030204" pitchFamily="18" charset="0"/>
+                                    <a:ea typeface="Cambria Math" panose="02040503050406030204" pitchFamily="18" charset="0"/>
+                                  </a:rPr>
+                                  <m:t> </m:t>
+                                </m:r>
+                                <m:r>
+                                  <a:rPr lang="en-US" sz="1400" b="0" i="1" smtClean="0">
+                                    <a:latin typeface="Cambria Math" panose="02040503050406030204" pitchFamily="18" charset="0"/>
+                                    <a:ea typeface="Cambria Math" panose="02040503050406030204" pitchFamily="18" charset="0"/>
+                                  </a:rPr>
+                                  <m:t>𝑖𝑠</m:t>
+                                </m:r>
+                                <m:r>
+                                  <a:rPr lang="en-US" sz="1400" b="0" i="1" smtClean="0">
+                                    <a:latin typeface="Cambria Math" panose="02040503050406030204" pitchFamily="18" charset="0"/>
+                                    <a:ea typeface="Cambria Math" panose="02040503050406030204" pitchFamily="18" charset="0"/>
+                                  </a:rPr>
+                                  <m:t> </m:t>
+                                </m:r>
+                                <m:r>
+                                  <a:rPr lang="en-US" sz="1400" b="0" i="1" smtClean="0">
+                                    <a:latin typeface="Cambria Math" panose="02040503050406030204" pitchFamily="18" charset="0"/>
+                                    <a:ea typeface="Cambria Math" panose="02040503050406030204" pitchFamily="18" charset="0"/>
+                                  </a:rPr>
+                                  <m:t>𝑡h𝑒</m:t>
+                                </m:r>
+                                <m:r>
+                                  <a:rPr lang="en-US" sz="1400" b="0" i="1" smtClean="0">
+                                    <a:latin typeface="Cambria Math" panose="02040503050406030204" pitchFamily="18" charset="0"/>
+                                    <a:ea typeface="Cambria Math" panose="02040503050406030204" pitchFamily="18" charset="0"/>
+                                  </a:rPr>
+                                  <m:t> </m:t>
+                                </m:r>
+                                <m:r>
+                                  <a:rPr lang="en-US" sz="1400" b="0" i="1" smtClean="0">
+                                    <a:latin typeface="Cambria Math" panose="02040503050406030204" pitchFamily="18" charset="0"/>
+                                    <a:ea typeface="Cambria Math" panose="02040503050406030204" pitchFamily="18" charset="0"/>
+                                  </a:rPr>
+                                  <m:t>𝑑𝑒𝑔𝑟𝑒𝑒𝑠</m:t>
+                                </m:r>
+                                <m:r>
+                                  <a:rPr lang="en-US" sz="1400" b="0" i="1" smtClean="0">
+                                    <a:latin typeface="Cambria Math" panose="02040503050406030204" pitchFamily="18" charset="0"/>
+                                    <a:ea typeface="Cambria Math" panose="02040503050406030204" pitchFamily="18" charset="0"/>
+                                  </a:rPr>
+                                  <m:t> </m:t>
+                                </m:r>
+                                <m:r>
+                                  <a:rPr lang="en-US" sz="1400" b="0" i="1" smtClean="0">
+                                    <a:latin typeface="Cambria Math" panose="02040503050406030204" pitchFamily="18" charset="0"/>
+                                    <a:ea typeface="Cambria Math" panose="02040503050406030204" pitchFamily="18" charset="0"/>
+                                  </a:rPr>
+                                  <m:t>𝑜𝑓</m:t>
+                                </m:r>
+                                <m:r>
+                                  <a:rPr lang="en-US" sz="1400" b="0" i="1" smtClean="0">
+                                    <a:latin typeface="Cambria Math" panose="02040503050406030204" pitchFamily="18" charset="0"/>
+                                    <a:ea typeface="Cambria Math" panose="02040503050406030204" pitchFamily="18" charset="0"/>
+                                  </a:rPr>
+                                  <m:t> </m:t>
+                                </m:r>
+                                <m:r>
+                                  <a:rPr lang="en-US" sz="1400" b="0" i="1" smtClean="0">
+                                    <a:latin typeface="Cambria Math" panose="02040503050406030204" pitchFamily="18" charset="0"/>
+                                    <a:ea typeface="Cambria Math" panose="02040503050406030204" pitchFamily="18" charset="0"/>
+                                  </a:rPr>
+                                  <m:t>𝑓𝑟𝑒𝑒𝑑𝑜𝑚</m:t>
+                                </m:r>
+                              </m:oMath>
+                            </m:oMathPara>
+                          </a14:m>
+                          <a:endParaRPr lang="en-US" sz="1400" b="1" dirty="0"/>
                         </a:p>
                       </a:txBody>
                       <a:tcPr/>
@@ -6661,7 +8655,70 @@
                         <a:bodyPr/>
                         <a:lstStyle/>
                         <a:p>
-                          <a:endParaRPr lang="en-US" dirty="0"/>
+                          <a14:m>
+                            <m:oMathPara xmlns:m="http://schemas.openxmlformats.org/officeDocument/2006/math">
+                              <m:oMathParaPr>
+                                <m:jc m:val="centerGroup"/>
+                              </m:oMathParaPr>
+                              <m:oMath xmlns:m="http://schemas.openxmlformats.org/officeDocument/2006/math">
+                                <m:r>
+                                  <a:rPr lang="en-US" b="1" i="1" smtClean="0">
+                                    <a:latin typeface="Cambria Math" panose="02040503050406030204" pitchFamily="18" charset="0"/>
+                                  </a:rPr>
+                                  <m:t>𝒙</m:t>
+                                </m:r>
+                                <m:r>
+                                  <a:rPr lang="en-US" b="1" i="1" smtClean="0">
+                                    <a:latin typeface="Cambria Math" panose="02040503050406030204" pitchFamily="18" charset="0"/>
+                                  </a:rPr>
+                                  <m:t> </m:t>
+                                </m:r>
+                                <m:r>
+                                  <a:rPr lang="en-US" b="0" i="1" smtClean="0">
+                                    <a:latin typeface="Cambria Math" panose="02040503050406030204" pitchFamily="18" charset="0"/>
+                                    <a:ea typeface="Cambria Math" panose="02040503050406030204" pitchFamily="18" charset="0"/>
+                                  </a:rPr>
+                                  <m:t>𝜖</m:t>
+                                </m:r>
+                                <m:r>
+                                  <a:rPr lang="en-US" b="0" i="1" smtClean="0">
+                                    <a:latin typeface="Cambria Math" panose="02040503050406030204" pitchFamily="18" charset="0"/>
+                                    <a:ea typeface="Cambria Math" panose="02040503050406030204" pitchFamily="18" charset="0"/>
+                                  </a:rPr>
+                                  <m:t> </m:t>
+                                </m:r>
+                                <m:sSup>
+                                  <m:sSupPr>
+                                    <m:ctrlPr>
+                                      <a:rPr lang="en-US" b="0" i="1" smtClean="0">
+                                        <a:latin typeface="Cambria Math" panose="02040503050406030204" pitchFamily="18" charset="0"/>
+                                        <a:ea typeface="Cambria Math" panose="02040503050406030204" pitchFamily="18" charset="0"/>
+                                      </a:rPr>
+                                    </m:ctrlPr>
+                                  </m:sSupPr>
+                                  <m:e>
+                                    <m:r>
+                                      <a:rPr lang="en-US" b="0" i="1" smtClean="0">
+                                        <a:latin typeface="Cambria Math" panose="02040503050406030204" pitchFamily="18" charset="0"/>
+                                        <a:ea typeface="Cambria Math" panose="02040503050406030204" pitchFamily="18" charset="0"/>
+                                      </a:rPr>
+                                      <m:t>ℝ</m:t>
+                                    </m:r>
+                                  </m:e>
+                                  <m:sup>
+                                    <m:r>
+                                      <a:rPr lang="en-US" b="0" i="1" smtClean="0">
+                                        <a:latin typeface="Cambria Math" panose="02040503050406030204" pitchFamily="18" charset="0"/>
+                                        <a:ea typeface="Cambria Math" panose="02040503050406030204" pitchFamily="18" charset="0"/>
+                                      </a:rPr>
+                                      <m:t>𝑝</m:t>
+                                    </m:r>
+                                  </m:sup>
+                                </m:sSup>
+                              </m:oMath>
+                            </m:oMathPara>
+                          </a14:m>
+                          <a:endParaRPr lang="en-US" b="1" dirty="0"/>
                         </a:p>
                       </a:txBody>
                       <a:tcPr/>
@@ -6734,185 +8791,80 @@
                             <a:tabLst/>
                             <a:defRPr/>
                           </a:pPr>
-                          <a:endParaRPr lang="en-US" dirty="0"/>
-                        </a:p>
-                      </a:txBody>
-                      <a:tcPr/>
-                    </a:tc>
-                    <a:extLst>
-                      <a:ext uri="{0D108BD9-81ED-4DB2-BD59-A6C34878D82A}">
-                        <a16:rowId xmlns:a16="http://schemas.microsoft.com/office/drawing/2014/main" val="3065759076"/>
-                      </a:ext>
-                    </a:extLst>
-                  </a:tr>
-                </a:tbl>
-              </a:graphicData>
-            </a:graphic>
-          </p:graphicFrame>
-        </mc:Choice>
-        <mc:Fallback xmlns="">
-          <p:graphicFrame>
-            <p:nvGraphicFramePr>
-              <p:cNvPr id="15" name="Table 15">
-                <a:extLst>
-                  <a:ext uri="{FF2B5EF4-FFF2-40B4-BE49-F238E27FC236}">
-                    <a16:creationId xmlns:a16="http://schemas.microsoft.com/office/drawing/2014/main" id="{8D072831-78F0-4F77-9786-96076264692B}"/>
-                  </a:ext>
-                </a:extLst>
-              </p:cNvPr>
-              <p:cNvGraphicFramePr>
-                <a:graphicFrameLocks noGrp="1"/>
-              </p:cNvGraphicFramePr>
-              <p:nvPr>
-                <p:extLst>
-                  <p:ext uri="{D42A27DB-BD31-4B8C-83A1-F6EECF244321}">
-                    <p14:modId xmlns:p14="http://schemas.microsoft.com/office/powerpoint/2010/main" val="3371152605"/>
-                  </p:ext>
-                </p:extLst>
-              </p:nvPr>
-            </p:nvGraphicFramePr>
-            <p:xfrm>
-              <a:off x="907624" y="2251102"/>
-              <a:ext cx="4106635" cy="1587363"/>
-            </p:xfrm>
-            <a:graphic>
-              <a:graphicData uri="http://schemas.openxmlformats.org/drawingml/2006/table">
-                <a:tbl>
-                  <a:tblPr firstRow="1" bandRow="1">
-                    <a:tableStyleId>{5DA37D80-6434-44D0-A028-1B22A696006F}</a:tableStyleId>
-                  </a:tblPr>
-                  <a:tblGrid>
-                    <a:gridCol w="1524799">
-                      <a:extLst>
-                        <a:ext uri="{9D8B030D-6E8A-4147-A177-3AD203B41FA5}">
-                          <a16:colId xmlns:a16="http://schemas.microsoft.com/office/drawing/2014/main" val="4049054063"/>
-                        </a:ext>
-                      </a:extLst>
-                    </a:gridCol>
-                    <a:gridCol w="2581836">
-                      <a:extLst>
-                        <a:ext uri="{9D8B030D-6E8A-4147-A177-3AD203B41FA5}">
-                          <a16:colId xmlns:a16="http://schemas.microsoft.com/office/drawing/2014/main" val="642450788"/>
-                        </a:ext>
-                      </a:extLst>
-                    </a:gridCol>
-                  </a:tblGrid>
-                  <a:tr h="370840">
-                    <a:tc>
-                      <a:txBody>
-                        <a:bodyPr/>
-                        <a:lstStyle/>
-                        <a:p>
-                          <a:r>
-                            <a:rPr lang="en-US" b="1" dirty="0">
-                              <a:solidFill>
-                                <a:schemeClr val="tx1"/>
-                              </a:solidFill>
-                            </a:rPr>
-                            <a:t>PMF</a:t>
-                          </a:r>
-                        </a:p>
-                      </a:txBody>
-                      <a:tcPr/>
-                    </a:tc>
-                    <a:tc>
-                      <a:txBody>
-                        <a:bodyPr/>
-                        <a:lstStyle/>
-                        <a:p>
-                          <a:endParaRPr lang="en-US" b="0" dirty="0"/>
-                        </a:p>
-                      </a:txBody>
-                      <a:tcPr/>
-                    </a:tc>
-                    <a:extLst>
-                      <a:ext uri="{0D108BD9-81ED-4DB2-BD59-A6C34878D82A}">
-                        <a16:rowId xmlns:a16="http://schemas.microsoft.com/office/drawing/2014/main" val="3708673648"/>
-                      </a:ext>
-                    </a:extLst>
-                  </a:tr>
-                  <a:tr h="370840">
-                    <a:tc>
-                      <a:txBody>
-                        <a:bodyPr/>
-                        <a:lstStyle/>
-                        <a:p>
-                          <a:r>
-                            <a:rPr lang="en-US" b="1" dirty="0"/>
-                            <a:t>Parameters:</a:t>
-                          </a:r>
-                        </a:p>
-                      </a:txBody>
-                      <a:tcPr/>
-                    </a:tc>
-                    <a:tc>
-                      <a:txBody>
-                        <a:bodyPr/>
-                        <a:lstStyle/>
-                        <a:p>
-                          <a:endParaRPr lang="en-US" dirty="0"/>
-                        </a:p>
-                      </a:txBody>
-                      <a:tcPr/>
-                    </a:tc>
-                    <a:extLst>
-                      <a:ext uri="{0D108BD9-81ED-4DB2-BD59-A6C34878D82A}">
-                        <a16:rowId xmlns:a16="http://schemas.microsoft.com/office/drawing/2014/main" val="2255337232"/>
-                      </a:ext>
-                    </a:extLst>
-                  </a:tr>
-                  <a:tr h="370840">
-                    <a:tc>
-                      <a:txBody>
-                        <a:bodyPr/>
-                        <a:lstStyle/>
-                        <a:p>
-                          <a:r>
-                            <a:rPr lang="en-US" b="1" dirty="0"/>
-                            <a:t>Support:</a:t>
-                          </a:r>
-                        </a:p>
-                      </a:txBody>
-                      <a:tcPr/>
-                    </a:tc>
-                    <a:tc>
-                      <a:txBody>
-                        <a:bodyPr/>
-                        <a:lstStyle/>
-                        <a:p>
-                          <a:endParaRPr lang="en-US" dirty="0"/>
-                        </a:p>
-                      </a:txBody>
-                      <a:tcPr/>
-                    </a:tc>
-                    <a:extLst>
-                      <a:ext uri="{0D108BD9-81ED-4DB2-BD59-A6C34878D82A}">
-                        <a16:rowId xmlns:a16="http://schemas.microsoft.com/office/drawing/2014/main" val="2473792736"/>
-                      </a:ext>
-                    </a:extLst>
-                  </a:tr>
-                  <a:tr h="474843">
-                    <a:tc>
-                      <a:txBody>
-                        <a:bodyPr/>
-                        <a:lstStyle/>
-                        <a:p>
-                          <a:endParaRPr lang="en-US"/>
-                        </a:p>
-                      </a:txBody>
-                      <a:tcPr>
-                        <a:blipFill>
-                          <a:blip r:embed="rId2"/>
-                          <a:stretch>
-                            <a:fillRect l="-398" t="-241026" r="-170120" b="-2564"/>
-                          </a:stretch>
-                        </a:blipFill>
-                      </a:tcPr>
-                    </a:tc>
-                    <a:tc>
-                      <a:txBody>
-                        <a:bodyPr/>
-                        <a:lstStyle/>
+                          <a14:m>
+                            <m:oMathPara xmlns:m="http://schemas.openxmlformats.org/officeDocument/2006/math">
+                              <m:oMathParaPr>
+                                <m:jc m:val="centerGroup"/>
+                              </m:oMathParaPr>
+                              <m:oMath xmlns:m="http://schemas.openxmlformats.org/officeDocument/2006/math">
+                                <m:r>
+                                  <a:rPr lang="en-US" sz="1200" b="1" i="1" smtClean="0">
+                                    <a:latin typeface="Cambria Math" panose="02040503050406030204" pitchFamily="18" charset="0"/>
+                                    <a:ea typeface="Cambria Math" panose="02040503050406030204" pitchFamily="18" charset="0"/>
+                                  </a:rPr>
+                                  <m:t>𝝁</m:t>
+                                </m:r>
+                                <m:r>
+                                  <a:rPr lang="en-US" sz="1200" b="1" i="1" smtClean="0">
+                                    <a:latin typeface="Cambria Math" panose="02040503050406030204" pitchFamily="18" charset="0"/>
+                                    <a:ea typeface="Cambria Math" panose="02040503050406030204" pitchFamily="18" charset="0"/>
+                                  </a:rPr>
+                                  <m:t> </m:t>
+                                </m:r>
+                                <m:r>
+                                  <a:rPr lang="en-US" sz="1200" b="0" i="1" smtClean="0">
+                                    <a:latin typeface="Cambria Math" panose="02040503050406030204" pitchFamily="18" charset="0"/>
+                                    <a:ea typeface="Cambria Math" panose="02040503050406030204" pitchFamily="18" charset="0"/>
+                                  </a:rPr>
+                                  <m:t>𝑖𝑓</m:t>
+                                </m:r>
+                                <m:r>
+                                  <a:rPr lang="en-US" sz="1200" b="0" i="1" smtClean="0">
+                                    <a:latin typeface="Cambria Math" panose="02040503050406030204" pitchFamily="18" charset="0"/>
+                                    <a:ea typeface="Cambria Math" panose="02040503050406030204" pitchFamily="18" charset="0"/>
+                                  </a:rPr>
+                                  <m:t> </m:t>
+                                </m:r>
+                                <m:r>
+                                  <a:rPr lang="en-US" sz="1200" b="0" i="1" smtClean="0">
+                                    <a:latin typeface="Cambria Math" panose="02040503050406030204" pitchFamily="18" charset="0"/>
+                                    <a:ea typeface="Cambria Math" panose="02040503050406030204" pitchFamily="18" charset="0"/>
+                                  </a:rPr>
+                                  <m:t>𝜈</m:t>
+                                </m:r>
+                                <m:r>
+                                  <a:rPr lang="en-US" sz="1200" b="0" i="1" smtClean="0">
+                                    <a:latin typeface="Cambria Math" panose="02040503050406030204" pitchFamily="18" charset="0"/>
+                                    <a:ea typeface="Cambria Math" panose="02040503050406030204" pitchFamily="18" charset="0"/>
+                                  </a:rPr>
+                                  <m:t>&gt;1;</m:t>
+                                </m:r>
+                                <m:r>
+                                  <a:rPr lang="en-US" sz="1200" b="0" i="1" smtClean="0">
+                                    <a:latin typeface="Cambria Math" panose="02040503050406030204" pitchFamily="18" charset="0"/>
+                                    <a:ea typeface="Cambria Math" panose="02040503050406030204" pitchFamily="18" charset="0"/>
+                                  </a:rPr>
+                                  <m:t>𝑜𝑡h𝑒𝑟𝑤𝑖𝑠𝑒</m:t>
+                                </m:r>
+                                <m:r>
+                                  <a:rPr lang="en-US" sz="1200" b="0" i="1" smtClean="0">
+                                    <a:latin typeface="Cambria Math" panose="02040503050406030204" pitchFamily="18" charset="0"/>
+                                    <a:ea typeface="Cambria Math" panose="02040503050406030204" pitchFamily="18" charset="0"/>
+                                  </a:rPr>
+                                  <m:t> </m:t>
+                                </m:r>
+                                <m:r>
+                                  <a:rPr lang="en-US" sz="1200" b="0" i="1" smtClean="0">
+                                    <a:latin typeface="Cambria Math" panose="02040503050406030204" pitchFamily="18" charset="0"/>
+                                    <a:ea typeface="Cambria Math" panose="02040503050406030204" pitchFamily="18" charset="0"/>
+                                  </a:rPr>
+                                  <m:t>𝑢𝑛𝑑𝑒𝑓𝑖𝑛𝑒𝑑</m:t>
+                                </m:r>
+                              </m:oMath>
+                            </m:oMathPara>
+                          </a14:m>
+                          <a:endParaRPr lang="en-US" sz="1200" b="1" dirty="0"/>
+                        </a:p>
                         <a:p>
                           <a:pPr marL="0" marR="0" lvl="0" indent="0" algn="l" defTabSz="914400" rtl="0" eaLnBrk="1" fontAlgn="auto" latinLnBrk="0" hangingPunct="1">
                             <a:lnSpc>
@@ -6935,6 +8887,207 @@
                         </a:p>
                       </a:txBody>
                       <a:tcPr/>
+                    </a:tc>
+                    <a:extLst>
+                      <a:ext uri="{0D108BD9-81ED-4DB2-BD59-A6C34878D82A}">
+                        <a16:rowId xmlns:a16="http://schemas.microsoft.com/office/drawing/2014/main" val="3065759076"/>
+                      </a:ext>
+                    </a:extLst>
+                  </a:tr>
+                </a:tbl>
+              </a:graphicData>
+            </a:graphic>
+          </p:graphicFrame>
+        </mc:Choice>
+        <mc:Fallback>
+          <p:graphicFrame>
+            <p:nvGraphicFramePr>
+              <p:cNvPr id="15" name="Table 15">
+                <a:extLst>
+                  <a:ext uri="{FF2B5EF4-FFF2-40B4-BE49-F238E27FC236}">
+                    <a16:creationId xmlns:a16="http://schemas.microsoft.com/office/drawing/2014/main" id="{8D072831-78F0-4F77-9786-96076264692B}"/>
+                  </a:ext>
+                </a:extLst>
+              </p:cNvPr>
+              <p:cNvGraphicFramePr>
+                <a:graphicFrameLocks noGrp="1"/>
+              </p:cNvGraphicFramePr>
+              <p:nvPr>
+                <p:extLst>
+                  <p:ext uri="{D42A27DB-BD31-4B8C-83A1-F6EECF244321}">
+                    <p14:modId xmlns:p14="http://schemas.microsoft.com/office/powerpoint/2010/main" val="2595661577"/>
+                  </p:ext>
+                </p:extLst>
+              </p:nvPr>
+            </p:nvGraphicFramePr>
+            <p:xfrm>
+              <a:off x="907624" y="2251102"/>
+              <a:ext cx="4772505" cy="2388588"/>
+            </p:xfrm>
+            <a:graphic>
+              <a:graphicData uri="http://schemas.openxmlformats.org/drawingml/2006/table">
+                <a:tbl>
+                  <a:tblPr firstRow="1" bandRow="1">
+                    <a:tableStyleId>{5DA37D80-6434-44D0-A028-1B22A696006F}</a:tableStyleId>
+                  </a:tblPr>
+                  <a:tblGrid>
+                    <a:gridCol w="1362878">
+                      <a:extLst>
+                        <a:ext uri="{9D8B030D-6E8A-4147-A177-3AD203B41FA5}">
+                          <a16:colId xmlns:a16="http://schemas.microsoft.com/office/drawing/2014/main" val="4049054063"/>
+                        </a:ext>
+                      </a:extLst>
+                    </a:gridCol>
+                    <a:gridCol w="3409627">
+                      <a:extLst>
+                        <a:ext uri="{9D8B030D-6E8A-4147-A177-3AD203B41FA5}">
+                          <a16:colId xmlns:a16="http://schemas.microsoft.com/office/drawing/2014/main" val="642450788"/>
+                        </a:ext>
+                      </a:extLst>
+                    </a:gridCol>
+                  </a:tblGrid>
+                  <a:tr h="716823">
+                    <a:tc>
+                      <a:txBody>
+                        <a:bodyPr/>
+                        <a:lstStyle/>
+                        <a:p>
+                          <a:r>
+                            <a:rPr lang="en-US" b="1" dirty="0">
+                              <a:solidFill>
+                                <a:schemeClr val="tx1"/>
+                              </a:solidFill>
+                            </a:rPr>
+                            <a:t>PDF</a:t>
+                          </a:r>
+                        </a:p>
+                      </a:txBody>
+                      <a:tcPr/>
+                    </a:tc>
+                    <a:tc>
+                      <a:txBody>
+                        <a:bodyPr/>
+                        <a:lstStyle/>
+                        <a:p>
+                          <a:endParaRPr lang="en-US" b="0" dirty="0"/>
+                        </a:p>
+                      </a:txBody>
+                      <a:tcPr/>
+                    </a:tc>
+                    <a:extLst>
+                      <a:ext uri="{0D108BD9-81ED-4DB2-BD59-A6C34878D82A}">
+                        <a16:rowId xmlns:a16="http://schemas.microsoft.com/office/drawing/2014/main" val="3708673648"/>
+                      </a:ext>
+                    </a:extLst>
+                  </a:tr>
+                  <a:tr h="752285">
+                    <a:tc>
+                      <a:txBody>
+                        <a:bodyPr/>
+                        <a:lstStyle/>
+                        <a:p>
+                          <a:r>
+                            <a:rPr lang="en-US" b="1" dirty="0"/>
+                            <a:t>Parameters:</a:t>
+                          </a:r>
+                        </a:p>
+                      </a:txBody>
+                      <a:tcPr/>
+                    </a:tc>
+                    <a:tc>
+                      <a:txBody>
+                        <a:bodyPr/>
+                        <a:lstStyle/>
+                        <a:p>
+                          <a:endParaRPr lang="en-US"/>
+                        </a:p>
+                      </a:txBody>
+                      <a:tcPr>
+                        <a:blipFill>
+                          <a:blip r:embed="rId2"/>
+                          <a:stretch>
+                            <a:fillRect l="-40179" t="-99194" r="-536" b="-123387"/>
+                          </a:stretch>
+                        </a:blipFill>
+                      </a:tcPr>
+                    </a:tc>
+                    <a:extLst>
+                      <a:ext uri="{0D108BD9-81ED-4DB2-BD59-A6C34878D82A}">
+                        <a16:rowId xmlns:a16="http://schemas.microsoft.com/office/drawing/2014/main" val="2255337232"/>
+                      </a:ext>
+                    </a:extLst>
+                  </a:tr>
+                  <a:tr h="370840">
+                    <a:tc>
+                      <a:txBody>
+                        <a:bodyPr/>
+                        <a:lstStyle/>
+                        <a:p>
+                          <a:r>
+                            <a:rPr lang="en-US" b="1" dirty="0"/>
+                            <a:t>Support:</a:t>
+                          </a:r>
+                        </a:p>
+                      </a:txBody>
+                      <a:tcPr/>
+                    </a:tc>
+                    <a:tc>
+                      <a:txBody>
+                        <a:bodyPr/>
+                        <a:lstStyle/>
+                        <a:p>
+                          <a:endParaRPr lang="en-US"/>
+                        </a:p>
+                      </a:txBody>
+                      <a:tcPr>
+                        <a:blipFill>
+                          <a:blip r:embed="rId2"/>
+                          <a:stretch>
+                            <a:fillRect l="-40179" t="-404918" r="-536" b="-150820"/>
+                          </a:stretch>
+                        </a:blipFill>
+                      </a:tcPr>
+                    </a:tc>
+                    <a:extLst>
+                      <a:ext uri="{0D108BD9-81ED-4DB2-BD59-A6C34878D82A}">
+                        <a16:rowId xmlns:a16="http://schemas.microsoft.com/office/drawing/2014/main" val="2473792736"/>
+                      </a:ext>
+                    </a:extLst>
+                  </a:tr>
+                  <a:tr h="548640">
+                    <a:tc>
+                      <a:txBody>
+                        <a:bodyPr/>
+                        <a:lstStyle/>
+                        <a:p>
+                          <a:endParaRPr lang="en-US"/>
+                        </a:p>
+                      </a:txBody>
+                      <a:tcPr>
+                        <a:blipFill>
+                          <a:blip r:embed="rId2"/>
+                          <a:stretch>
+                            <a:fillRect l="-446" t="-342222" r="-251339" b="-2222"/>
+                          </a:stretch>
+                        </a:blipFill>
+                      </a:tcPr>
+                    </a:tc>
+                    <a:tc>
+                      <a:txBody>
+                        <a:bodyPr/>
+                        <a:lstStyle/>
+                        <a:p>
+                          <a:endParaRPr lang="en-US"/>
+                        </a:p>
+                      </a:txBody>
+                      <a:tcPr>
+                        <a:blipFill>
+                          <a:blip r:embed="rId2"/>
+                          <a:stretch>
+                            <a:fillRect l="-40179" t="-342222" r="-536" b="-2222"/>
+                          </a:stretch>
+                        </a:blipFill>
+                      </a:tcPr>
                     </a:tc>
                     <a:extLst>
                       <a:ext uri="{0D108BD9-81ED-4DB2-BD59-A6C34878D82A}">
@@ -7018,8 +9171,8 @@
         </p:nvSpPr>
         <p:spPr>
           <a:xfrm>
-            <a:off x="908424" y="4446494"/>
-            <a:ext cx="4147670" cy="923330"/>
+            <a:off x="895275" y="4858304"/>
+            <a:ext cx="4784853" cy="923330"/>
           </a:xfrm>
           <a:prstGeom prst="rect">
             <a:avLst/>
@@ -7039,22 +9192,12 @@
           <a:p>
             <a:r>
               <a:rPr lang="en-US" b="1" dirty="0"/>
-              <a:t>Typical Uses:</a:t>
-            </a:r>
-          </a:p>
-          <a:p>
-            <a:pPr marL="285750" indent="-285750">
-              <a:buFontTx/>
-              <a:buChar char="-"/>
-            </a:pPr>
-            <a:endParaRPr lang="en-US" dirty="0"/>
-          </a:p>
-          <a:p>
-            <a:pPr marL="285750" indent="-285750">
-              <a:buFontTx/>
-              <a:buChar char="-"/>
-            </a:pPr>
-            <a:endParaRPr lang="en-US" dirty="0"/>
+              <a:t>Typical Uses: </a:t>
+            </a:r>
+            <a:r>
+              <a:rPr lang="en-US" dirty="0"/>
+              <a:t>multivariant distribution that is better able to account for outliers than the Gaussian distribution.</a:t>
+            </a:r>
           </a:p>
         </p:txBody>
       </p:sp>
@@ -7073,7 +9216,7 @@
         <p:spPr>
           <a:xfrm>
             <a:off x="0" y="6317674"/>
-            <a:ext cx="12156141" cy="523220"/>
+            <a:ext cx="12156141" cy="553998"/>
           </a:xfrm>
           <a:prstGeom prst="rect">
             <a:avLst/>
@@ -7090,11 +9233,23 @@
               <a:rPr lang="en-US" sz="1000" b="1" dirty="0"/>
               <a:t>Resources:</a:t>
             </a:r>
-            <a:endParaRPr lang="en-US" sz="1000" b="1" dirty="0">
-              <a:hlinkClick r:id="rId3"/>
-            </a:endParaRPr>
-          </a:p>
-          <a:p>
+          </a:p>
+          <a:p>
+            <a:r>
+              <a:rPr lang="en-US" sz="1000" dirty="0">
+                <a:hlinkClick r:id="rId3"/>
+              </a:rPr>
+              <a:t>On the Multivariate t Distribution, Report no. LiTH-ISY-R-3059 (liu.se)</a:t>
+            </a:r>
+            <a:endParaRPr lang="en-US" sz="1000" dirty="0"/>
+          </a:p>
+          <a:p>
+            <a:r>
+              <a:rPr lang="en-US" sz="1000" dirty="0">
+                <a:hlinkClick r:id="rId4"/>
+              </a:rPr>
+              <a:t>Multivariate t-distribution - Wikipedia</a:t>
+            </a:r>
             <a:endParaRPr lang="en-US" dirty="0"/>
           </a:p>
         </p:txBody>
@@ -7135,6 +9290,66 @@
           </a:p>
         </p:txBody>
       </p:sp>
+      <p:pic>
+        <p:nvPicPr>
+          <p:cNvPr id="9" name="Picture 8">
+            <a:extLst>
+              <a:ext uri="{FF2B5EF4-FFF2-40B4-BE49-F238E27FC236}">
+                <a16:creationId xmlns:a16="http://schemas.microsoft.com/office/drawing/2014/main" id="{424C243B-2592-43F8-A283-35E72887CA4D}"/>
+              </a:ext>
+            </a:extLst>
+          </p:cNvPr>
+          <p:cNvPicPr>
+            <a:picLocks noChangeAspect="1"/>
+          </p:cNvPicPr>
+          <p:nvPr/>
+        </p:nvPicPr>
+        <p:blipFill>
+          <a:blip r:embed="rId5"/>
+          <a:stretch>
+            <a:fillRect/>
+          </a:stretch>
+        </p:blipFill>
+        <p:spPr>
+          <a:xfrm>
+            <a:off x="2357115" y="2434853"/>
+            <a:ext cx="3247181" cy="401337"/>
+          </a:xfrm>
+          <a:prstGeom prst="rect">
+            <a:avLst/>
+          </a:prstGeom>
+        </p:spPr>
+      </p:pic>
+      <p:pic>
+        <p:nvPicPr>
+          <p:cNvPr id="10" name="Picture 9">
+            <a:extLst>
+              <a:ext uri="{FF2B5EF4-FFF2-40B4-BE49-F238E27FC236}">
+                <a16:creationId xmlns:a16="http://schemas.microsoft.com/office/drawing/2014/main" id="{770F11C1-34E2-4892-93DE-CCD77C141EB3}"/>
+              </a:ext>
+            </a:extLst>
+          </p:cNvPr>
+          <p:cNvPicPr>
+            <a:picLocks noChangeAspect="1"/>
+          </p:cNvPicPr>
+          <p:nvPr/>
+        </p:nvPicPr>
+        <p:blipFill>
+          <a:blip r:embed="rId6"/>
+          <a:stretch>
+            <a:fillRect/>
+          </a:stretch>
+        </p:blipFill>
+        <p:spPr>
+          <a:xfrm>
+            <a:off x="6505585" y="1775895"/>
+            <a:ext cx="5021548" cy="4005739"/>
+          </a:xfrm>
+          <a:prstGeom prst="rect">
+            <a:avLst/>
+          </a:prstGeom>
+        </p:spPr>
+      </p:pic>
     </p:spTree>
     <p:extLst>
       <p:ext uri="{BB962C8B-B14F-4D97-AF65-F5344CB8AC3E}">
@@ -7233,14 +9448,17 @@
           <a:p>
             <a:r>
               <a:rPr lang="en-US" b="1" dirty="0"/>
-              <a:t>Support Type:</a:t>
-            </a:r>
-            <a:endParaRPr lang="en-US" dirty="0"/>
+              <a:t>Support Type: </a:t>
+            </a:r>
+            <a:r>
+              <a:rPr lang="en-US" dirty="0"/>
+              <a:t>multi variable, continuous</a:t>
+            </a:r>
           </a:p>
         </p:txBody>
       </p:sp>
-      <mc:AlternateContent xmlns:mc="http://schemas.openxmlformats.org/markup-compatibility/2006" xmlns:a14="http://schemas.microsoft.com/office/drawing/2010/main">
-        <mc:Choice Requires="a14">
+      <mc:AlternateContent xmlns:mc="http://schemas.openxmlformats.org/markup-compatibility/2006">
+        <mc:Choice xmlns:a14="http://schemas.microsoft.com/office/drawing/2010/main" Requires="a14">
           <p:graphicFrame>
             <p:nvGraphicFramePr>
               <p:cNvPr id="15" name="Table 15">
@@ -7256,14 +9474,14 @@
               <p:nvPr>
                 <p:extLst>
                   <p:ext uri="{D42A27DB-BD31-4B8C-83A1-F6EECF244321}">
-                    <p14:modId xmlns:p14="http://schemas.microsoft.com/office/powerpoint/2010/main" val="1367190095"/>
+                    <p14:modId xmlns:p14="http://schemas.microsoft.com/office/powerpoint/2010/main" val="565736319"/>
                   </p:ext>
                 </p:extLst>
               </p:nvPr>
             </p:nvGraphicFramePr>
             <p:xfrm>
               <a:off x="907624" y="2251102"/>
-              <a:ext cx="4106635" cy="1587363"/>
+              <a:ext cx="4106635" cy="2227900"/>
             </p:xfrm>
             <a:graphic>
               <a:graphicData uri="http://schemas.openxmlformats.org/drawingml/2006/table">
@@ -7287,7 +9505,7 @@
                       </a:extLst>
                     </a:gridCol>
                   </a:tblGrid>
-                  <a:tr h="370840">
+                  <a:tr h="864057">
                     <a:tc>
                       <a:txBody>
                         <a:bodyPr/>
@@ -7299,7 +9517,7 @@
                                 <a:schemeClr val="tx1"/>
                               </a:solidFill>
                             </a:rPr>
-                            <a:t>PMF</a:t>
+                            <a:t>PDF</a:t>
                           </a:r>
                         </a:p>
                       </a:txBody>
@@ -7340,7 +9558,193 @@
                         <a:bodyPr/>
                         <a:lstStyle/>
                         <a:p>
-                          <a:endParaRPr lang="en-US" dirty="0"/>
+                          <a:r>
+                            <a:rPr lang="en-US" sz="1400" b="0" i="1" kern="1200" dirty="0">
+                              <a:solidFill>
+                                <a:schemeClr val="tx1"/>
+                              </a:solidFill>
+                              <a:effectLst/>
+                              <a:latin typeface="+mn-lt"/>
+                              <a:ea typeface="+mn-ea"/>
+                              <a:cs typeface="+mn-cs"/>
+                            </a:rPr>
+                            <a:t>n</a:t>
+                          </a:r>
+                          <a:r>
+                            <a:rPr lang="en-US" sz="1400" b="0" i="0" kern="1200" dirty="0">
+                              <a:solidFill>
+                                <a:schemeClr val="tx1"/>
+                              </a:solidFill>
+                              <a:effectLst/>
+                              <a:latin typeface="+mn-lt"/>
+                              <a:ea typeface="+mn-ea"/>
+                              <a:cs typeface="+mn-cs"/>
+                            </a:rPr>
+                            <a:t> &gt; </a:t>
+                          </a:r>
+                          <a:r>
+                            <a:rPr lang="en-US" sz="1400" b="0" i="1" kern="1200" dirty="0">
+                              <a:solidFill>
+                                <a:schemeClr val="tx1"/>
+                              </a:solidFill>
+                              <a:effectLst/>
+                              <a:latin typeface="+mn-lt"/>
+                              <a:ea typeface="+mn-ea"/>
+                              <a:cs typeface="+mn-cs"/>
+                            </a:rPr>
+                            <a:t>p</a:t>
+                          </a:r>
+                          <a:r>
+                            <a:rPr lang="en-US" sz="1400" b="0" i="0" kern="1200" dirty="0">
+                              <a:solidFill>
+                                <a:schemeClr val="tx1"/>
+                              </a:solidFill>
+                              <a:effectLst/>
+                              <a:latin typeface="+mn-lt"/>
+                              <a:ea typeface="+mn-ea"/>
+                              <a:cs typeface="+mn-cs"/>
+                            </a:rPr>
+                            <a:t> − 1 </a:t>
+                          </a:r>
+                          <a:r>
+                            <a:rPr lang="en-US" sz="1400" b="0" i="0" u="none" strike="noStrike" kern="1200" dirty="0">
+                              <a:solidFill>
+                                <a:schemeClr val="tx1"/>
+                              </a:solidFill>
+                              <a:effectLst/>
+                              <a:latin typeface="+mn-lt"/>
+                              <a:ea typeface="+mn-ea"/>
+                              <a:cs typeface="+mn-cs"/>
+                              <a:hlinkClick r:id="rId2" tooltip="Degrees of freedom (statistics)"/>
+                            </a:rPr>
+                            <a:t>degrees of freedom</a:t>
+                          </a:r>
+                          <a:br>
+                            <a:rPr lang="en-US" sz="1400" dirty="0"/>
+                          </a:br>
+                          <a:r>
+                            <a:rPr lang="en-US" sz="1400" b="1" i="0" kern="1200" dirty="0">
+                              <a:solidFill>
+                                <a:schemeClr val="tx1"/>
+                              </a:solidFill>
+                              <a:effectLst/>
+                              <a:latin typeface="+mn-lt"/>
+                              <a:ea typeface="+mn-ea"/>
+                              <a:cs typeface="+mn-cs"/>
+                            </a:rPr>
+                            <a:t>V</a:t>
+                          </a:r>
+                          <a:r>
+                            <a:rPr lang="en-US" sz="1400" b="0" i="0" kern="1200" dirty="0">
+                              <a:solidFill>
+                                <a:schemeClr val="tx1"/>
+                              </a:solidFill>
+                              <a:effectLst/>
+                              <a:latin typeface="+mn-lt"/>
+                              <a:ea typeface="+mn-ea"/>
+                              <a:cs typeface="+mn-cs"/>
+                            </a:rPr>
+                            <a:t> &gt; 0 </a:t>
+                          </a:r>
+                          <a:r>
+                            <a:rPr lang="en-US" sz="1400" b="0" i="0" u="none" strike="noStrike" kern="1200" dirty="0">
+                              <a:solidFill>
+                                <a:schemeClr val="tx1"/>
+                              </a:solidFill>
+                              <a:effectLst/>
+                              <a:latin typeface="+mn-lt"/>
+                              <a:ea typeface="+mn-ea"/>
+                              <a:cs typeface="+mn-cs"/>
+                              <a:hlinkClick r:id="rId3" tooltip="Scale matrix"/>
+                            </a:rPr>
+                            <a:t>scale matrix</a:t>
+                          </a:r>
+                          <a:r>
+                            <a:rPr lang="en-US" sz="1400" b="0" i="0" kern="1200" dirty="0">
+                              <a:solidFill>
+                                <a:schemeClr val="tx1"/>
+                              </a:solidFill>
+                              <a:effectLst/>
+                              <a:latin typeface="+mn-lt"/>
+                              <a:ea typeface="+mn-ea"/>
+                              <a:cs typeface="+mn-cs"/>
+                            </a:rPr>
+                            <a:t> (</a:t>
+                          </a:r>
+                          <a:r>
+                            <a:rPr lang="en-US" sz="1400" b="0" i="1" kern="1200" dirty="0">
+                              <a:solidFill>
+                                <a:schemeClr val="tx1"/>
+                              </a:solidFill>
+                              <a:effectLst/>
+                              <a:latin typeface="+mn-lt"/>
+                              <a:ea typeface="+mn-ea"/>
+                              <a:cs typeface="+mn-cs"/>
+                            </a:rPr>
+                            <a:t>p</a:t>
+                          </a:r>
+                          <a:r>
+                            <a:rPr lang="en-US" sz="1400" b="0" i="0" kern="1200" dirty="0">
+                              <a:solidFill>
+                                <a:schemeClr val="tx1"/>
+                              </a:solidFill>
+                              <a:effectLst/>
+                              <a:latin typeface="+mn-lt"/>
+                              <a:ea typeface="+mn-ea"/>
+                              <a:cs typeface="+mn-cs"/>
+                            </a:rPr>
+                            <a:t> × </a:t>
+                          </a:r>
+                          <a:r>
+                            <a:rPr lang="en-US" sz="1400" b="0" i="1" kern="1200" dirty="0">
+                              <a:solidFill>
+                                <a:schemeClr val="tx1"/>
+                              </a:solidFill>
+                              <a:effectLst/>
+                              <a:latin typeface="+mn-lt"/>
+                              <a:ea typeface="+mn-ea"/>
+                              <a:cs typeface="+mn-cs"/>
+                            </a:rPr>
+                            <a:t>p</a:t>
+                          </a:r>
+                          <a:r>
+                            <a:rPr lang="en-US" sz="1400" b="0" i="0" kern="1200" dirty="0">
+                              <a:solidFill>
+                                <a:schemeClr val="tx1"/>
+                              </a:solidFill>
+                              <a:effectLst/>
+                              <a:latin typeface="+mn-lt"/>
+                              <a:ea typeface="+mn-ea"/>
+                              <a:cs typeface="+mn-cs"/>
+                            </a:rPr>
+                            <a:t> </a:t>
+                          </a:r>
+                          <a:r>
+                            <a:rPr lang="en-US" sz="1400" b="0" i="0" u="none" strike="noStrike" kern="1200" dirty="0">
+                              <a:solidFill>
+                                <a:schemeClr val="tx1"/>
+                              </a:solidFill>
+                              <a:effectLst/>
+                              <a:latin typeface="+mn-lt"/>
+                              <a:ea typeface="+mn-ea"/>
+                              <a:cs typeface="+mn-cs"/>
+                              <a:hlinkClick r:id="rId4" tooltip="Positive definite matrix"/>
+                            </a:rPr>
+                            <a:t>pos. def</a:t>
+                          </a:r>
+                          <a:r>
+                            <a:rPr lang="en-US" sz="1400" b="0" i="0" kern="1200" dirty="0">
+                              <a:solidFill>
+                                <a:schemeClr val="tx1"/>
+                              </a:solidFill>
+                              <a:effectLst/>
+                              <a:latin typeface="+mn-lt"/>
+                              <a:ea typeface="+mn-ea"/>
+                              <a:cs typeface="+mn-cs"/>
+                            </a:rPr>
+                            <a:t>)</a:t>
+                          </a:r>
+                          <a:endParaRPr lang="en-US" sz="1400" dirty="0"/>
                         </a:p>
                       </a:txBody>
                       <a:tcPr/>
@@ -7370,7 +9774,92 @@
                         <a:bodyPr/>
                         <a:lstStyle/>
                         <a:p>
-                          <a:endParaRPr lang="en-US" dirty="0"/>
+                          <a:r>
+                            <a:rPr lang="en-US" sz="1400" b="1" i="0" kern="1200" dirty="0">
+                              <a:solidFill>
+                                <a:schemeClr val="tx1"/>
+                              </a:solidFill>
+                              <a:effectLst/>
+                              <a:latin typeface="+mn-lt"/>
+                              <a:ea typeface="+mn-ea"/>
+                              <a:cs typeface="+mn-cs"/>
+                            </a:rPr>
+                            <a:t>X</a:t>
+                          </a:r>
+                          <a:r>
+                            <a:rPr lang="en-US" sz="1400" b="0" i="0" kern="1200" dirty="0">
+                              <a:solidFill>
+                                <a:schemeClr val="tx1"/>
+                              </a:solidFill>
+                              <a:effectLst/>
+                              <a:latin typeface="+mn-lt"/>
+                              <a:ea typeface="+mn-ea"/>
+                              <a:cs typeface="+mn-cs"/>
+                            </a:rPr>
+                            <a:t>(</a:t>
+                          </a:r>
+                          <a:r>
+                            <a:rPr lang="en-US" sz="1400" b="0" i="1" kern="1200" dirty="0">
+                              <a:solidFill>
+                                <a:schemeClr val="tx1"/>
+                              </a:solidFill>
+                              <a:effectLst/>
+                              <a:latin typeface="+mn-lt"/>
+                              <a:ea typeface="+mn-ea"/>
+                              <a:cs typeface="+mn-cs"/>
+                            </a:rPr>
+                            <a:t>p</a:t>
+                          </a:r>
+                          <a:r>
+                            <a:rPr lang="en-US" sz="1400" b="0" i="0" kern="1200" dirty="0">
+                              <a:solidFill>
+                                <a:schemeClr val="tx1"/>
+                              </a:solidFill>
+                              <a:effectLst/>
+                              <a:latin typeface="+mn-lt"/>
+                              <a:ea typeface="+mn-ea"/>
+                              <a:cs typeface="+mn-cs"/>
+                            </a:rPr>
+                            <a:t> × </a:t>
+                          </a:r>
+                          <a:r>
+                            <a:rPr lang="en-US" sz="1400" b="0" i="1" kern="1200" dirty="0">
+                              <a:solidFill>
+                                <a:schemeClr val="tx1"/>
+                              </a:solidFill>
+                              <a:effectLst/>
+                              <a:latin typeface="+mn-lt"/>
+                              <a:ea typeface="+mn-ea"/>
+                              <a:cs typeface="+mn-cs"/>
+                            </a:rPr>
+                            <a:t>p</a:t>
+                          </a:r>
+                          <a:r>
+                            <a:rPr lang="en-US" sz="1400" b="0" i="0" kern="1200" dirty="0">
+                              <a:solidFill>
+                                <a:schemeClr val="tx1"/>
+                              </a:solidFill>
+                              <a:effectLst/>
+                              <a:latin typeface="+mn-lt"/>
+                              <a:ea typeface="+mn-ea"/>
+                              <a:cs typeface="+mn-cs"/>
+                            </a:rPr>
+                            <a:t>) </a:t>
+                          </a:r>
+                          <a:r>
+                            <a:rPr lang="en-US" sz="1400" b="0" i="0" u="none" strike="noStrike" kern="1200" dirty="0">
+                              <a:solidFill>
+                                <a:schemeClr val="tx1"/>
+                              </a:solidFill>
+                              <a:effectLst/>
+                              <a:latin typeface="+mn-lt"/>
+                              <a:ea typeface="+mn-ea"/>
+                              <a:cs typeface="+mn-cs"/>
+                              <a:hlinkClick r:id="rId4" tooltip="Positive definite matrix"/>
+                            </a:rPr>
+                            <a:t>positive definite matrix</a:t>
+                          </a:r>
+                          <a:endParaRPr lang="en-US" sz="1400" dirty="0"/>
                         </a:p>
                       </a:txBody>
                       <a:tcPr/>
@@ -7443,7 +9932,28 @@
                             <a:tabLst/>
                             <a:defRPr/>
                           </a:pPr>
-                          <a:endParaRPr lang="en-US" dirty="0"/>
+                          <a14:m>
+                            <m:oMathPara xmlns:m="http://schemas.openxmlformats.org/officeDocument/2006/math">
+                              <m:oMathParaPr>
+                                <m:jc m:val="centerGroup"/>
+                              </m:oMathParaPr>
+                              <m:oMath xmlns:m="http://schemas.openxmlformats.org/officeDocument/2006/math">
+                                <m:r>
+                                  <a:rPr lang="en-US" b="0" i="1" smtClean="0">
+                                    <a:latin typeface="Cambria Math" panose="02040503050406030204" pitchFamily="18" charset="0"/>
+                                  </a:rPr>
+                                  <m:t>𝑛</m:t>
+                                </m:r>
+                                <m:r>
+                                  <a:rPr lang="en-US" b="1" i="1" smtClean="0">
+                                    <a:latin typeface="Cambria Math" panose="02040503050406030204" pitchFamily="18" charset="0"/>
+                                  </a:rPr>
+                                  <m:t>𝑽</m:t>
+                                </m:r>
+                              </m:oMath>
+                            </m:oMathPara>
+                          </a14:m>
+                          <a:endParaRPr lang="en-US" b="1" dirty="0"/>
                         </a:p>
                       </a:txBody>
                       <a:tcPr/>
@@ -7459,7 +9969,7 @@
             </a:graphic>
           </p:graphicFrame>
         </mc:Choice>
-        <mc:Fallback xmlns="">
+        <mc:Fallback>
           <p:graphicFrame>
             <p:nvGraphicFramePr>
               <p:cNvPr id="15" name="Table 15">
@@ -7475,14 +9985,14 @@
               <p:nvPr>
                 <p:extLst>
                   <p:ext uri="{D42A27DB-BD31-4B8C-83A1-F6EECF244321}">
-                    <p14:modId xmlns:p14="http://schemas.microsoft.com/office/powerpoint/2010/main" val="1367190095"/>
+                    <p14:modId xmlns:p14="http://schemas.microsoft.com/office/powerpoint/2010/main" val="565736319"/>
                   </p:ext>
                 </p:extLst>
               </p:nvPr>
             </p:nvGraphicFramePr>
             <p:xfrm>
               <a:off x="907624" y="2251102"/>
-              <a:ext cx="4106635" cy="1587363"/>
+              <a:ext cx="4106635" cy="2227900"/>
             </p:xfrm>
             <a:graphic>
               <a:graphicData uri="http://schemas.openxmlformats.org/drawingml/2006/table">
@@ -7506,7 +10016,7 @@
                       </a:extLst>
                     </a:gridCol>
                   </a:tblGrid>
-                  <a:tr h="370840">
+                  <a:tr h="864057">
                     <a:tc>
                       <a:txBody>
                         <a:bodyPr/>
@@ -7518,7 +10028,7 @@
                                 <a:schemeClr val="tx1"/>
                               </a:solidFill>
                             </a:rPr>
-                            <a:t>PMF</a:t>
+                            <a:t>PDF</a:t>
                           </a:r>
                         </a:p>
                       </a:txBody>
@@ -7540,7 +10050,7 @@
                       </a:ext>
                     </a:extLst>
                   </a:tr>
-                  <a:tr h="370840">
+                  <a:tr h="518160">
                     <a:tc>
                       <a:txBody>
                         <a:bodyPr/>
@@ -7559,7 +10069,193 @@
                         <a:bodyPr/>
                         <a:lstStyle/>
                         <a:p>
-                          <a:endParaRPr lang="en-US" dirty="0"/>
+                          <a:r>
+                            <a:rPr lang="en-US" sz="1400" b="0" i="1" kern="1200" dirty="0">
+                              <a:solidFill>
+                                <a:schemeClr val="tx1"/>
+                              </a:solidFill>
+                              <a:effectLst/>
+                              <a:latin typeface="+mn-lt"/>
+                              <a:ea typeface="+mn-ea"/>
+                              <a:cs typeface="+mn-cs"/>
+                            </a:rPr>
+                            <a:t>n</a:t>
+                          </a:r>
+                          <a:r>
+                            <a:rPr lang="en-US" sz="1400" b="0" i="0" kern="1200" dirty="0">
+                              <a:solidFill>
+                                <a:schemeClr val="tx1"/>
+                              </a:solidFill>
+                              <a:effectLst/>
+                              <a:latin typeface="+mn-lt"/>
+                              <a:ea typeface="+mn-ea"/>
+                              <a:cs typeface="+mn-cs"/>
+                            </a:rPr>
+                            <a:t> &gt; </a:t>
+                          </a:r>
+                          <a:r>
+                            <a:rPr lang="en-US" sz="1400" b="0" i="1" kern="1200" dirty="0">
+                              <a:solidFill>
+                                <a:schemeClr val="tx1"/>
+                              </a:solidFill>
+                              <a:effectLst/>
+                              <a:latin typeface="+mn-lt"/>
+                              <a:ea typeface="+mn-ea"/>
+                              <a:cs typeface="+mn-cs"/>
+                            </a:rPr>
+                            <a:t>p</a:t>
+                          </a:r>
+                          <a:r>
+                            <a:rPr lang="en-US" sz="1400" b="0" i="0" kern="1200" dirty="0">
+                              <a:solidFill>
+                                <a:schemeClr val="tx1"/>
+                              </a:solidFill>
+                              <a:effectLst/>
+                              <a:latin typeface="+mn-lt"/>
+                              <a:ea typeface="+mn-ea"/>
+                              <a:cs typeface="+mn-cs"/>
+                            </a:rPr>
+                            <a:t> − 1 </a:t>
+                          </a:r>
+                          <a:r>
+                            <a:rPr lang="en-US" sz="1400" b="0" i="0" u="none" strike="noStrike" kern="1200" dirty="0">
+                              <a:solidFill>
+                                <a:schemeClr val="tx1"/>
+                              </a:solidFill>
+                              <a:effectLst/>
+                              <a:latin typeface="+mn-lt"/>
+                              <a:ea typeface="+mn-ea"/>
+                              <a:cs typeface="+mn-cs"/>
+                              <a:hlinkClick r:id="rId2" tooltip="Degrees of freedom (statistics)"/>
+                            </a:rPr>
+                            <a:t>degrees of freedom</a:t>
+                          </a:r>
+                          <a:br>
+                            <a:rPr lang="en-US" sz="1400" dirty="0"/>
+                          </a:br>
+                          <a:r>
+                            <a:rPr lang="en-US" sz="1400" b="1" i="0" kern="1200" dirty="0">
+                              <a:solidFill>
+                                <a:schemeClr val="tx1"/>
+                              </a:solidFill>
+                              <a:effectLst/>
+                              <a:latin typeface="+mn-lt"/>
+                              <a:ea typeface="+mn-ea"/>
+                              <a:cs typeface="+mn-cs"/>
+                            </a:rPr>
+                            <a:t>V</a:t>
+                          </a:r>
+                          <a:r>
+                            <a:rPr lang="en-US" sz="1400" b="0" i="0" kern="1200" dirty="0">
+                              <a:solidFill>
+                                <a:schemeClr val="tx1"/>
+                              </a:solidFill>
+                              <a:effectLst/>
+                              <a:latin typeface="+mn-lt"/>
+                              <a:ea typeface="+mn-ea"/>
+                              <a:cs typeface="+mn-cs"/>
+                            </a:rPr>
+                            <a:t> &gt; 0 </a:t>
+                          </a:r>
+                          <a:r>
+                            <a:rPr lang="en-US" sz="1400" b="0" i="0" u="none" strike="noStrike" kern="1200" dirty="0">
+                              <a:solidFill>
+                                <a:schemeClr val="tx1"/>
+                              </a:solidFill>
+                              <a:effectLst/>
+                              <a:latin typeface="+mn-lt"/>
+                              <a:ea typeface="+mn-ea"/>
+                              <a:cs typeface="+mn-cs"/>
+                              <a:hlinkClick r:id="rId3" tooltip="Scale matrix"/>
+                            </a:rPr>
+                            <a:t>scale matrix</a:t>
+                          </a:r>
+                          <a:r>
+                            <a:rPr lang="en-US" sz="1400" b="0" i="0" kern="1200" dirty="0">
+                              <a:solidFill>
+                                <a:schemeClr val="tx1"/>
+                              </a:solidFill>
+                              <a:effectLst/>
+                              <a:latin typeface="+mn-lt"/>
+                              <a:ea typeface="+mn-ea"/>
+                              <a:cs typeface="+mn-cs"/>
+                            </a:rPr>
+                            <a:t> (</a:t>
+                          </a:r>
+                          <a:r>
+                            <a:rPr lang="en-US" sz="1400" b="0" i="1" kern="1200" dirty="0">
+                              <a:solidFill>
+                                <a:schemeClr val="tx1"/>
+                              </a:solidFill>
+                              <a:effectLst/>
+                              <a:latin typeface="+mn-lt"/>
+                              <a:ea typeface="+mn-ea"/>
+                              <a:cs typeface="+mn-cs"/>
+                            </a:rPr>
+                            <a:t>p</a:t>
+                          </a:r>
+                          <a:r>
+                            <a:rPr lang="en-US" sz="1400" b="0" i="0" kern="1200" dirty="0">
+                              <a:solidFill>
+                                <a:schemeClr val="tx1"/>
+                              </a:solidFill>
+                              <a:effectLst/>
+                              <a:latin typeface="+mn-lt"/>
+                              <a:ea typeface="+mn-ea"/>
+                              <a:cs typeface="+mn-cs"/>
+                            </a:rPr>
+                            <a:t> × </a:t>
+                          </a:r>
+                          <a:r>
+                            <a:rPr lang="en-US" sz="1400" b="0" i="1" kern="1200" dirty="0">
+                              <a:solidFill>
+                                <a:schemeClr val="tx1"/>
+                              </a:solidFill>
+                              <a:effectLst/>
+                              <a:latin typeface="+mn-lt"/>
+                              <a:ea typeface="+mn-ea"/>
+                              <a:cs typeface="+mn-cs"/>
+                            </a:rPr>
+                            <a:t>p</a:t>
+                          </a:r>
+                          <a:r>
+                            <a:rPr lang="en-US" sz="1400" b="0" i="0" kern="1200" dirty="0">
+                              <a:solidFill>
+                                <a:schemeClr val="tx1"/>
+                              </a:solidFill>
+                              <a:effectLst/>
+                              <a:latin typeface="+mn-lt"/>
+                              <a:ea typeface="+mn-ea"/>
+                              <a:cs typeface="+mn-cs"/>
+                            </a:rPr>
+                            <a:t> </a:t>
+                          </a:r>
+                          <a:r>
+                            <a:rPr lang="en-US" sz="1400" b="0" i="0" u="none" strike="noStrike" kern="1200" dirty="0">
+                              <a:solidFill>
+                                <a:schemeClr val="tx1"/>
+                              </a:solidFill>
+                              <a:effectLst/>
+                              <a:latin typeface="+mn-lt"/>
+                              <a:ea typeface="+mn-ea"/>
+                              <a:cs typeface="+mn-cs"/>
+                              <a:hlinkClick r:id="rId4" tooltip="Positive definite matrix"/>
+                            </a:rPr>
+                            <a:t>pos. def</a:t>
+                          </a:r>
+                          <a:r>
+                            <a:rPr lang="en-US" sz="1400" b="0" i="0" kern="1200" dirty="0">
+                              <a:solidFill>
+                                <a:schemeClr val="tx1"/>
+                              </a:solidFill>
+                              <a:effectLst/>
+                              <a:latin typeface="+mn-lt"/>
+                              <a:ea typeface="+mn-ea"/>
+                              <a:cs typeface="+mn-cs"/>
+                            </a:rPr>
+                            <a:t>)</a:t>
+                          </a:r>
+                          <a:endParaRPr lang="en-US" sz="1400" dirty="0"/>
                         </a:p>
                       </a:txBody>
                       <a:tcPr/>
@@ -7589,7 +10285,92 @@
                         <a:bodyPr/>
                         <a:lstStyle/>
                         <a:p>
-                          <a:endParaRPr lang="en-US" dirty="0"/>
+                          <a:r>
+                            <a:rPr lang="en-US" sz="1400" b="1" i="0" kern="1200" dirty="0">
+                              <a:solidFill>
+                                <a:schemeClr val="tx1"/>
+                              </a:solidFill>
+                              <a:effectLst/>
+                              <a:latin typeface="+mn-lt"/>
+                              <a:ea typeface="+mn-ea"/>
+                              <a:cs typeface="+mn-cs"/>
+                            </a:rPr>
+                            <a:t>X</a:t>
+                          </a:r>
+                          <a:r>
+                            <a:rPr lang="en-US" sz="1400" b="0" i="0" kern="1200" dirty="0">
+                              <a:solidFill>
+                                <a:schemeClr val="tx1"/>
+                              </a:solidFill>
+                              <a:effectLst/>
+                              <a:latin typeface="+mn-lt"/>
+                              <a:ea typeface="+mn-ea"/>
+                              <a:cs typeface="+mn-cs"/>
+                            </a:rPr>
+                            <a:t>(</a:t>
+                          </a:r>
+                          <a:r>
+                            <a:rPr lang="en-US" sz="1400" b="0" i="1" kern="1200" dirty="0">
+                              <a:solidFill>
+                                <a:schemeClr val="tx1"/>
+                              </a:solidFill>
+                              <a:effectLst/>
+                              <a:latin typeface="+mn-lt"/>
+                              <a:ea typeface="+mn-ea"/>
+                              <a:cs typeface="+mn-cs"/>
+                            </a:rPr>
+                            <a:t>p</a:t>
+                          </a:r>
+                          <a:r>
+                            <a:rPr lang="en-US" sz="1400" b="0" i="0" kern="1200" dirty="0">
+                              <a:solidFill>
+                                <a:schemeClr val="tx1"/>
+                              </a:solidFill>
+                              <a:effectLst/>
+                              <a:latin typeface="+mn-lt"/>
+                              <a:ea typeface="+mn-ea"/>
+                              <a:cs typeface="+mn-cs"/>
+                            </a:rPr>
+                            <a:t> × </a:t>
+                          </a:r>
+                          <a:r>
+                            <a:rPr lang="en-US" sz="1400" b="0" i="1" kern="1200" dirty="0">
+                              <a:solidFill>
+                                <a:schemeClr val="tx1"/>
+                              </a:solidFill>
+                              <a:effectLst/>
+                              <a:latin typeface="+mn-lt"/>
+                              <a:ea typeface="+mn-ea"/>
+                              <a:cs typeface="+mn-cs"/>
+                            </a:rPr>
+                            <a:t>p</a:t>
+                          </a:r>
+                          <a:r>
+                            <a:rPr lang="en-US" sz="1400" b="0" i="0" kern="1200" dirty="0">
+                              <a:solidFill>
+                                <a:schemeClr val="tx1"/>
+                              </a:solidFill>
+                              <a:effectLst/>
+                              <a:latin typeface="+mn-lt"/>
+                              <a:ea typeface="+mn-ea"/>
+                              <a:cs typeface="+mn-cs"/>
+                            </a:rPr>
+                            <a:t>) </a:t>
+                          </a:r>
+                          <a:r>
+                            <a:rPr lang="en-US" sz="1400" b="0" i="0" u="none" strike="noStrike" kern="1200" dirty="0">
+                              <a:solidFill>
+                                <a:schemeClr val="tx1"/>
+                              </a:solidFill>
+                              <a:effectLst/>
+                              <a:latin typeface="+mn-lt"/>
+                              <a:ea typeface="+mn-ea"/>
+                              <a:cs typeface="+mn-cs"/>
+                              <a:hlinkClick r:id="rId4" tooltip="Positive definite matrix"/>
+                            </a:rPr>
+                            <a:t>positive definite matrix</a:t>
+                          </a:r>
+                          <a:endParaRPr lang="en-US" sz="1400" dirty="0"/>
                         </a:p>
                       </a:txBody>
                       <a:tcPr/>
@@ -7611,9 +10392,9 @@
                       </a:txBody>
                       <a:tcPr>
                         <a:blipFill>
-                          <a:blip r:embed="rId2"/>
+                          <a:blip r:embed="rId5"/>
                           <a:stretch>
-                            <a:fillRect l="-398" t="-241026" r="-170120" b="-2564"/>
+                            <a:fillRect l="-398" t="-375641" r="-170120" b="-2564"/>
                           </a:stretch>
                         </a:blipFill>
                       </a:tcPr>
@@ -7623,27 +10404,17 @@
                         <a:bodyPr/>
                         <a:lstStyle/>
                         <a:p>
-                          <a:pPr marL="0" marR="0" lvl="0" indent="0" algn="l" defTabSz="914400" rtl="0" eaLnBrk="1" fontAlgn="auto" latinLnBrk="0" hangingPunct="1">
-                            <a:lnSpc>
-                              <a:spcPct val="100000"/>
-                            </a:lnSpc>
-                            <a:spcBef>
-                              <a:spcPts val="0"/>
-                            </a:spcBef>
-                            <a:spcAft>
-                              <a:spcPts val="0"/>
-                            </a:spcAft>
-                            <a:buClrTx/>
-                            <a:buSzTx/>
-                            <a:buFontTx/>
-                            <a:buNone/>
-                            <a:tabLst/>
-                            <a:defRPr/>
-                          </a:pPr>
-                          <a:endParaRPr lang="en-US" dirty="0"/>
-                        </a:p>
-                      </a:txBody>
-                      <a:tcPr/>
+                          <a:endParaRPr lang="en-US"/>
+                        </a:p>
+                      </a:txBody>
+                      <a:tcPr>
+                        <a:blipFill>
+                          <a:blip r:embed="rId5"/>
+                          <a:stretch>
+                            <a:fillRect l="-59434" t="-375641" r="-708" b="-2564"/>
+                          </a:stretch>
+                        </a:blipFill>
+                      </a:tcPr>
                     </a:tc>
                     <a:extLst>
                       <a:ext uri="{0D108BD9-81ED-4DB2-BD59-A6C34878D82A}">
@@ -7727,8 +10498,8 @@
         </p:nvSpPr>
         <p:spPr>
           <a:xfrm>
-            <a:off x="908424" y="4446494"/>
-            <a:ext cx="4147670" cy="923330"/>
+            <a:off x="908423" y="4585976"/>
+            <a:ext cx="4708241" cy="1446550"/>
           </a:xfrm>
           <a:prstGeom prst="rect">
             <a:avLst/>
@@ -7748,7 +10519,7 @@
           <a:p>
             <a:r>
               <a:rPr lang="en-US" b="1" dirty="0"/>
-              <a:t>Typical Uses:</a:t>
+              <a:t>Typical Uses: </a:t>
             </a:r>
           </a:p>
           <a:p>
@@ -7756,13 +10527,80 @@
               <a:buFontTx/>
               <a:buChar char="-"/>
             </a:pPr>
-            <a:endParaRPr lang="en-US" dirty="0"/>
+            <a:r>
+              <a:rPr lang="en-US" sz="1400" dirty="0"/>
+              <a:t>generalized Gamma distribution to multiple dimensions.</a:t>
+            </a:r>
           </a:p>
           <a:p>
             <a:pPr marL="285750" indent="-285750">
               <a:buFontTx/>
               <a:buChar char="-"/>
             </a:pPr>
+            <a:r>
+              <a:rPr lang="en-US" sz="1400" dirty="0"/>
+              <a:t>Estimation of covariance matrices in multivariate statistics.</a:t>
+            </a:r>
+          </a:p>
+          <a:p>
+            <a:pPr marL="285750" indent="-285750">
+              <a:buFontTx/>
+              <a:buChar char="-"/>
+            </a:pPr>
+            <a:r>
+              <a:rPr lang="en-US" sz="1400" dirty="0"/>
+              <a:t>In </a:t>
+            </a:r>
+            <a:r>
+              <a:rPr lang="en-US" sz="1400" dirty="0">
+                <a:hlinkClick r:id="rId6" tooltip="Bayesian inference"/>
+              </a:rPr>
+              <a:t>Bayesian statistics</a:t>
+            </a:r>
+            <a:r>
+              <a:rPr lang="en-US" sz="1400" dirty="0"/>
+              <a:t>, the Wishart distribution is the </a:t>
+            </a:r>
+            <a:r>
+              <a:rPr lang="en-US" sz="1400" dirty="0">
+                <a:hlinkClick r:id="rId7" tooltip="Conjugate prior"/>
+              </a:rPr>
+              <a:t>conjugate prior</a:t>
+            </a:r>
+            <a:r>
+              <a:rPr lang="en-US" sz="1400" dirty="0"/>
+              <a:t> of the </a:t>
+            </a:r>
+            <a:r>
+              <a:rPr lang="en-US" sz="1400" dirty="0">
+                <a:hlinkClick r:id="rId8" tooltip="Matrix inverse"/>
+              </a:rPr>
+              <a:t>inverse</a:t>
+            </a:r>
+            <a:r>
+              <a:rPr lang="en-US" sz="1400" dirty="0"/>
+              <a:t> </a:t>
+            </a:r>
+            <a:r>
+              <a:rPr lang="en-US" sz="1400" dirty="0">
+                <a:hlinkClick r:id="rId9" tooltip="Covariance matrix"/>
+              </a:rPr>
+              <a:t>covariance-matrix</a:t>
+            </a:r>
+            <a:r>
+              <a:rPr lang="en-US" sz="1400" dirty="0"/>
+              <a:t> of a </a:t>
+            </a:r>
+            <a:r>
+              <a:rPr lang="en-US" sz="1400" dirty="0">
+                <a:hlinkClick r:id="rId10"/>
+              </a:rPr>
+              <a:t>multivariate-normal random-vector</a:t>
+            </a:r>
+            <a:r>
+              <a:rPr lang="en-US" sz="1400" dirty="0"/>
+              <a:t>. (Wikipedia)</a:t>
+            </a:r>
             <a:endParaRPr lang="en-US" dirty="0"/>
           </a:p>
         </p:txBody>
@@ -7782,7 +10620,7 @@
         <p:spPr>
           <a:xfrm>
             <a:off x="0" y="6317674"/>
-            <a:ext cx="12156141" cy="523220"/>
+            <a:ext cx="12156141" cy="400110"/>
           </a:xfrm>
           <a:prstGeom prst="rect">
             <a:avLst/>
@@ -7799,11 +10637,14 @@
               <a:rPr lang="en-US" sz="1000" b="1" dirty="0"/>
               <a:t>Resources:</a:t>
             </a:r>
-            <a:endParaRPr lang="en-US" sz="1000" b="1" dirty="0">
-              <a:hlinkClick r:id="rId3"/>
-            </a:endParaRPr>
-          </a:p>
-          <a:p>
+          </a:p>
+          <a:p>
+            <a:r>
+              <a:rPr lang="en-US" sz="1000" dirty="0">
+                <a:hlinkClick r:id="rId11"/>
+              </a:rPr>
+              <a:t>Wishart distribution - Wikipedia</a:t>
+            </a:r>
             <a:endParaRPr lang="en-US" dirty="0"/>
           </a:p>
         </p:txBody>
@@ -7844,6 +10685,66 @@
           </a:p>
         </p:txBody>
       </p:sp>
+      <p:pic>
+        <p:nvPicPr>
+          <p:cNvPr id="9" name="Picture 8">
+            <a:extLst>
+              <a:ext uri="{FF2B5EF4-FFF2-40B4-BE49-F238E27FC236}">
+                <a16:creationId xmlns:a16="http://schemas.microsoft.com/office/drawing/2014/main" id="{071DF31E-70FB-4A98-A5CD-D4A62C8EDD5C}"/>
+              </a:ext>
+            </a:extLst>
+          </p:cNvPr>
+          <p:cNvPicPr>
+            <a:picLocks noChangeAspect="1"/>
+          </p:cNvPicPr>
+          <p:nvPr/>
+        </p:nvPicPr>
+        <p:blipFill>
+          <a:blip r:embed="rId12"/>
+          <a:stretch>
+            <a:fillRect/>
+          </a:stretch>
+        </p:blipFill>
+        <p:spPr>
+          <a:xfrm>
+            <a:off x="6571039" y="1527309"/>
+            <a:ext cx="4494751" cy="4256303"/>
+          </a:xfrm>
+          <a:prstGeom prst="rect">
+            <a:avLst/>
+          </a:prstGeom>
+        </p:spPr>
+      </p:pic>
+      <p:pic>
+        <p:nvPicPr>
+          <p:cNvPr id="10" name="Picture 9">
+            <a:extLst>
+              <a:ext uri="{FF2B5EF4-FFF2-40B4-BE49-F238E27FC236}">
+                <a16:creationId xmlns:a16="http://schemas.microsoft.com/office/drawing/2014/main" id="{5187699C-712B-4EB6-A497-84C008F3559A}"/>
+              </a:ext>
+            </a:extLst>
+          </p:cNvPr>
+          <p:cNvPicPr>
+            <a:picLocks noChangeAspect="1"/>
+          </p:cNvPicPr>
+          <p:nvPr/>
+        </p:nvPicPr>
+        <p:blipFill>
+          <a:blip r:embed="rId13"/>
+          <a:stretch>
+            <a:fillRect/>
+          </a:stretch>
+        </p:blipFill>
+        <p:spPr>
+          <a:xfrm>
+            <a:off x="2482393" y="2293364"/>
+            <a:ext cx="1694400" cy="789173"/>
+          </a:xfrm>
+          <a:prstGeom prst="rect">
+            <a:avLst/>
+          </a:prstGeom>
+        </p:spPr>
+      </p:pic>
     </p:spTree>
     <p:extLst>
       <p:ext uri="{BB962C8B-B14F-4D97-AF65-F5344CB8AC3E}">
@@ -9629,7 +12530,7 @@
         <p:spPr>
           <a:xfrm>
             <a:off x="895276" y="1406563"/>
-            <a:ext cx="4107030" cy="369332"/>
+            <a:ext cx="4802484" cy="369332"/>
           </a:xfrm>
           <a:prstGeom prst="rect">
             <a:avLst/>
@@ -9658,8 +12559,8 @@
           </a:p>
         </p:txBody>
       </p:sp>
-      <mc:AlternateContent xmlns:mc="http://schemas.openxmlformats.org/markup-compatibility/2006">
-        <mc:Choice xmlns:a14="http://schemas.microsoft.com/office/drawing/2010/main" Requires="a14">
+      <mc:AlternateContent xmlns:mc="http://schemas.openxmlformats.org/markup-compatibility/2006" xmlns:a14="http://schemas.microsoft.com/office/drawing/2010/main">
+        <mc:Choice Requires="a14">
           <p:graphicFrame>
             <p:nvGraphicFramePr>
               <p:cNvPr id="15" name="Table 15">
@@ -9973,7 +12874,7 @@
             </a:graphic>
           </p:graphicFrame>
         </mc:Choice>
-        <mc:Fallback>
+        <mc:Fallback xmlns="">
           <p:graphicFrame>
             <p:nvGraphicFramePr>
               <p:cNvPr id="15" name="Table 15">
@@ -10582,8 +13483,8 @@
         </p:nvSpPr>
         <p:spPr>
           <a:xfrm>
-            <a:off x="895276" y="1406563"/>
-            <a:ext cx="4107030" cy="369332"/>
+            <a:off x="895275" y="1406563"/>
+            <a:ext cx="4981417" cy="369332"/>
           </a:xfrm>
           <a:prstGeom prst="rect">
             <a:avLst/>
@@ -10612,8 +13513,8 @@
           </a:p>
         </p:txBody>
       </p:sp>
-      <mc:AlternateContent xmlns:mc="http://schemas.openxmlformats.org/markup-compatibility/2006">
-        <mc:Choice xmlns:a14="http://schemas.microsoft.com/office/drawing/2010/main" Requires="a14">
+      <mc:AlternateContent xmlns:mc="http://schemas.openxmlformats.org/markup-compatibility/2006" xmlns:a14="http://schemas.microsoft.com/office/drawing/2010/main">
+        <mc:Choice Requires="a14">
           <p:graphicFrame>
             <p:nvGraphicFramePr>
               <p:cNvPr id="15" name="Table 15">
@@ -10943,7 +13844,7 @@
             </a:graphic>
           </p:graphicFrame>
         </mc:Choice>
-        <mc:Fallback>
+        <mc:Fallback xmlns="">
           <p:graphicFrame>
             <p:nvGraphicFramePr>
               <p:cNvPr id="15" name="Table 15">
@@ -11521,7 +14422,7 @@
         <p:spPr>
           <a:xfrm>
             <a:off x="895276" y="1406563"/>
-            <a:ext cx="4107030" cy="369332"/>
+            <a:ext cx="4107030" cy="646331"/>
           </a:xfrm>
           <a:prstGeom prst="rect">
             <a:avLst/>
@@ -11541,9 +14442,12 @@
           <a:p>
             <a:r>
               <a:rPr lang="en-US" b="1" dirty="0"/>
-              <a:t>Support Type:</a:t>
-            </a:r>
-            <a:endParaRPr lang="en-US" dirty="0"/>
+              <a:t>Support Type: </a:t>
+            </a:r>
+            <a:r>
+              <a:rPr lang="en-US" dirty="0"/>
+              <a:t>single variable, discrete or continuous</a:t>
+            </a:r>
           </a:p>
         </p:txBody>
       </p:sp>
@@ -11564,14 +14468,14 @@
               <p:nvPr>
                 <p:extLst>
                   <p:ext uri="{D42A27DB-BD31-4B8C-83A1-F6EECF244321}">
-                    <p14:modId xmlns:p14="http://schemas.microsoft.com/office/powerpoint/2010/main" val="245420805"/>
+                    <p14:modId xmlns:p14="http://schemas.microsoft.com/office/powerpoint/2010/main" val="3823697623"/>
                   </p:ext>
                 </p:extLst>
               </p:nvPr>
             </p:nvGraphicFramePr>
             <p:xfrm>
               <a:off x="907624" y="2251102"/>
-              <a:ext cx="4106635" cy="1673723"/>
+              <a:ext cx="4106635" cy="3031624"/>
             </p:xfrm>
             <a:graphic>
               <a:graphicData uri="http://schemas.openxmlformats.org/drawingml/2006/table">
@@ -11595,7 +14499,7 @@
                       </a:extLst>
                     </a:gridCol>
                   </a:tblGrid>
-                  <a:tr h="370840">
+                  <a:tr h="374403">
                     <a:tc>
                       <a:txBody>
                         <a:bodyPr/>
@@ -11607,7 +14511,7 @@
                                 <a:schemeClr val="tx1"/>
                               </a:solidFill>
                             </a:rPr>
-                            <a:t>PMF</a:t>
+                            <a:t>PMF/PDF</a:t>
                           </a:r>
                         </a:p>
                       </a:txBody>
@@ -11618,7 +14522,10 @@
                         <a:bodyPr/>
                         <a:lstStyle/>
                         <a:p>
-                          <a:endParaRPr lang="en-US" b="0" dirty="0"/>
+                          <a:r>
+                            <a:rPr lang="en-US" sz="2400" b="0" baseline="-25000" dirty="0"/>
+                            <a:t>1/n</a:t>
+                          </a:r>
                         </a:p>
                       </a:txBody>
                       <a:tcPr/>
@@ -11648,12 +14555,174 @@
                         <a:bodyPr/>
                         <a:lstStyle/>
                         <a:p>
+                          <a:r>
+                            <a:rPr lang="en-US" sz="1400" b="1" i="0" kern="1200" dirty="0">
+                              <a:solidFill>
+                                <a:schemeClr val="tx1"/>
+                              </a:solidFill>
+                              <a:effectLst/>
+                              <a:latin typeface="+mn-lt"/>
+                              <a:ea typeface="+mn-ea"/>
+                              <a:cs typeface="+mn-cs"/>
+                            </a:rPr>
+                            <a:t>Discrete</a:t>
+                          </a:r>
+                          <a:r>
+                            <a:rPr lang="en-US" sz="1400" b="0" i="0" kern="1200" dirty="0">
+                              <a:solidFill>
+                                <a:schemeClr val="tx1"/>
+                              </a:solidFill>
+                              <a:effectLst/>
+                              <a:latin typeface="+mn-lt"/>
+                              <a:ea typeface="+mn-ea"/>
+                              <a:cs typeface="+mn-cs"/>
+                            </a:rPr>
+                            <a:t>: integers with b &gt;= a, </a:t>
+                          </a:r>
                           <a:br>
-                            <a:rPr lang="en-US" b="0" baseline="-25000" dirty="0">
+                            <a:rPr lang="en-US" sz="1400" b="0" i="0" kern="1200" dirty="0">
+                              <a:solidFill>
+                                <a:schemeClr val="tx1"/>
+                              </a:solidFill>
+                              <a:effectLst/>
+                              <a:latin typeface="+mn-lt"/>
+                              <a:ea typeface="+mn-ea"/>
+                              <a:cs typeface="+mn-cs"/>
+                            </a:rPr>
+                          </a:br>
+                          <a:r>
+                            <a:rPr lang="en-US" sz="1400" b="0" i="0" kern="1200" dirty="0">
+                              <a:solidFill>
+                                <a:schemeClr val="tx1"/>
+                              </a:solidFill>
+                              <a:effectLst/>
+                              <a:latin typeface="+mn-lt"/>
+                              <a:ea typeface="+mn-ea"/>
+                              <a:cs typeface="+mn-cs"/>
+                            </a:rPr>
+                            <a:t>n = b – a + 1</a:t>
+                          </a:r>
+                        </a:p>
+                        <a:p>
+                          <a:endParaRPr lang="en-US" sz="1400" b="0" i="0" kern="1200" baseline="-25000" dirty="0">
+                            <a:solidFill>
+                              <a:schemeClr val="tx1"/>
+                            </a:solidFill>
+                            <a:effectLst/>
+                            <a:latin typeface="+mn-lt"/>
+                            <a:ea typeface="+mn-ea"/>
+                            <a:cs typeface="+mn-cs"/>
+                          </a:endParaRPr>
+                        </a:p>
+                        <a:p>
+                          <a:r>
+                            <a:rPr lang="en-US" sz="1400" b="1" i="0" kern="1200" dirty="0">
+                              <a:solidFill>
+                                <a:schemeClr val="tx1"/>
+                              </a:solidFill>
+                              <a:effectLst/>
+                              <a:latin typeface="+mn-lt"/>
+                              <a:ea typeface="+mn-ea"/>
+                              <a:cs typeface="+mn-cs"/>
+                            </a:rPr>
+                            <a:t>Continuous</a:t>
+                          </a:r>
+                          <a:r>
+                            <a:rPr lang="en-US" sz="1400" b="0" i="0" kern="1200" dirty="0">
+                              <a:solidFill>
+                                <a:schemeClr val="tx1"/>
+                              </a:solidFill>
+                              <a:effectLst/>
+                              <a:latin typeface="+mn-lt"/>
+                              <a:ea typeface="+mn-ea"/>
+                              <a:cs typeface="+mn-cs"/>
+                            </a:rPr>
+                            <a:t>:</a:t>
+                          </a:r>
+                          <a14:m>
+                            <m:oMath xmlns:m="http://schemas.openxmlformats.org/officeDocument/2006/math">
+                              <m:r>
+                                <a:rPr lang="en-US" sz="1400" b="0" i="1" kern="1200" smtClean="0">
+                                  <a:solidFill>
+                                    <a:schemeClr val="tx1"/>
+                                  </a:solidFill>
+                                  <a:effectLst/>
+                                  <a:latin typeface="Cambria Math" panose="02040503050406030204" pitchFamily="18" charset="0"/>
+                                  <a:ea typeface="+mn-ea"/>
+                                  <a:cs typeface="+mn-cs"/>
+                                </a:rPr>
+                                <m:t>−</m:t>
+                              </m:r>
+                              <m:r>
+                                <a:rPr lang="en-US" sz="1400" b="0" i="1" kern="1200" smtClean="0">
+                                  <a:solidFill>
+                                    <a:schemeClr val="tx1"/>
+                                  </a:solidFill>
+                                  <a:effectLst/>
+                                  <a:latin typeface="Cambria Math" panose="02040503050406030204" pitchFamily="18" charset="0"/>
+                                  <a:ea typeface="Cambria Math" panose="02040503050406030204" pitchFamily="18" charset="0"/>
+                                  <a:cs typeface="+mn-cs"/>
+                                </a:rPr>
+                                <m:t>∞&lt;</m:t>
+                              </m:r>
+                              <m:r>
+                                <a:rPr lang="en-US" sz="1400" b="0" i="1" kern="1200" smtClean="0">
+                                  <a:solidFill>
+                                    <a:schemeClr val="tx1"/>
+                                  </a:solidFill>
+                                  <a:effectLst/>
+                                  <a:latin typeface="Cambria Math" panose="02040503050406030204" pitchFamily="18" charset="0"/>
+                                  <a:ea typeface="Cambria Math" panose="02040503050406030204" pitchFamily="18" charset="0"/>
+                                  <a:cs typeface="+mn-cs"/>
+                                </a:rPr>
+                                <m:t>𝑎</m:t>
+                              </m:r>
+                              <m:r>
+                                <a:rPr lang="en-US" sz="1400" b="0" i="1" kern="1200" smtClean="0">
+                                  <a:solidFill>
+                                    <a:schemeClr val="tx1"/>
+                                  </a:solidFill>
+                                  <a:effectLst/>
+                                  <a:latin typeface="Cambria Math" panose="02040503050406030204" pitchFamily="18" charset="0"/>
+                                  <a:ea typeface="Cambria Math" panose="02040503050406030204" pitchFamily="18" charset="0"/>
+                                  <a:cs typeface="+mn-cs"/>
+                                </a:rPr>
+                                <m:t>&lt;</m:t>
+                              </m:r>
+                              <m:r>
+                                <a:rPr lang="en-US" sz="1400" b="0" i="1" kern="1200" smtClean="0">
+                                  <a:solidFill>
+                                    <a:schemeClr val="tx1"/>
+                                  </a:solidFill>
+                                  <a:effectLst/>
+                                  <a:latin typeface="Cambria Math" panose="02040503050406030204" pitchFamily="18" charset="0"/>
+                                  <a:ea typeface="Cambria Math" panose="02040503050406030204" pitchFamily="18" charset="0"/>
+                                  <a:cs typeface="+mn-cs"/>
+                                </a:rPr>
+                                <m:t>𝑏</m:t>
+                              </m:r>
+                              <m:r>
+                                <a:rPr lang="en-US" sz="1400" b="0" i="1" kern="1200" smtClean="0">
+                                  <a:solidFill>
+                                    <a:schemeClr val="tx1"/>
+                                  </a:solidFill>
+                                  <a:effectLst/>
+                                  <a:latin typeface="Cambria Math" panose="02040503050406030204" pitchFamily="18" charset="0"/>
+                                  <a:ea typeface="Cambria Math" panose="02040503050406030204" pitchFamily="18" charset="0"/>
+                                  <a:cs typeface="+mn-cs"/>
+                                </a:rPr>
+                                <m:t>&lt; +∞</m:t>
+                              </m:r>
+                            </m:oMath>
+                          </a14:m>
+                          <a:br>
+                            <a:rPr lang="en-US" sz="1100" b="0" baseline="-25000" dirty="0">
                               <a:ea typeface="Cambria Math" panose="02040503050406030204" pitchFamily="18" charset="0"/>
                             </a:rPr>
                           </a:br>
-                          <a:endParaRPr lang="en-US" baseline="-25000" dirty="0"/>
+                          <a:endParaRPr lang="en-US" sz="1100" b="0" baseline="-25000" dirty="0">
+                            <a:ea typeface="Cambria Math" panose="02040503050406030204" pitchFamily="18" charset="0"/>
+                          </a:endParaRPr>
                         </a:p>
                       </a:txBody>
                       <a:tcPr/>
@@ -11683,7 +14752,219 @@
                         <a:bodyPr/>
                         <a:lstStyle/>
                         <a:p>
-                          <a:endParaRPr lang="en-US" dirty="0"/>
+                          <a14:m>
+                            <m:oMathPara xmlns:m="http://schemas.openxmlformats.org/officeDocument/2006/math">
+                              <m:oMathParaPr>
+                                <m:jc m:val="centerGroup"/>
+                              </m:oMathParaPr>
+                              <m:oMath xmlns:m="http://schemas.openxmlformats.org/officeDocument/2006/math">
+                                <m:r>
+                                  <a:rPr lang="en-US" sz="1600" b="0" i="1" smtClean="0">
+                                    <a:latin typeface="Cambria Math" panose="02040503050406030204" pitchFamily="18" charset="0"/>
+                                  </a:rPr>
+                                  <m:t>𝐷𝑖𝑠𝑐𝑟𝑒𝑡𝑒</m:t>
+                                </m:r>
+                                <m:r>
+                                  <a:rPr lang="en-US" sz="1600" b="0" i="1" smtClean="0">
+                                    <a:latin typeface="Cambria Math" panose="02040503050406030204" pitchFamily="18" charset="0"/>
+                                  </a:rPr>
+                                  <m:t>: </m:t>
+                                </m:r>
+                                <m:r>
+                                  <a:rPr lang="en-US" sz="1600" b="0" i="1" smtClean="0">
+                                    <a:latin typeface="Cambria Math" panose="02040503050406030204" pitchFamily="18" charset="0"/>
+                                  </a:rPr>
+                                  <m:t>𝑘</m:t>
+                                </m:r>
+                                <m:r>
+                                  <a:rPr lang="en-US" sz="1600" b="0" i="1" smtClean="0">
+                                    <a:latin typeface="Cambria Math" panose="02040503050406030204" pitchFamily="18" charset="0"/>
+                                  </a:rPr>
+                                  <m:t> </m:t>
+                                </m:r>
+                                <m:r>
+                                  <a:rPr lang="en-US" sz="1600" b="0" i="1" smtClean="0">
+                                    <a:latin typeface="Cambria Math" panose="02040503050406030204" pitchFamily="18" charset="0"/>
+                                    <a:ea typeface="Cambria Math" panose="02040503050406030204" pitchFamily="18" charset="0"/>
+                                  </a:rPr>
+                                  <m:t>𝜖</m:t>
+                                </m:r>
+                                <m:r>
+                                  <a:rPr lang="en-US" sz="1600" b="0" i="1" smtClean="0">
+                                    <a:latin typeface="Cambria Math" panose="02040503050406030204" pitchFamily="18" charset="0"/>
+                                    <a:ea typeface="Cambria Math" panose="02040503050406030204" pitchFamily="18" charset="0"/>
+                                  </a:rPr>
+                                  <m:t> </m:t>
+                                </m:r>
+                                <m:d>
+                                  <m:dPr>
+                                    <m:begChr m:val="{"/>
+                                    <m:endChr m:val="}"/>
+                                    <m:ctrlPr>
+                                      <a:rPr lang="en-US" sz="1600" b="0" i="1" smtClean="0">
+                                        <a:latin typeface="Cambria Math" panose="02040503050406030204" pitchFamily="18" charset="0"/>
+                                        <a:ea typeface="Cambria Math" panose="02040503050406030204" pitchFamily="18" charset="0"/>
+                                      </a:rPr>
+                                    </m:ctrlPr>
+                                  </m:dPr>
+                                  <m:e>
+                                    <m:r>
+                                      <a:rPr lang="en-US" sz="1600" b="0" i="1" smtClean="0">
+                                        <a:latin typeface="Cambria Math" panose="02040503050406030204" pitchFamily="18" charset="0"/>
+                                        <a:ea typeface="Cambria Math" panose="02040503050406030204" pitchFamily="18" charset="0"/>
+                                      </a:rPr>
+                                      <m:t>𝑎</m:t>
+                                    </m:r>
+                                    <m:r>
+                                      <a:rPr lang="en-US" sz="1600" b="0" i="1" smtClean="0">
+                                        <a:latin typeface="Cambria Math" panose="02040503050406030204" pitchFamily="18" charset="0"/>
+                                        <a:ea typeface="Cambria Math" panose="02040503050406030204" pitchFamily="18" charset="0"/>
+                                      </a:rPr>
+                                      <m:t>, </m:t>
+                                    </m:r>
+                                    <m:r>
+                                      <a:rPr lang="en-US" sz="1600" b="0" i="1" smtClean="0">
+                                        <a:latin typeface="Cambria Math" panose="02040503050406030204" pitchFamily="18" charset="0"/>
+                                        <a:ea typeface="Cambria Math" panose="02040503050406030204" pitchFamily="18" charset="0"/>
+                                      </a:rPr>
+                                      <m:t>𝑎</m:t>
+                                    </m:r>
+                                    <m:r>
+                                      <a:rPr lang="en-US" sz="1600" b="0" i="1" smtClean="0">
+                                        <a:latin typeface="Cambria Math" panose="02040503050406030204" pitchFamily="18" charset="0"/>
+                                        <a:ea typeface="Cambria Math" panose="02040503050406030204" pitchFamily="18" charset="0"/>
+                                      </a:rPr>
+                                      <m:t>+1, …, </m:t>
+                                    </m:r>
+                                    <m:r>
+                                      <a:rPr lang="en-US" sz="1600" b="0" i="1" smtClean="0">
+                                        <a:latin typeface="Cambria Math" panose="02040503050406030204" pitchFamily="18" charset="0"/>
+                                        <a:ea typeface="Cambria Math" panose="02040503050406030204" pitchFamily="18" charset="0"/>
+                                      </a:rPr>
+                                      <m:t>𝑏</m:t>
+                                    </m:r>
+                                    <m:r>
+                                      <a:rPr lang="en-US" sz="1600" b="0" i="1" smtClean="0">
+                                        <a:latin typeface="Cambria Math" panose="02040503050406030204" pitchFamily="18" charset="0"/>
+                                        <a:ea typeface="Cambria Math" panose="02040503050406030204" pitchFamily="18" charset="0"/>
+                                      </a:rPr>
+                                      <m:t>−1, </m:t>
+                                    </m:r>
+                                    <m:r>
+                                      <a:rPr lang="en-US" sz="1600" b="0" i="1" smtClean="0">
+                                        <a:latin typeface="Cambria Math" panose="02040503050406030204" pitchFamily="18" charset="0"/>
+                                        <a:ea typeface="Cambria Math" panose="02040503050406030204" pitchFamily="18" charset="0"/>
+                                      </a:rPr>
+                                      <m:t>𝑏</m:t>
+                                    </m:r>
+                                  </m:e>
+                                </m:d>
+                              </m:oMath>
+                            </m:oMathPara>
+                          </a14:m>
+                          <a:endParaRPr lang="en-US" sz="1600" b="0" dirty="0">
+                            <a:ea typeface="Cambria Math" panose="02040503050406030204" pitchFamily="18" charset="0"/>
+                          </a:endParaRPr>
+                        </a:p>
+                        <a:p>
+                          <a:endParaRPr lang="en-US" sz="1600" b="0" dirty="0">
+                            <a:ea typeface="Cambria Math" panose="02040503050406030204" pitchFamily="18" charset="0"/>
+                          </a:endParaRPr>
+                        </a:p>
+                        <a:p>
+                          <a:pPr marL="0" marR="0" lvl="0" indent="0" algn="l" defTabSz="914400" rtl="0" eaLnBrk="1" fontAlgn="auto" latinLnBrk="0" hangingPunct="1">
+                            <a:lnSpc>
+                              <a:spcPct val="100000"/>
+                            </a:lnSpc>
+                            <a:spcBef>
+                              <a:spcPts val="0"/>
+                            </a:spcBef>
+                            <a:spcAft>
+                              <a:spcPts val="0"/>
+                            </a:spcAft>
+                            <a:buClrTx/>
+                            <a:buSzTx/>
+                            <a:buFontTx/>
+                            <a:buNone/>
+                            <a:tabLst/>
+                            <a:defRPr/>
+                          </a:pPr>
+                          <a14:m>
+                            <m:oMathPara xmlns:m="http://schemas.openxmlformats.org/officeDocument/2006/math">
+                              <m:oMathParaPr>
+                                <m:jc m:val="centerGroup"/>
+                              </m:oMathParaPr>
+                              <m:oMath xmlns:m="http://schemas.openxmlformats.org/officeDocument/2006/math">
+                                <m:r>
+                                  <a:rPr lang="en-US" sz="1600" b="0" i="1" smtClean="0">
+                                    <a:latin typeface="Cambria Math" panose="02040503050406030204" pitchFamily="18" charset="0"/>
+                                  </a:rPr>
+                                  <m:t>𝐶𝑜𝑛𝑡𝑖𝑛𝑢𝑜𝑢𝑠</m:t>
+                                </m:r>
+                                <m:r>
+                                  <a:rPr lang="en-US" sz="1600" b="0" i="1" smtClean="0">
+                                    <a:latin typeface="Cambria Math" panose="02040503050406030204" pitchFamily="18" charset="0"/>
+                                  </a:rPr>
+                                  <m:t>:</m:t>
+                                </m:r>
+                                <m:r>
+                                  <a:rPr lang="en-US" sz="1600" b="0" i="1" smtClean="0">
+                                    <a:latin typeface="Cambria Math" panose="02040503050406030204" pitchFamily="18" charset="0"/>
+                                  </a:rPr>
+                                  <m:t>𝑘</m:t>
+                                </m:r>
+                                <m:r>
+                                  <a:rPr lang="en-US" sz="1600" b="0" i="1" smtClean="0">
+                                    <a:latin typeface="Cambria Math" panose="02040503050406030204" pitchFamily="18" charset="0"/>
+                                  </a:rPr>
+                                  <m:t> </m:t>
+                                </m:r>
+                                <m:r>
+                                  <a:rPr lang="en-US" sz="1600" b="0" i="1" smtClean="0">
+                                    <a:latin typeface="Cambria Math" panose="02040503050406030204" pitchFamily="18" charset="0"/>
+                                    <a:ea typeface="Cambria Math" panose="02040503050406030204" pitchFamily="18" charset="0"/>
+                                  </a:rPr>
+                                  <m:t>𝜖</m:t>
+                                </m:r>
+                                <m:r>
+                                  <a:rPr lang="en-US" sz="1600" b="0" i="1" smtClean="0">
+                                    <a:latin typeface="Cambria Math" panose="02040503050406030204" pitchFamily="18" charset="0"/>
+                                    <a:ea typeface="Cambria Math" panose="02040503050406030204" pitchFamily="18" charset="0"/>
+                                  </a:rPr>
+                                  <m:t> [</m:t>
+                                </m:r>
+                                <m:r>
+                                  <a:rPr lang="en-US" sz="1600" b="0" i="1" smtClean="0">
+                                    <a:latin typeface="Cambria Math" panose="02040503050406030204" pitchFamily="18" charset="0"/>
+                                    <a:ea typeface="Cambria Math" panose="02040503050406030204" pitchFamily="18" charset="0"/>
+                                  </a:rPr>
+                                  <m:t>𝑎</m:t>
+                                </m:r>
+                                <m:r>
+                                  <a:rPr lang="en-US" sz="1600" b="0" i="1" smtClean="0">
+                                    <a:latin typeface="Cambria Math" panose="02040503050406030204" pitchFamily="18" charset="0"/>
+                                    <a:ea typeface="Cambria Math" panose="02040503050406030204" pitchFamily="18" charset="0"/>
+                                  </a:rPr>
+                                  <m:t>,</m:t>
+                                </m:r>
+                                <m:r>
+                                  <a:rPr lang="en-US" sz="1600" b="0" i="1" smtClean="0">
+                                    <a:latin typeface="Cambria Math" panose="02040503050406030204" pitchFamily="18" charset="0"/>
+                                    <a:ea typeface="Cambria Math" panose="02040503050406030204" pitchFamily="18" charset="0"/>
+                                  </a:rPr>
+                                  <m:t>𝑏</m:t>
+                                </m:r>
+                                <m:r>
+                                  <a:rPr lang="en-US" sz="1600" b="0" i="1" smtClean="0">
+                                    <a:latin typeface="Cambria Math" panose="02040503050406030204" pitchFamily="18" charset="0"/>
+                                    <a:ea typeface="Cambria Math" panose="02040503050406030204" pitchFamily="18" charset="0"/>
+                                  </a:rPr>
+                                  <m:t>]</m:t>
+                                </m:r>
+                              </m:oMath>
+                            </m:oMathPara>
+                          </a14:m>
+                          <a:endParaRPr lang="en-US" sz="1600" dirty="0"/>
                         </a:p>
                       </a:txBody>
                       <a:tcPr/>
@@ -11756,6 +15037,52 @@
                             <a:tabLst/>
                             <a:defRPr/>
                           </a:pPr>
+                          <a14:m>
+                            <m:oMathPara xmlns:m="http://schemas.openxmlformats.org/officeDocument/2006/math">
+                              <m:oMathParaPr>
+                                <m:jc m:val="centerGroup"/>
+                              </m:oMathParaPr>
+                              <m:oMath xmlns:m="http://schemas.openxmlformats.org/officeDocument/2006/math">
+                                <m:f>
+                                  <m:fPr>
+                                    <m:ctrlPr>
+                                      <a:rPr lang="en-US" i="1" smtClean="0">
+                                        <a:latin typeface="Cambria Math" panose="02040503050406030204" pitchFamily="18" charset="0"/>
+                                      </a:rPr>
+                                    </m:ctrlPr>
+                                  </m:fPr>
+                                  <m:num>
+                                    <m:r>
+                                      <a:rPr lang="en-US" b="0" i="1" smtClean="0">
+                                        <a:latin typeface="Cambria Math" panose="02040503050406030204" pitchFamily="18" charset="0"/>
+                                      </a:rPr>
+                                      <m:t>𝑎</m:t>
+                                    </m:r>
+                                    <m:r>
+                                      <a:rPr lang="en-US" b="0" i="1" smtClean="0">
+                                        <a:latin typeface="Cambria Math" panose="02040503050406030204" pitchFamily="18" charset="0"/>
+                                      </a:rPr>
+                                      <m:t>+</m:t>
+                                    </m:r>
+                                    <m:r>
+                                      <a:rPr lang="en-US" b="0" i="1" smtClean="0">
+                                        <a:latin typeface="Cambria Math" panose="02040503050406030204" pitchFamily="18" charset="0"/>
+                                      </a:rPr>
+                                      <m:t>𝑏</m:t>
+                                    </m:r>
+                                  </m:num>
+                                  <m:den>
+                                    <m:r>
+                                      <a:rPr lang="en-US" b="0" i="1" smtClean="0">
+                                        <a:latin typeface="Cambria Math" panose="02040503050406030204" pitchFamily="18" charset="0"/>
+                                      </a:rPr>
+                                      <m:t>2</m:t>
+                                    </m:r>
+                                  </m:den>
+                                </m:f>
+                              </m:oMath>
+                            </m:oMathPara>
+                          </a14:m>
                           <a:endParaRPr lang="en-US" dirty="0"/>
                         </a:p>
                       </a:txBody>
@@ -11788,14 +15115,14 @@
               <p:nvPr>
                 <p:extLst>
                   <p:ext uri="{D42A27DB-BD31-4B8C-83A1-F6EECF244321}">
-                    <p14:modId xmlns:p14="http://schemas.microsoft.com/office/powerpoint/2010/main" val="245420805"/>
+                    <p14:modId xmlns:p14="http://schemas.microsoft.com/office/powerpoint/2010/main" val="3823697623"/>
                   </p:ext>
                 </p:extLst>
               </p:nvPr>
             </p:nvGraphicFramePr>
             <p:xfrm>
               <a:off x="907624" y="2251102"/>
-              <a:ext cx="4106635" cy="1673723"/>
+              <a:ext cx="4106635" cy="3031624"/>
             </p:xfrm>
             <a:graphic>
               <a:graphicData uri="http://schemas.openxmlformats.org/drawingml/2006/table">
@@ -11819,7 +15146,7 @@
                       </a:extLst>
                     </a:gridCol>
                   </a:tblGrid>
-                  <a:tr h="370840">
+                  <a:tr h="374403">
                     <a:tc>
                       <a:txBody>
                         <a:bodyPr/>
@@ -11831,7 +15158,7 @@
                                 <a:schemeClr val="tx1"/>
                               </a:solidFill>
                             </a:rPr>
-                            <a:t>PMF</a:t>
+                            <a:t>PMF/PDF</a:t>
                           </a:r>
                         </a:p>
                       </a:txBody>
@@ -11842,7 +15169,10 @@
                         <a:bodyPr/>
                         <a:lstStyle/>
                         <a:p>
-                          <a:endParaRPr lang="en-US" b="0" dirty="0"/>
+                          <a:r>
+                            <a:rPr lang="en-US" sz="2400" b="0" baseline="-25000" dirty="0"/>
+                            <a:t>1/n</a:t>
+                          </a:r>
                         </a:p>
                       </a:txBody>
                       <a:tcPr/>
@@ -11853,7 +15183,7 @@
                       </a:ext>
                     </a:extLst>
                   </a:tr>
-                  <a:tr h="457200">
+                  <a:tr h="985520">
                     <a:tc>
                       <a:txBody>
                         <a:bodyPr/>
@@ -11872,15 +15202,17 @@
                         <a:bodyPr/>
                         <a:lstStyle/>
                         <a:p>
-                          <a:br>
-                            <a:rPr lang="en-US" b="0" baseline="-25000" dirty="0">
-                              <a:ea typeface="Cambria Math" panose="02040503050406030204" pitchFamily="18" charset="0"/>
-                            </a:rPr>
-                          </a:br>
-                          <a:endParaRPr lang="en-US" baseline="-25000" dirty="0"/>
-                        </a:p>
-                      </a:txBody>
-                      <a:tcPr/>
+                          <a:endParaRPr lang="en-US"/>
+                        </a:p>
+                      </a:txBody>
+                      <a:tcPr>
+                        <a:blipFill>
+                          <a:blip r:embed="rId2"/>
+                          <a:stretch>
+                            <a:fillRect l="-59434" t="-41615" r="-708" b="-172050"/>
+                          </a:stretch>
+                        </a:blipFill>
+                      </a:tcPr>
                     </a:tc>
                     <a:extLst>
                       <a:ext uri="{0D108BD9-81ED-4DB2-BD59-A6C34878D82A}">
@@ -11888,7 +15220,7 @@
                       </a:ext>
                     </a:extLst>
                   </a:tr>
-                  <a:tr h="370840">
+                  <a:tr h="1061212">
                     <a:tc>
                       <a:txBody>
                         <a:bodyPr/>
@@ -11907,10 +15239,17 @@
                         <a:bodyPr/>
                         <a:lstStyle/>
                         <a:p>
-                          <a:endParaRPr lang="en-US" dirty="0"/>
-                        </a:p>
-                      </a:txBody>
-                      <a:tcPr/>
+                          <a:endParaRPr lang="en-US"/>
+                        </a:p>
+                      </a:txBody>
+                      <a:tcPr>
+                        <a:blipFill>
+                          <a:blip r:embed="rId2"/>
+                          <a:stretch>
+                            <a:fillRect l="-59434" t="-130286" r="-708" b="-58286"/>
+                          </a:stretch>
+                        </a:blipFill>
+                      </a:tcPr>
                     </a:tc>
                     <a:extLst>
                       <a:ext uri="{0D108BD9-81ED-4DB2-BD59-A6C34878D82A}">
@@ -11918,7 +15257,7 @@
                       </a:ext>
                     </a:extLst>
                   </a:tr>
-                  <a:tr h="474843">
+                  <a:tr h="610489">
                     <a:tc>
                       <a:txBody>
                         <a:bodyPr/>
@@ -11931,7 +15270,7 @@
                         <a:blipFill>
                           <a:blip r:embed="rId2"/>
                           <a:stretch>
-                            <a:fillRect l="-398" t="-258974" r="-170120" b="-2564"/>
+                            <a:fillRect l="-398" t="-403000" r="-170120" b="-2000"/>
                           </a:stretch>
                         </a:blipFill>
                       </a:tcPr>
@@ -11941,27 +15280,17 @@
                         <a:bodyPr/>
                         <a:lstStyle/>
                         <a:p>
-                          <a:pPr marL="0" marR="0" lvl="0" indent="0" algn="l" defTabSz="914400" rtl="0" eaLnBrk="1" fontAlgn="auto" latinLnBrk="0" hangingPunct="1">
-                            <a:lnSpc>
-                              <a:spcPct val="100000"/>
-                            </a:lnSpc>
-                            <a:spcBef>
-                              <a:spcPts val="0"/>
-                            </a:spcBef>
-                            <a:spcAft>
-                              <a:spcPts val="0"/>
-                            </a:spcAft>
-                            <a:buClrTx/>
-                            <a:buSzTx/>
-                            <a:buFontTx/>
-                            <a:buNone/>
-                            <a:tabLst/>
-                            <a:defRPr/>
-                          </a:pPr>
-                          <a:endParaRPr lang="en-US" dirty="0"/>
-                        </a:p>
-                      </a:txBody>
-                      <a:tcPr/>
+                          <a:endParaRPr lang="en-US"/>
+                        </a:p>
+                      </a:txBody>
+                      <a:tcPr>
+                        <a:blipFill>
+                          <a:blip r:embed="rId2"/>
+                          <a:stretch>
+                            <a:fillRect l="-59434" t="-403000" r="-708" b="-2000"/>
+                          </a:stretch>
+                        </a:blipFill>
+                      </a:tcPr>
                     </a:tc>
                     <a:extLst>
                       <a:ext uri="{0D108BD9-81ED-4DB2-BD59-A6C34878D82A}">
@@ -12045,8 +15374,8 @@
         </p:nvSpPr>
         <p:spPr>
           <a:xfrm>
-            <a:off x="908424" y="4446494"/>
-            <a:ext cx="4147670" cy="923330"/>
+            <a:off x="907624" y="5333917"/>
+            <a:ext cx="4147670" cy="800219"/>
           </a:xfrm>
           <a:prstGeom prst="rect">
             <a:avLst/>
@@ -12066,22 +15395,12 @@
           <a:p>
             <a:r>
               <a:rPr lang="en-US" b="1" dirty="0"/>
-              <a:t>Typical Uses:</a:t>
-            </a:r>
-          </a:p>
-          <a:p>
-            <a:pPr marL="285750" indent="-285750">
-              <a:buFontTx/>
-              <a:buChar char="-"/>
-            </a:pPr>
-            <a:endParaRPr lang="en-US" dirty="0"/>
-          </a:p>
-          <a:p>
-            <a:pPr marL="285750" indent="-285750">
-              <a:buFontTx/>
-              <a:buChar char="-"/>
-            </a:pPr>
-            <a:endParaRPr lang="en-US" dirty="0"/>
+              <a:t>Typical Uses: </a:t>
+            </a:r>
+            <a:r>
+              <a:rPr lang="en-US" sz="1400" dirty="0"/>
+              <a:t>any case where probability of the outcome, number of outcomes, or parameters is the same across the domain.</a:t>
+            </a:r>
           </a:p>
         </p:txBody>
       </p:sp>
@@ -12100,7 +15419,7 @@
         <p:spPr>
           <a:xfrm>
             <a:off x="0" y="6317674"/>
-            <a:ext cx="12156141" cy="523220"/>
+            <a:ext cx="12156141" cy="830997"/>
           </a:xfrm>
           <a:prstGeom prst="rect">
             <a:avLst/>
@@ -12115,10 +15434,27 @@
           <a:p>
             <a:r>
               <a:rPr lang="en-US" sz="1000" b="1" dirty="0"/>
-              <a:t>Resources:</a:t>
-            </a:r>
-            <a:endParaRPr lang="en-US" sz="1000" b="1" dirty="0">
-              <a:hlinkClick r:id="rId3"/>
+              <a:t>Resources: </a:t>
+            </a:r>
+          </a:p>
+          <a:p>
+            <a:r>
+              <a:rPr lang="en-US" sz="900" dirty="0">
+                <a:hlinkClick r:id="rId3"/>
+              </a:rPr>
+              <a:t>Probabilities, Likelihoods, and Bayes Theorem | Kaggle</a:t>
+            </a:r>
+            <a:endParaRPr lang="en-US" sz="900" b="1" dirty="0"/>
+          </a:p>
+          <a:p>
+            <a:r>
+              <a:rPr lang="en-US" sz="900" dirty="0">
+                <a:hlinkClick r:id="rId4"/>
+              </a:rPr>
+              <a:t>Continuous uniform distribution - Wikipedia</a:t>
+            </a:r>
+            <a:endParaRPr lang="en-US" sz="900" b="1" dirty="0">
+              <a:hlinkClick r:id="rId5"/>
             </a:endParaRPr>
           </a:p>
           <a:p>
@@ -12177,7 +15513,7 @@
           <p:nvPr/>
         </p:nvPicPr>
         <p:blipFill>
-          <a:blip r:embed="rId4"/>
+          <a:blip r:embed="rId6"/>
           <a:stretch>
             <a:fillRect/>
           </a:stretch>
@@ -12316,14 +15652,14 @@
               <p:nvPr>
                 <p:extLst>
                   <p:ext uri="{D42A27DB-BD31-4B8C-83A1-F6EECF244321}">
-                    <p14:modId xmlns:p14="http://schemas.microsoft.com/office/powerpoint/2010/main" val="2184423068"/>
+                    <p14:modId xmlns:p14="http://schemas.microsoft.com/office/powerpoint/2010/main" val="2625157755"/>
                   </p:ext>
                 </p:extLst>
               </p:nvPr>
             </p:nvGraphicFramePr>
             <p:xfrm>
               <a:off x="907624" y="2251102"/>
-              <a:ext cx="5070886" cy="2321938"/>
+              <a:ext cx="5070886" cy="2723713"/>
             </p:xfrm>
             <a:graphic>
               <a:graphicData uri="http://schemas.openxmlformats.org/drawingml/2006/table">
@@ -12359,7 +15695,7 @@
                                 <a:schemeClr val="tx1"/>
                               </a:solidFill>
                             </a:rPr>
-                            <a:t>PMF</a:t>
+                            <a:t>PDF</a:t>
                           </a:r>
                         </a:p>
                       </a:txBody>
@@ -12400,6 +15736,57 @@
                         <a:bodyPr/>
                         <a:lstStyle/>
                         <a:p>
+                          <a14:m>
+                            <m:oMathPara xmlns:m="http://schemas.openxmlformats.org/officeDocument/2006/math">
+                              <m:oMathParaPr>
+                                <m:jc m:val="centerGroup"/>
+                              </m:oMathParaPr>
+                              <m:oMath xmlns:m="http://schemas.openxmlformats.org/officeDocument/2006/math">
+                                <m:r>
+                                  <a:rPr lang="en-US" i="1" smtClean="0">
+                                    <a:latin typeface="Cambria Math" panose="02040503050406030204" pitchFamily="18" charset="0"/>
+                                    <a:ea typeface="Cambria Math" panose="02040503050406030204" pitchFamily="18" charset="0"/>
+                                  </a:rPr>
+                                  <m:t>𝛼</m:t>
+                                </m:r>
+                                <m:r>
+                                  <a:rPr lang="en-US" b="0" i="1" smtClean="0">
+                                    <a:latin typeface="Cambria Math" panose="02040503050406030204" pitchFamily="18" charset="0"/>
+                                    <a:ea typeface="Cambria Math" panose="02040503050406030204" pitchFamily="18" charset="0"/>
+                                  </a:rPr>
+                                  <m:t>&gt;0</m:t>
+                                </m:r>
+                              </m:oMath>
+                            </m:oMathPara>
+                          </a14:m>
+                          <a:endParaRPr lang="en-US" b="0" dirty="0">
+                            <a:ea typeface="Cambria Math" panose="02040503050406030204" pitchFamily="18" charset="0"/>
+                          </a:endParaRPr>
+                        </a:p>
+                        <a:p>
+                          <a14:m>
+                            <m:oMathPara xmlns:m="http://schemas.openxmlformats.org/officeDocument/2006/math">
+                              <m:oMathParaPr>
+                                <m:jc m:val="centerGroup"/>
+                              </m:oMathParaPr>
+                              <m:oMath xmlns:m="http://schemas.openxmlformats.org/officeDocument/2006/math">
+                                <m:r>
+                                  <a:rPr lang="en-US" i="1" smtClean="0">
+                                    <a:latin typeface="Cambria Math" panose="02040503050406030204" pitchFamily="18" charset="0"/>
+                                    <a:ea typeface="Cambria Math" panose="02040503050406030204" pitchFamily="18" charset="0"/>
+                                  </a:rPr>
+                                  <m:t>𝛽</m:t>
+                                </m:r>
+                                <m:r>
+                                  <a:rPr lang="en-US" b="0" i="1" smtClean="0">
+                                    <a:latin typeface="Cambria Math" panose="02040503050406030204" pitchFamily="18" charset="0"/>
+                                    <a:ea typeface="Cambria Math" panose="02040503050406030204" pitchFamily="18" charset="0"/>
+                                  </a:rPr>
+                                  <m:t>&gt;0</m:t>
+                                </m:r>
+                              </m:oMath>
+                            </m:oMathPara>
+                          </a14:m>
                           <a:endParaRPr lang="en-US" dirty="0"/>
                         </a:p>
                       </a:txBody>
@@ -12430,7 +15817,174 @@
                         <a:bodyPr/>
                         <a:lstStyle/>
                         <a:p>
-                          <a:endParaRPr lang="en-US" dirty="0"/>
+                          <a14:m>
+                            <m:oMathPara xmlns:m="http://schemas.openxmlformats.org/officeDocument/2006/math">
+                              <m:oMathParaPr>
+                                <m:jc m:val="centerGroup"/>
+                              </m:oMathParaPr>
+                              <m:oMath xmlns:m="http://schemas.openxmlformats.org/officeDocument/2006/math">
+                                <m:r>
+                                  <a:rPr lang="en-US" sz="1600" b="0" i="1" smtClean="0">
+                                    <a:latin typeface="Cambria Math" panose="02040503050406030204" pitchFamily="18" charset="0"/>
+                                  </a:rPr>
+                                  <m:t>𝑘</m:t>
+                                </m:r>
+                                <m:r>
+                                  <a:rPr lang="en-US" sz="1600" b="0" i="1" smtClean="0">
+                                    <a:latin typeface="Cambria Math" panose="02040503050406030204" pitchFamily="18" charset="0"/>
+                                  </a:rPr>
+                                  <m:t> </m:t>
+                                </m:r>
+                                <m:d>
+                                  <m:dPr>
+                                    <m:ctrlPr>
+                                      <a:rPr lang="en-US" sz="1600" b="0" i="1" smtClean="0">
+                                        <a:latin typeface="Cambria Math" panose="02040503050406030204" pitchFamily="18" charset="0"/>
+                                      </a:rPr>
+                                    </m:ctrlPr>
+                                  </m:dPr>
+                                  <m:e>
+                                    <m:r>
+                                      <a:rPr lang="en-US" sz="1600" b="0" i="1" smtClean="0">
+                                        <a:latin typeface="Cambria Math" panose="02040503050406030204" pitchFamily="18" charset="0"/>
+                                      </a:rPr>
+                                      <m:t>𝑜𝑟</m:t>
+                                    </m:r>
+                                    <m:r>
+                                      <a:rPr lang="en-US" sz="1600" b="0" i="1" smtClean="0">
+                                        <a:latin typeface="Cambria Math" panose="02040503050406030204" pitchFamily="18" charset="0"/>
+                                      </a:rPr>
+                                      <m:t> </m:t>
+                                    </m:r>
+                                    <m:r>
+                                      <a:rPr lang="en-US" sz="1600" b="0" i="1" smtClean="0">
+                                        <a:latin typeface="Cambria Math" panose="02040503050406030204" pitchFamily="18" charset="0"/>
+                                      </a:rPr>
+                                      <m:t>𝑥</m:t>
+                                    </m:r>
+                                  </m:e>
+                                </m:d>
+                                <m:r>
+                                  <a:rPr lang="en-US" sz="1600" b="0" i="1" smtClean="0">
+                                    <a:latin typeface="Cambria Math" panose="02040503050406030204" pitchFamily="18" charset="0"/>
+                                    <a:ea typeface="Cambria Math" panose="02040503050406030204" pitchFamily="18" charset="0"/>
+                                  </a:rPr>
+                                  <m:t>𝜖</m:t>
+                                </m:r>
+                                <m:r>
+                                  <a:rPr lang="en-US" sz="1600" b="0" i="1" smtClean="0">
+                                    <a:latin typeface="Cambria Math" panose="02040503050406030204" pitchFamily="18" charset="0"/>
+                                    <a:ea typeface="Cambria Math" panose="02040503050406030204" pitchFamily="18" charset="0"/>
+                                  </a:rPr>
+                                  <m:t> </m:t>
+                                </m:r>
+                                <m:d>
+                                  <m:dPr>
+                                    <m:begChr m:val="["/>
+                                    <m:endChr m:val="]"/>
+                                    <m:ctrlPr>
+                                      <a:rPr lang="en-US" sz="1600" b="0" i="1" smtClean="0">
+                                        <a:latin typeface="Cambria Math" panose="02040503050406030204" pitchFamily="18" charset="0"/>
+                                        <a:ea typeface="Cambria Math" panose="02040503050406030204" pitchFamily="18" charset="0"/>
+                                      </a:rPr>
+                                    </m:ctrlPr>
+                                  </m:dPr>
+                                  <m:e>
+                                    <m:r>
+                                      <a:rPr lang="en-US" sz="1600" b="0" i="1" smtClean="0">
+                                        <a:latin typeface="Cambria Math" panose="02040503050406030204" pitchFamily="18" charset="0"/>
+                                        <a:ea typeface="Cambria Math" panose="02040503050406030204" pitchFamily="18" charset="0"/>
+                                      </a:rPr>
+                                      <m:t>0,1</m:t>
+                                    </m:r>
+                                  </m:e>
+                                </m:d>
+                                <m:r>
+                                  <a:rPr lang="en-US" sz="1600" b="0" i="1" smtClean="0">
+                                    <a:latin typeface="Cambria Math" panose="02040503050406030204" pitchFamily="18" charset="0"/>
+                                    <a:ea typeface="Cambria Math" panose="02040503050406030204" pitchFamily="18" charset="0"/>
+                                  </a:rPr>
+                                  <m:t> </m:t>
+                                </m:r>
+                                <m:r>
+                                  <a:rPr lang="en-US" sz="1600" b="0" i="1" smtClean="0">
+                                    <a:latin typeface="Cambria Math" panose="02040503050406030204" pitchFamily="18" charset="0"/>
+                                    <a:ea typeface="Cambria Math" panose="02040503050406030204" pitchFamily="18" charset="0"/>
+                                  </a:rPr>
+                                  <m:t>𝑜𝑟</m:t>
+                                </m:r>
+                                <m:r>
+                                  <a:rPr lang="en-US" sz="1600" b="0" i="1" smtClean="0">
+                                    <a:latin typeface="Cambria Math" panose="02040503050406030204" pitchFamily="18" charset="0"/>
+                                    <a:ea typeface="Cambria Math" panose="02040503050406030204" pitchFamily="18" charset="0"/>
+                                  </a:rPr>
+                                  <m:t> </m:t>
+                                </m:r>
+                                <m:r>
+                                  <a:rPr lang="en-US" sz="1600" b="0" i="1" smtClean="0">
+                                    <a:latin typeface="Cambria Math" panose="02040503050406030204" pitchFamily="18" charset="0"/>
+                                    <a:ea typeface="Cambria Math" panose="02040503050406030204" pitchFamily="18" charset="0"/>
+                                  </a:rPr>
+                                  <m:t>𝑘</m:t>
+                                </m:r>
+                                <m:r>
+                                  <a:rPr lang="en-US" sz="1600" b="0" i="1" smtClean="0">
+                                    <a:latin typeface="Cambria Math" panose="02040503050406030204" pitchFamily="18" charset="0"/>
+                                    <a:ea typeface="Cambria Math" panose="02040503050406030204" pitchFamily="18" charset="0"/>
+                                  </a:rPr>
+                                  <m:t> </m:t>
+                                </m:r>
+                                <m:d>
+                                  <m:dPr>
+                                    <m:ctrlPr>
+                                      <a:rPr lang="en-US" sz="1600" b="0" i="1" smtClean="0">
+                                        <a:latin typeface="Cambria Math" panose="02040503050406030204" pitchFamily="18" charset="0"/>
+                                        <a:ea typeface="Cambria Math" panose="02040503050406030204" pitchFamily="18" charset="0"/>
+                                      </a:rPr>
+                                    </m:ctrlPr>
+                                  </m:dPr>
+                                  <m:e>
+                                    <m:r>
+                                      <a:rPr lang="en-US" sz="1600" b="0" i="1" smtClean="0">
+                                        <a:latin typeface="Cambria Math" panose="02040503050406030204" pitchFamily="18" charset="0"/>
+                                        <a:ea typeface="Cambria Math" panose="02040503050406030204" pitchFamily="18" charset="0"/>
+                                      </a:rPr>
+                                      <m:t>𝑜𝑟</m:t>
+                                    </m:r>
+                                    <m:r>
+                                      <a:rPr lang="en-US" sz="1600" b="0" i="1" smtClean="0">
+                                        <a:latin typeface="Cambria Math" panose="02040503050406030204" pitchFamily="18" charset="0"/>
+                                        <a:ea typeface="Cambria Math" panose="02040503050406030204" pitchFamily="18" charset="0"/>
+                                      </a:rPr>
+                                      <m:t> </m:t>
+                                    </m:r>
+                                    <m:r>
+                                      <a:rPr lang="en-US" sz="1600" b="0" i="1" smtClean="0">
+                                        <a:latin typeface="Cambria Math" panose="02040503050406030204" pitchFamily="18" charset="0"/>
+                                        <a:ea typeface="Cambria Math" panose="02040503050406030204" pitchFamily="18" charset="0"/>
+                                      </a:rPr>
+                                      <m:t>𝑥</m:t>
+                                    </m:r>
+                                  </m:e>
+                                </m:d>
+                                <m:r>
+                                  <a:rPr lang="en-US" sz="1600" b="0" i="1" smtClean="0">
+                                    <a:latin typeface="Cambria Math" panose="02040503050406030204" pitchFamily="18" charset="0"/>
+                                    <a:ea typeface="Cambria Math" panose="02040503050406030204" pitchFamily="18" charset="0"/>
+                                  </a:rPr>
+                                  <m:t>𝜖</m:t>
+                                </m:r>
+                                <m:r>
+                                  <a:rPr lang="en-US" sz="1600" b="0" i="1" smtClean="0">
+                                    <a:latin typeface="Cambria Math" panose="02040503050406030204" pitchFamily="18" charset="0"/>
+                                    <a:ea typeface="Cambria Math" panose="02040503050406030204" pitchFamily="18" charset="0"/>
+                                  </a:rPr>
+                                  <m:t> (0,1)</m:t>
+                                </m:r>
+                              </m:oMath>
+                            </m:oMathPara>
+                          </a14:m>
+                          <a:endParaRPr lang="en-US" sz="1600" dirty="0"/>
                         </a:p>
                       </a:txBody>
                       <a:tcPr/>
@@ -12503,6 +16057,85 @@
                             <a:tabLst/>
                             <a:defRPr/>
                           </a:pPr>
+                          <a14:m>
+                            <m:oMathPara xmlns:m="http://schemas.openxmlformats.org/officeDocument/2006/math">
+                              <m:oMathParaPr>
+                                <m:jc m:val="centerGroup"/>
+                              </m:oMathParaPr>
+                              <m:oMath xmlns:m="http://schemas.openxmlformats.org/officeDocument/2006/math">
+                                <m:r>
+                                  <a:rPr lang="en-US" b="0" i="1" smtClean="0">
+                                    <a:latin typeface="Cambria Math" panose="02040503050406030204" pitchFamily="18" charset="0"/>
+                                  </a:rPr>
+                                  <m:t>𝐸</m:t>
+                                </m:r>
+                                <m:d>
+                                  <m:dPr>
+                                    <m:ctrlPr>
+                                      <a:rPr lang="en-US" b="0" i="1" smtClean="0">
+                                        <a:latin typeface="Cambria Math" panose="02040503050406030204" pitchFamily="18" charset="0"/>
+                                      </a:rPr>
+                                    </m:ctrlPr>
+                                  </m:dPr>
+                                  <m:e>
+                                    <m:r>
+                                      <a:rPr lang="en-US" b="0" i="1" smtClean="0">
+                                        <a:latin typeface="Cambria Math" panose="02040503050406030204" pitchFamily="18" charset="0"/>
+                                      </a:rPr>
+                                      <m:t>𝑋</m:t>
+                                    </m:r>
+                                  </m:e>
+                                </m:d>
+                                <m:r>
+                                  <a:rPr lang="en-US" b="0" i="1" smtClean="0">
+                                    <a:latin typeface="Cambria Math" panose="02040503050406030204" pitchFamily="18" charset="0"/>
+                                  </a:rPr>
+                                  <m:t>= </m:t>
+                                </m:r>
+                                <m:f>
+                                  <m:fPr>
+                                    <m:ctrlPr>
+                                      <a:rPr lang="en-US" b="0" i="1" smtClean="0">
+                                        <a:latin typeface="Cambria Math" panose="02040503050406030204" pitchFamily="18" charset="0"/>
+                                      </a:rPr>
+                                    </m:ctrlPr>
+                                  </m:fPr>
+                                  <m:num>
+                                    <m:r>
+                                      <a:rPr lang="en-US" b="0" i="1" smtClean="0">
+                                        <a:latin typeface="Cambria Math" panose="02040503050406030204" pitchFamily="18" charset="0"/>
+                                        <a:ea typeface="Cambria Math" panose="02040503050406030204" pitchFamily="18" charset="0"/>
+                                      </a:rPr>
+                                      <m:t>𝛼</m:t>
+                                    </m:r>
+                                  </m:num>
+                                  <m:den>
+                                    <m:r>
+                                      <a:rPr lang="en-US" b="0" i="1" smtClean="0">
+                                        <a:latin typeface="Cambria Math" panose="02040503050406030204" pitchFamily="18" charset="0"/>
+                                        <a:ea typeface="Cambria Math" panose="02040503050406030204" pitchFamily="18" charset="0"/>
+                                      </a:rPr>
+                                      <m:t>𝛼</m:t>
+                                    </m:r>
+                                    <m:r>
+                                      <a:rPr lang="en-US" b="0" i="1" smtClean="0">
+                                        <a:latin typeface="Cambria Math" panose="02040503050406030204" pitchFamily="18" charset="0"/>
+                                        <a:ea typeface="Cambria Math" panose="02040503050406030204" pitchFamily="18" charset="0"/>
+                                      </a:rPr>
+                                      <m:t>+ </m:t>
+                                    </m:r>
+                                    <m:r>
+                                      <a:rPr lang="en-US" b="0" i="1" smtClean="0">
+                                        <a:latin typeface="Cambria Math" panose="02040503050406030204" pitchFamily="18" charset="0"/>
+                                        <a:ea typeface="Cambria Math" panose="02040503050406030204" pitchFamily="18" charset="0"/>
+                                      </a:rPr>
+                                      <m:t>𝛽</m:t>
+                                    </m:r>
+                                  </m:den>
+                                </m:f>
+                              </m:oMath>
+                            </m:oMathPara>
+                          </a14:m>
                           <a:endParaRPr lang="en-US" dirty="0"/>
                         </a:p>
                       </a:txBody>
@@ -12535,14 +16168,14 @@
               <p:nvPr>
                 <p:extLst>
                   <p:ext uri="{D42A27DB-BD31-4B8C-83A1-F6EECF244321}">
-                    <p14:modId xmlns:p14="http://schemas.microsoft.com/office/powerpoint/2010/main" val="2184423068"/>
+                    <p14:modId xmlns:p14="http://schemas.microsoft.com/office/powerpoint/2010/main" val="2625157755"/>
                   </p:ext>
                 </p:extLst>
               </p:nvPr>
             </p:nvGraphicFramePr>
             <p:xfrm>
               <a:off x="907624" y="2251102"/>
-              <a:ext cx="5070886" cy="2321938"/>
+              <a:ext cx="5070886" cy="2723713"/>
             </p:xfrm>
             <a:graphic>
               <a:graphicData uri="http://schemas.openxmlformats.org/drawingml/2006/table">
@@ -12578,7 +16211,7 @@
                                 <a:schemeClr val="tx1"/>
                               </a:solidFill>
                             </a:rPr>
-                            <a:t>PMF</a:t>
+                            <a:t>PDF</a:t>
                           </a:r>
                         </a:p>
                       </a:txBody>
@@ -12600,7 +16233,7 @@
                       </a:ext>
                     </a:extLst>
                   </a:tr>
-                  <a:tr h="370840">
+                  <a:tr h="640080">
                     <a:tc>
                       <a:txBody>
                         <a:bodyPr/>
@@ -12619,10 +16252,17 @@
                         <a:bodyPr/>
                         <a:lstStyle/>
                         <a:p>
-                          <a:endParaRPr lang="en-US" dirty="0"/>
-                        </a:p>
-                      </a:txBody>
-                      <a:tcPr/>
+                          <a:endParaRPr lang="en-US"/>
+                        </a:p>
+                      </a:txBody>
+                      <a:tcPr>
+                        <a:blipFill>
+                          <a:blip r:embed="rId2"/>
+                          <a:stretch>
+                            <a:fillRect l="-59160" t="-178095" r="-573" b="-155238"/>
+                          </a:stretch>
+                        </a:blipFill>
+                      </a:tcPr>
                     </a:tc>
                     <a:extLst>
                       <a:ext uri="{0D108BD9-81ED-4DB2-BD59-A6C34878D82A}">
@@ -12649,10 +16289,17 @@
                         <a:bodyPr/>
                         <a:lstStyle/>
                         <a:p>
-                          <a:endParaRPr lang="en-US" dirty="0"/>
-                        </a:p>
-                      </a:txBody>
-                      <a:tcPr/>
+                          <a:endParaRPr lang="en-US"/>
+                        </a:p>
+                      </a:txBody>
+                      <a:tcPr>
+                        <a:blipFill>
+                          <a:blip r:embed="rId2"/>
+                          <a:stretch>
+                            <a:fillRect l="-59160" t="-478689" r="-573" b="-167213"/>
+                          </a:stretch>
+                        </a:blipFill>
+                      </a:tcPr>
                     </a:tc>
                     <a:extLst>
                       <a:ext uri="{0D108BD9-81ED-4DB2-BD59-A6C34878D82A}">
@@ -12660,7 +16307,7 @@
                       </a:ext>
                     </a:extLst>
                   </a:tr>
-                  <a:tr h="474843">
+                  <a:tr h="607378">
                     <a:tc>
                       <a:txBody>
                         <a:bodyPr/>
@@ -12673,7 +16320,7 @@
                         <a:blipFill>
                           <a:blip r:embed="rId2"/>
                           <a:stretch>
-                            <a:fillRect l="-324" t="-396154" r="-170550" b="-2564"/>
+                            <a:fillRect l="-324" t="-353000" r="-170550" b="-2000"/>
                           </a:stretch>
                         </a:blipFill>
                       </a:tcPr>
@@ -12683,27 +16330,17 @@
                         <a:bodyPr/>
                         <a:lstStyle/>
                         <a:p>
-                          <a:pPr marL="0" marR="0" lvl="0" indent="0" algn="l" defTabSz="914400" rtl="0" eaLnBrk="1" fontAlgn="auto" latinLnBrk="0" hangingPunct="1">
-                            <a:lnSpc>
-                              <a:spcPct val="100000"/>
-                            </a:lnSpc>
-                            <a:spcBef>
-                              <a:spcPts val="0"/>
-                            </a:spcBef>
-                            <a:spcAft>
-                              <a:spcPts val="0"/>
-                            </a:spcAft>
-                            <a:buClrTx/>
-                            <a:buSzTx/>
-                            <a:buFontTx/>
-                            <a:buNone/>
-                            <a:tabLst/>
-                            <a:defRPr/>
-                          </a:pPr>
-                          <a:endParaRPr lang="en-US" dirty="0"/>
-                        </a:p>
-                      </a:txBody>
-                      <a:tcPr/>
+                          <a:endParaRPr lang="en-US"/>
+                        </a:p>
+                      </a:txBody>
+                      <a:tcPr>
+                        <a:blipFill>
+                          <a:blip r:embed="rId2"/>
+                          <a:stretch>
+                            <a:fillRect l="-59160" t="-353000" r="-573" b="-2000"/>
+                          </a:stretch>
+                        </a:blipFill>
+                      </a:tcPr>
                     </a:tc>
                     <a:extLst>
                       <a:ext uri="{0D108BD9-81ED-4DB2-BD59-A6C34878D82A}">
@@ -13084,14 +16721,17 @@
           <a:p>
             <a:r>
               <a:rPr lang="en-US" b="1" dirty="0"/>
-              <a:t>Support Type:</a:t>
-            </a:r>
-            <a:endParaRPr lang="en-US" dirty="0"/>
+              <a:t>Support Type: </a:t>
+            </a:r>
+            <a:r>
+              <a:rPr lang="en-US" dirty="0"/>
+              <a:t>single variable, continuous</a:t>
+            </a:r>
           </a:p>
         </p:txBody>
       </p:sp>
-      <mc:AlternateContent xmlns:mc="http://schemas.openxmlformats.org/markup-compatibility/2006" xmlns:a14="http://schemas.microsoft.com/office/drawing/2010/main">
-        <mc:Choice Requires="a14">
+      <mc:AlternateContent xmlns:mc="http://schemas.openxmlformats.org/markup-compatibility/2006">
+        <mc:Choice xmlns:a14="http://schemas.microsoft.com/office/drawing/2010/main" Requires="a14">
           <p:graphicFrame>
             <p:nvGraphicFramePr>
               <p:cNvPr id="15" name="Table 15">
@@ -13107,14 +16747,14 @@
               <p:nvPr>
                 <p:extLst>
                   <p:ext uri="{D42A27DB-BD31-4B8C-83A1-F6EECF244321}">
-                    <p14:modId xmlns:p14="http://schemas.microsoft.com/office/powerpoint/2010/main" val="79939163"/>
+                    <p14:modId xmlns:p14="http://schemas.microsoft.com/office/powerpoint/2010/main" val="3711244208"/>
                   </p:ext>
                 </p:extLst>
               </p:nvPr>
             </p:nvGraphicFramePr>
             <p:xfrm>
               <a:off x="907624" y="2251102"/>
-              <a:ext cx="4106635" cy="1587363"/>
+              <a:ext cx="4106635" cy="2125894"/>
             </p:xfrm>
             <a:graphic>
               <a:graphicData uri="http://schemas.openxmlformats.org/drawingml/2006/table">
@@ -13138,7 +16778,7 @@
                       </a:extLst>
                     </a:gridCol>
                   </a:tblGrid>
-                  <a:tr h="370840">
+                  <a:tr h="507596">
                     <a:tc>
                       <a:txBody>
                         <a:bodyPr/>
@@ -13150,7 +16790,7 @@
                                 <a:schemeClr val="tx1"/>
                               </a:solidFill>
                             </a:rPr>
-                            <a:t>PMF</a:t>
+                            <a:t>PDF</a:t>
                           </a:r>
                         </a:p>
                       </a:txBody>
@@ -13191,6 +16831,85 @@
                         <a:bodyPr/>
                         <a:lstStyle/>
                         <a:p>
+                          <a14:m>
+                            <m:oMathPara xmlns:m="http://schemas.openxmlformats.org/officeDocument/2006/math">
+                              <m:oMathParaPr>
+                                <m:jc m:val="centerGroup"/>
+                              </m:oMathParaPr>
+                              <m:oMath xmlns:m="http://schemas.openxmlformats.org/officeDocument/2006/math">
+                                <m:r>
+                                  <a:rPr lang="en-US" i="1" smtClean="0">
+                                    <a:latin typeface="Cambria Math" panose="02040503050406030204" pitchFamily="18" charset="0"/>
+                                    <a:ea typeface="Cambria Math" panose="02040503050406030204" pitchFamily="18" charset="0"/>
+                                  </a:rPr>
+                                  <m:t>𝛼</m:t>
+                                </m:r>
+                                <m:r>
+                                  <a:rPr lang="en-US" b="0" i="1" smtClean="0">
+                                    <a:latin typeface="Cambria Math" panose="02040503050406030204" pitchFamily="18" charset="0"/>
+                                    <a:ea typeface="Cambria Math" panose="02040503050406030204" pitchFamily="18" charset="0"/>
+                                  </a:rPr>
+                                  <m:t>&gt;0 (</m:t>
+                                </m:r>
+                                <m:r>
+                                  <a:rPr lang="en-US" b="0" i="1" smtClean="0">
+                                    <a:latin typeface="Cambria Math" panose="02040503050406030204" pitchFamily="18" charset="0"/>
+                                    <a:ea typeface="Cambria Math" panose="02040503050406030204" pitchFamily="18" charset="0"/>
+                                  </a:rPr>
+                                  <m:t>𝑠h𝑎𝑝𝑒</m:t>
+                                </m:r>
+                                <m:r>
+                                  <a:rPr lang="en-US" b="0" i="1" smtClean="0">
+                                    <a:latin typeface="Cambria Math" panose="02040503050406030204" pitchFamily="18" charset="0"/>
+                                    <a:ea typeface="Cambria Math" panose="02040503050406030204" pitchFamily="18" charset="0"/>
+                                  </a:rPr>
+                                  <m:t>)</m:t>
+                                </m:r>
+                              </m:oMath>
+                            </m:oMathPara>
+                          </a14:m>
+                          <a:endParaRPr lang="en-US" b="0" dirty="0">
+                            <a:ea typeface="Cambria Math" panose="02040503050406030204" pitchFamily="18" charset="0"/>
+                          </a:endParaRPr>
+                        </a:p>
+                        <a:p>
+                          <a14:m>
+                            <m:oMathPara xmlns:m="http://schemas.openxmlformats.org/officeDocument/2006/math">
+                              <m:oMathParaPr>
+                                <m:jc m:val="centerGroup"/>
+                              </m:oMathParaPr>
+                              <m:oMath xmlns:m="http://schemas.openxmlformats.org/officeDocument/2006/math">
+                                <m:r>
+                                  <a:rPr lang="en-US" i="1" smtClean="0">
+                                    <a:latin typeface="Cambria Math" panose="02040503050406030204" pitchFamily="18" charset="0"/>
+                                    <a:ea typeface="Cambria Math" panose="02040503050406030204" pitchFamily="18" charset="0"/>
+                                  </a:rPr>
+                                  <m:t>𝛽</m:t>
+                                </m:r>
+                                <m:r>
+                                  <a:rPr lang="en-US" b="0" i="1" smtClean="0">
+                                    <a:latin typeface="Cambria Math" panose="02040503050406030204" pitchFamily="18" charset="0"/>
+                                    <a:ea typeface="Cambria Math" panose="02040503050406030204" pitchFamily="18" charset="0"/>
+                                  </a:rPr>
+                                  <m:t>&gt;0 (</m:t>
+                                </m:r>
+                                <m:r>
+                                  <a:rPr lang="en-US" b="0" i="1" smtClean="0">
+                                    <a:latin typeface="Cambria Math" panose="02040503050406030204" pitchFamily="18" charset="0"/>
+                                    <a:ea typeface="Cambria Math" panose="02040503050406030204" pitchFamily="18" charset="0"/>
+                                  </a:rPr>
+                                  <m:t>𝑟𝑎𝑡𝑒</m:t>
+                                </m:r>
+                                <m:r>
+                                  <a:rPr lang="en-US" b="0" i="1" smtClean="0">
+                                    <a:latin typeface="Cambria Math" panose="02040503050406030204" pitchFamily="18" charset="0"/>
+                                    <a:ea typeface="Cambria Math" panose="02040503050406030204" pitchFamily="18" charset="0"/>
+                                  </a:rPr>
+                                  <m:t>)</m:t>
+                                </m:r>
+                              </m:oMath>
+                            </m:oMathPara>
+                          </a14:m>
                           <a:endParaRPr lang="en-US" dirty="0"/>
                         </a:p>
                       </a:txBody>
@@ -13221,6 +16940,41 @@
                         <a:bodyPr/>
                         <a:lstStyle/>
                         <a:p>
+                          <a14:m>
+                            <m:oMathPara xmlns:m="http://schemas.openxmlformats.org/officeDocument/2006/math">
+                              <m:oMathParaPr>
+                                <m:jc m:val="centerGroup"/>
+                              </m:oMathParaPr>
+                              <m:oMath xmlns:m="http://schemas.openxmlformats.org/officeDocument/2006/math">
+                                <m:r>
+                                  <a:rPr lang="en-US" b="0" i="1" smtClean="0">
+                                    <a:latin typeface="Cambria Math" panose="02040503050406030204" pitchFamily="18" charset="0"/>
+                                  </a:rPr>
+                                  <m:t>𝑥</m:t>
+                                </m:r>
+                                <m:r>
+                                  <a:rPr lang="en-US" b="0" i="1" smtClean="0">
+                                    <a:latin typeface="Cambria Math" panose="02040503050406030204" pitchFamily="18" charset="0"/>
+                                  </a:rPr>
+                                  <m:t> </m:t>
+                                </m:r>
+                                <m:r>
+                                  <a:rPr lang="en-US" b="0" i="1" smtClean="0">
+                                    <a:latin typeface="Cambria Math" panose="02040503050406030204" pitchFamily="18" charset="0"/>
+                                    <a:ea typeface="Cambria Math" panose="02040503050406030204" pitchFamily="18" charset="0"/>
+                                  </a:rPr>
+                                  <m:t>𝜖</m:t>
+                                </m:r>
+                                <m:r>
+                                  <a:rPr lang="en-US" b="0" i="1" smtClean="0">
+                                    <a:latin typeface="Cambria Math" panose="02040503050406030204" pitchFamily="18" charset="0"/>
+                                    <a:ea typeface="Cambria Math" panose="02040503050406030204" pitchFamily="18" charset="0"/>
+                                  </a:rPr>
+                                  <m:t> (0, ∞)</m:t>
+                                </m:r>
+                              </m:oMath>
+                            </m:oMathPara>
+                          </a14:m>
                           <a:endParaRPr lang="en-US" dirty="0"/>
                         </a:p>
                       </a:txBody>
@@ -13294,6 +17048,42 @@
                             <a:tabLst/>
                             <a:defRPr/>
                           </a:pPr>
+                          <a14:m>
+                            <m:oMathPara xmlns:m="http://schemas.openxmlformats.org/officeDocument/2006/math">
+                              <m:oMathParaPr>
+                                <m:jc m:val="centerGroup"/>
+                              </m:oMathParaPr>
+                              <m:oMath xmlns:m="http://schemas.openxmlformats.org/officeDocument/2006/math">
+                                <m:f>
+                                  <m:fPr>
+                                    <m:ctrlPr>
+                                      <a:rPr lang="en-US" i="1" smtClean="0">
+                                        <a:latin typeface="Cambria Math" panose="02040503050406030204" pitchFamily="18" charset="0"/>
+                                      </a:rPr>
+                                    </m:ctrlPr>
+                                  </m:fPr>
+                                  <m:num>
+                                    <m:r>
+                                      <a:rPr lang="en-US" i="1" smtClean="0">
+                                        <a:latin typeface="Cambria Math" panose="02040503050406030204" pitchFamily="18" charset="0"/>
+                                        <a:ea typeface="Cambria Math" panose="02040503050406030204" pitchFamily="18" charset="0"/>
+                                      </a:rPr>
+                                      <m:t>𝛼</m:t>
+                                    </m:r>
+                                  </m:num>
+                                  <m:den>
+                                    <m:r>
+                                      <a:rPr lang="en-US" i="1" smtClean="0">
+                                        <a:latin typeface="Cambria Math" panose="02040503050406030204" pitchFamily="18" charset="0"/>
+                                        <a:ea typeface="Cambria Math" panose="02040503050406030204" pitchFamily="18" charset="0"/>
+                                      </a:rPr>
+                                      <m:t>𝛽</m:t>
+                                    </m:r>
+                                  </m:den>
+                                </m:f>
+                              </m:oMath>
+                            </m:oMathPara>
+                          </a14:m>
                           <a:endParaRPr lang="en-US" dirty="0"/>
                         </a:p>
                       </a:txBody>
@@ -13310,7 +17100,7 @@
             </a:graphic>
           </p:graphicFrame>
         </mc:Choice>
-        <mc:Fallback xmlns="">
+        <mc:Fallback>
           <p:graphicFrame>
             <p:nvGraphicFramePr>
               <p:cNvPr id="15" name="Table 15">
@@ -13326,14 +17116,14 @@
               <p:nvPr>
                 <p:extLst>
                   <p:ext uri="{D42A27DB-BD31-4B8C-83A1-F6EECF244321}">
-                    <p14:modId xmlns:p14="http://schemas.microsoft.com/office/powerpoint/2010/main" val="79939163"/>
+                    <p14:modId xmlns:p14="http://schemas.microsoft.com/office/powerpoint/2010/main" val="3711244208"/>
                   </p:ext>
                 </p:extLst>
               </p:nvPr>
             </p:nvGraphicFramePr>
             <p:xfrm>
               <a:off x="907624" y="2251102"/>
-              <a:ext cx="4106635" cy="1587363"/>
+              <a:ext cx="4106635" cy="2125894"/>
             </p:xfrm>
             <a:graphic>
               <a:graphicData uri="http://schemas.openxmlformats.org/drawingml/2006/table">
@@ -13357,7 +17147,7 @@
                       </a:extLst>
                     </a:gridCol>
                   </a:tblGrid>
-                  <a:tr h="370840">
+                  <a:tr h="507596">
                     <a:tc>
                       <a:txBody>
                         <a:bodyPr/>
@@ -13369,7 +17159,7 @@
                                 <a:schemeClr val="tx1"/>
                               </a:solidFill>
                             </a:rPr>
-                            <a:t>PMF</a:t>
+                            <a:t>PDF</a:t>
                           </a:r>
                         </a:p>
                       </a:txBody>
@@ -13391,7 +17181,7 @@
                       </a:ext>
                     </a:extLst>
                   </a:tr>
-                  <a:tr h="370840">
+                  <a:tr h="640080">
                     <a:tc>
                       <a:txBody>
                         <a:bodyPr/>
@@ -13410,10 +17200,17 @@
                         <a:bodyPr/>
                         <a:lstStyle/>
                         <a:p>
-                          <a:endParaRPr lang="en-US" dirty="0"/>
-                        </a:p>
-                      </a:txBody>
-                      <a:tcPr/>
+                          <a:endParaRPr lang="en-US"/>
+                        </a:p>
+                      </a:txBody>
+                      <a:tcPr>
+                        <a:blipFill>
+                          <a:blip r:embed="rId2"/>
+                          <a:stretch>
+                            <a:fillRect l="-59434" t="-84762" r="-708" b="-155238"/>
+                          </a:stretch>
+                        </a:blipFill>
+                      </a:tcPr>
                     </a:tc>
                     <a:extLst>
                       <a:ext uri="{0D108BD9-81ED-4DB2-BD59-A6C34878D82A}">
@@ -13440,10 +17237,17 @@
                         <a:bodyPr/>
                         <a:lstStyle/>
                         <a:p>
-                          <a:endParaRPr lang="en-US" dirty="0"/>
-                        </a:p>
-                      </a:txBody>
-                      <a:tcPr/>
+                          <a:endParaRPr lang="en-US"/>
+                        </a:p>
+                      </a:txBody>
+                      <a:tcPr>
+                        <a:blipFill>
+                          <a:blip r:embed="rId2"/>
+                          <a:stretch>
+                            <a:fillRect l="-59434" t="-318033" r="-708" b="-167213"/>
+                          </a:stretch>
+                        </a:blipFill>
+                      </a:tcPr>
                     </a:tc>
                     <a:extLst>
                       <a:ext uri="{0D108BD9-81ED-4DB2-BD59-A6C34878D82A}">
@@ -13451,7 +17255,7 @@
                       </a:ext>
                     </a:extLst>
                   </a:tr>
-                  <a:tr h="474843">
+                  <a:tr h="607378">
                     <a:tc>
                       <a:txBody>
                         <a:bodyPr/>
@@ -13464,7 +17268,7 @@
                         <a:blipFill>
                           <a:blip r:embed="rId2"/>
                           <a:stretch>
-                            <a:fillRect l="-398" t="-241026" r="-170120" b="-2564"/>
+                            <a:fillRect l="-398" t="-255000" r="-170120" b="-2000"/>
                           </a:stretch>
                         </a:blipFill>
                       </a:tcPr>
@@ -13474,27 +17278,17 @@
                         <a:bodyPr/>
                         <a:lstStyle/>
                         <a:p>
-                          <a:pPr marL="0" marR="0" lvl="0" indent="0" algn="l" defTabSz="914400" rtl="0" eaLnBrk="1" fontAlgn="auto" latinLnBrk="0" hangingPunct="1">
-                            <a:lnSpc>
-                              <a:spcPct val="100000"/>
-                            </a:lnSpc>
-                            <a:spcBef>
-                              <a:spcPts val="0"/>
-                            </a:spcBef>
-                            <a:spcAft>
-                              <a:spcPts val="0"/>
-                            </a:spcAft>
-                            <a:buClrTx/>
-                            <a:buSzTx/>
-                            <a:buFontTx/>
-                            <a:buNone/>
-                            <a:tabLst/>
-                            <a:defRPr/>
-                          </a:pPr>
-                          <a:endParaRPr lang="en-US" dirty="0"/>
-                        </a:p>
-                      </a:txBody>
-                      <a:tcPr/>
+                          <a:endParaRPr lang="en-US"/>
+                        </a:p>
+                      </a:txBody>
+                      <a:tcPr>
+                        <a:blipFill>
+                          <a:blip r:embed="rId2"/>
+                          <a:stretch>
+                            <a:fillRect l="-59434" t="-255000" r="-708" b="-2000"/>
+                          </a:stretch>
+                        </a:blipFill>
+                      </a:tcPr>
                     </a:tc>
                     <a:extLst>
                       <a:ext uri="{0D108BD9-81ED-4DB2-BD59-A6C34878D82A}">
@@ -13579,7 +17373,7 @@
         <p:spPr>
           <a:xfrm>
             <a:off x="908424" y="4446494"/>
-            <a:ext cx="4147670" cy="923330"/>
+            <a:ext cx="4147670" cy="1661993"/>
           </a:xfrm>
           <a:prstGeom prst="rect">
             <a:avLst/>
@@ -13599,21 +17393,78 @@
           <a:p>
             <a:r>
               <a:rPr lang="en-US" b="1" dirty="0"/>
-              <a:t>Typical Uses:</a:t>
-            </a:r>
-          </a:p>
-          <a:p>
-            <a:pPr marL="285750" indent="-285750">
-              <a:buFontTx/>
-              <a:buChar char="-"/>
-            </a:pPr>
-            <a:endParaRPr lang="en-US" dirty="0"/>
-          </a:p>
-          <a:p>
-            <a:pPr marL="285750" indent="-285750">
-              <a:buFontTx/>
-              <a:buChar char="-"/>
-            </a:pPr>
+              <a:t>Typical Uses: </a:t>
+            </a:r>
+            <a:r>
+              <a:rPr lang="en-US" sz="1400" b="1" dirty="0"/>
+              <a:t>“</a:t>
+            </a:r>
+            <a:r>
+              <a:rPr lang="en-US" sz="1400" dirty="0"/>
+              <a:t>in </a:t>
+            </a:r>
+            <a:r>
+              <a:rPr lang="en-US" sz="1400" dirty="0">
+                <a:hlinkClick r:id="rId3" tooltip="Bayesian statistics"/>
+              </a:rPr>
+              <a:t>Bayesian statistics</a:t>
+            </a:r>
+            <a:r>
+              <a:rPr lang="en-US" sz="1400" dirty="0"/>
+              <a:t>, where the gamma distribution is used as a </a:t>
+            </a:r>
+            <a:r>
+              <a:rPr lang="en-US" sz="1400" dirty="0">
+                <a:hlinkClick r:id="rId4" tooltip="Conjugate prior"/>
+              </a:rPr>
+              <a:t>conjugate prior</a:t>
+            </a:r>
+            <a:r>
+              <a:rPr lang="en-US" sz="1400" dirty="0"/>
+              <a:t> distribution for various types of inverse scale (rate) parameters, such as the </a:t>
+            </a:r>
+            <a:r>
+              <a:rPr lang="en-US" sz="1400" i="1" dirty="0"/>
+              <a:t>λ</a:t>
+            </a:r>
+            <a:r>
+              <a:rPr lang="en-US" sz="1400" dirty="0"/>
+              <a:t> of an </a:t>
+            </a:r>
+            <a:r>
+              <a:rPr lang="en-US" sz="1400" dirty="0">
+                <a:hlinkClick r:id="rId5" tooltip="Exponential distribution"/>
+              </a:rPr>
+              <a:t>exponential distribution</a:t>
+            </a:r>
+            <a:r>
+              <a:rPr lang="en-US" sz="1400" dirty="0"/>
+              <a:t> or a </a:t>
+            </a:r>
+            <a:r>
+              <a:rPr lang="en-US" sz="1400" dirty="0">
+                <a:hlinkClick r:id="rId6" tooltip="Poisson distribution"/>
+              </a:rPr>
+              <a:t>Poisson distribution</a:t>
+            </a:r>
+            <a:r>
+              <a:rPr lang="en-US" sz="1400" baseline="30000" dirty="0">
+                <a:hlinkClick r:id="rId7"/>
+              </a:rPr>
+              <a:t>[3]</a:t>
+            </a:r>
+            <a:r>
+              <a:rPr lang="en-US" sz="1400" dirty="0"/>
+              <a:t> – or for that matter, the </a:t>
+            </a:r>
+            <a:r>
+              <a:rPr lang="en-US" sz="1400" i="1" dirty="0"/>
+              <a:t>β</a:t>
+            </a:r>
+            <a:r>
+              <a:rPr lang="en-US" sz="1400" dirty="0"/>
+              <a:t> of the gamma distribution itself.” (Wikipedia)</a:t>
+            </a:r>
             <a:endParaRPr lang="en-US" dirty="0"/>
           </a:p>
         </p:txBody>
@@ -13648,10 +17499,16 @@
           <a:p>
             <a:r>
               <a:rPr lang="en-US" sz="1000" b="1" dirty="0"/>
-              <a:t>Resources:</a:t>
+              <a:t>Resources: </a:t>
+            </a:r>
+            <a:r>
+              <a:rPr lang="en-US" sz="1000" dirty="0">
+                <a:hlinkClick r:id="rId8"/>
+              </a:rPr>
+              <a:t>Gamma distribution - Wikipedia</a:t>
             </a:r>
             <a:endParaRPr lang="en-US" sz="1000" b="1" dirty="0">
-              <a:hlinkClick r:id="rId3"/>
+              <a:hlinkClick r:id="rId9"/>
             </a:endParaRPr>
           </a:p>
           <a:p>
@@ -13697,10 +17554,10 @@
       </p:sp>
       <p:pic>
         <p:nvPicPr>
-          <p:cNvPr id="8" name="Picture 7">
+          <p:cNvPr id="9" name="Picture 8">
             <a:extLst>
               <a:ext uri="{FF2B5EF4-FFF2-40B4-BE49-F238E27FC236}">
-                <a16:creationId xmlns:a16="http://schemas.microsoft.com/office/drawing/2014/main" id="{C2E36CB9-2B5A-4EA0-813B-3CCFC50CA4E3}"/>
+                <a16:creationId xmlns:a16="http://schemas.microsoft.com/office/drawing/2014/main" id="{F2DFFDCE-860A-4811-B4AD-5F199930B53F}"/>
               </a:ext>
             </a:extLst>
           </p:cNvPr>
@@ -13710,15 +17567,45 @@
           <p:nvPr/>
         </p:nvPicPr>
         <p:blipFill>
-          <a:blip r:embed="rId4"/>
+          <a:blip r:embed="rId10"/>
           <a:stretch>
             <a:fillRect/>
           </a:stretch>
         </p:blipFill>
         <p:spPr>
           <a:xfrm>
-            <a:off x="6622929" y="1406563"/>
-            <a:ext cx="4721452" cy="4685226"/>
+            <a:off x="6719611" y="1481415"/>
+            <a:ext cx="4528087" cy="4539879"/>
+          </a:xfrm>
+          <a:prstGeom prst="rect">
+            <a:avLst/>
+          </a:prstGeom>
+        </p:spPr>
+      </p:pic>
+      <p:pic>
+        <p:nvPicPr>
+          <p:cNvPr id="10" name="Picture 9">
+            <a:extLst>
+              <a:ext uri="{FF2B5EF4-FFF2-40B4-BE49-F238E27FC236}">
+                <a16:creationId xmlns:a16="http://schemas.microsoft.com/office/drawing/2014/main" id="{EA671A03-540A-48CA-A94E-45AF78E7CA3F}"/>
+              </a:ext>
+            </a:extLst>
+          </p:cNvPr>
+          <p:cNvPicPr>
+            <a:picLocks noChangeAspect="1"/>
+          </p:cNvPicPr>
+          <p:nvPr/>
+        </p:nvPicPr>
+        <p:blipFill>
+          <a:blip r:embed="rId11"/>
+          <a:stretch>
+            <a:fillRect/>
+          </a:stretch>
+        </p:blipFill>
+        <p:spPr>
+          <a:xfrm>
+            <a:off x="2666032" y="2276070"/>
+            <a:ext cx="1714500" cy="447675"/>
           </a:xfrm>
           <a:prstGeom prst="rect">
             <a:avLst/>
@@ -13823,14 +17710,17 @@
           <a:p>
             <a:r>
               <a:rPr lang="en-US" b="1" dirty="0"/>
-              <a:t>Support Type:</a:t>
-            </a:r>
-            <a:endParaRPr lang="en-US" dirty="0"/>
+              <a:t>Support Type: </a:t>
+            </a:r>
+            <a:r>
+              <a:rPr lang="en-US" dirty="0"/>
+              <a:t>single variable, continuous</a:t>
+            </a:r>
           </a:p>
         </p:txBody>
       </p:sp>
-      <mc:AlternateContent xmlns:mc="http://schemas.openxmlformats.org/markup-compatibility/2006" xmlns:a14="http://schemas.microsoft.com/office/drawing/2010/main">
-        <mc:Choice Requires="a14">
+      <mc:AlternateContent xmlns:mc="http://schemas.openxmlformats.org/markup-compatibility/2006">
+        <mc:Choice xmlns:a14="http://schemas.microsoft.com/office/drawing/2010/main" Requires="a14">
           <p:graphicFrame>
             <p:nvGraphicFramePr>
               <p:cNvPr id="15" name="Table 15">
@@ -13846,14 +17736,14 @@
               <p:nvPr>
                 <p:extLst>
                   <p:ext uri="{D42A27DB-BD31-4B8C-83A1-F6EECF244321}">
-                    <p14:modId xmlns:p14="http://schemas.microsoft.com/office/powerpoint/2010/main" val="3394622675"/>
+                    <p14:modId xmlns:p14="http://schemas.microsoft.com/office/powerpoint/2010/main" val="2810865113"/>
                   </p:ext>
                 </p:extLst>
               </p:nvPr>
             </p:nvGraphicFramePr>
             <p:xfrm>
               <a:off x="907624" y="2251102"/>
-              <a:ext cx="4106635" cy="1587363"/>
+              <a:ext cx="4106635" cy="2156092"/>
             </p:xfrm>
             <a:graphic>
               <a:graphicData uri="http://schemas.openxmlformats.org/drawingml/2006/table">
@@ -13877,7 +17767,7 @@
                       </a:extLst>
                     </a:gridCol>
                   </a:tblGrid>
-                  <a:tr h="370840">
+                  <a:tr h="670329">
                     <a:tc>
                       <a:txBody>
                         <a:bodyPr/>
@@ -13889,7 +17779,7 @@
                                 <a:schemeClr val="tx1"/>
                               </a:solidFill>
                             </a:rPr>
-                            <a:t>PMF</a:t>
+                            <a:t>PDF</a:t>
                           </a:r>
                         </a:p>
                       </a:txBody>
@@ -13930,6 +17820,180 @@
                         <a:bodyPr/>
                         <a:lstStyle/>
                         <a:p>
+                          <a14:m>
+                            <m:oMathPara xmlns:m="http://schemas.openxmlformats.org/officeDocument/2006/math">
+                              <m:oMathParaPr>
+                                <m:jc m:val="centerGroup"/>
+                              </m:oMathParaPr>
+                              <m:oMath xmlns:m="http://schemas.openxmlformats.org/officeDocument/2006/math">
+                                <m:r>
+                                  <a:rPr lang="en-US" i="1" smtClean="0">
+                                    <a:latin typeface="Cambria Math" panose="02040503050406030204" pitchFamily="18" charset="0"/>
+                                    <a:ea typeface="Cambria Math" panose="02040503050406030204" pitchFamily="18" charset="0"/>
+                                  </a:rPr>
+                                  <m:t>𝜇</m:t>
+                                </m:r>
+                                <m:r>
+                                  <a:rPr lang="en-US" b="0" i="1" smtClean="0">
+                                    <a:latin typeface="Cambria Math" panose="02040503050406030204" pitchFamily="18" charset="0"/>
+                                    <a:ea typeface="Cambria Math" panose="02040503050406030204" pitchFamily="18" charset="0"/>
+                                  </a:rPr>
+                                  <m:t> </m:t>
+                                </m:r>
+                                <m:r>
+                                  <a:rPr lang="en-US" b="0" i="1" smtClean="0">
+                                    <a:latin typeface="Cambria Math" panose="02040503050406030204" pitchFamily="18" charset="0"/>
+                                    <a:ea typeface="Cambria Math" panose="02040503050406030204" pitchFamily="18" charset="0"/>
+                                  </a:rPr>
+                                  <m:t>𝜖</m:t>
+                                </m:r>
+                                <m:r>
+                                  <a:rPr lang="en-US" b="0" i="1" smtClean="0">
+                                    <a:latin typeface="Cambria Math" panose="02040503050406030204" pitchFamily="18" charset="0"/>
+                                    <a:ea typeface="Cambria Math" panose="02040503050406030204" pitchFamily="18" charset="0"/>
+                                  </a:rPr>
+                                  <m:t> </m:t>
+                                </m:r>
+                                <m:r>
+                                  <a:rPr lang="en-US" b="0" i="1" smtClean="0">
+                                    <a:latin typeface="Cambria Math" panose="02040503050406030204" pitchFamily="18" charset="0"/>
+                                    <a:ea typeface="Cambria Math" panose="02040503050406030204" pitchFamily="18" charset="0"/>
+                                  </a:rPr>
+                                  <m:t>ℝ</m:t>
+                                </m:r>
+                                <m:r>
+                                  <a:rPr lang="en-US" b="0" i="1" smtClean="0">
+                                    <a:latin typeface="Cambria Math" panose="02040503050406030204" pitchFamily="18" charset="0"/>
+                                    <a:ea typeface="Cambria Math" panose="02040503050406030204" pitchFamily="18" charset="0"/>
+                                  </a:rPr>
+                                  <m:t> (</m:t>
+                                </m:r>
+                                <m:r>
+                                  <a:rPr lang="en-US" b="0" i="1" smtClean="0">
+                                    <a:latin typeface="Cambria Math" panose="02040503050406030204" pitchFamily="18" charset="0"/>
+                                    <a:ea typeface="Cambria Math" panose="02040503050406030204" pitchFamily="18" charset="0"/>
+                                  </a:rPr>
+                                  <m:t>𝑚𝑒𝑎𝑛</m:t>
+                                </m:r>
+                                <m:r>
+                                  <a:rPr lang="en-US" b="0" i="1" smtClean="0">
+                                    <a:latin typeface="Cambria Math" panose="02040503050406030204" pitchFamily="18" charset="0"/>
+                                    <a:ea typeface="Cambria Math" panose="02040503050406030204" pitchFamily="18" charset="0"/>
+                                  </a:rPr>
+                                  <m:t>)</m:t>
+                                </m:r>
+                              </m:oMath>
+                            </m:oMathPara>
+                          </a14:m>
+                          <a:endParaRPr lang="en-US" b="0" dirty="0">
+                            <a:ea typeface="Cambria Math" panose="02040503050406030204" pitchFamily="18" charset="0"/>
+                          </a:endParaRPr>
+                        </a:p>
+                        <a:p>
+                          <a14:m>
+                            <m:oMathPara xmlns:m="http://schemas.openxmlformats.org/officeDocument/2006/math">
+                              <m:oMathParaPr>
+                                <m:jc m:val="centerGroup"/>
+                              </m:oMathParaPr>
+                              <m:oMath xmlns:m="http://schemas.openxmlformats.org/officeDocument/2006/math">
+                                <m:sSup>
+                                  <m:sSupPr>
+                                    <m:ctrlPr>
+                                      <a:rPr lang="en-US" i="1" smtClean="0">
+                                        <a:latin typeface="Cambria Math" panose="02040503050406030204" pitchFamily="18" charset="0"/>
+                                      </a:rPr>
+                                    </m:ctrlPr>
+                                  </m:sSupPr>
+                                  <m:e>
+                                    <m:r>
+                                      <a:rPr lang="en-US" i="1" smtClean="0">
+                                        <a:latin typeface="Cambria Math" panose="02040503050406030204" pitchFamily="18" charset="0"/>
+                                        <a:ea typeface="Cambria Math" panose="02040503050406030204" pitchFamily="18" charset="0"/>
+                                      </a:rPr>
+                                      <m:t>𝜎</m:t>
+                                    </m:r>
+                                  </m:e>
+                                  <m:sup>
+                                    <m:r>
+                                      <a:rPr lang="en-US" b="0" i="1" smtClean="0">
+                                        <a:latin typeface="Cambria Math" panose="02040503050406030204" pitchFamily="18" charset="0"/>
+                                      </a:rPr>
+                                      <m:t>2</m:t>
+                                    </m:r>
+                                  </m:sup>
+                                </m:sSup>
+                                <m:r>
+                                  <a:rPr lang="en-US" b="0" i="1" smtClean="0">
+                                    <a:latin typeface="Cambria Math" panose="02040503050406030204" pitchFamily="18" charset="0"/>
+                                  </a:rPr>
+                                  <m:t> </m:t>
+                                </m:r>
+                                <m:r>
+                                  <a:rPr lang="en-US" b="0" i="1" smtClean="0">
+                                    <a:latin typeface="Cambria Math" panose="02040503050406030204" pitchFamily="18" charset="0"/>
+                                    <a:ea typeface="Cambria Math" panose="02040503050406030204" pitchFamily="18" charset="0"/>
+                                  </a:rPr>
+                                  <m:t>𝜖</m:t>
+                                </m:r>
+                                <m:r>
+                                  <a:rPr lang="en-US" b="0" i="1" smtClean="0">
+                                    <a:latin typeface="Cambria Math" panose="02040503050406030204" pitchFamily="18" charset="0"/>
+                                    <a:ea typeface="Cambria Math" panose="02040503050406030204" pitchFamily="18" charset="0"/>
+                                  </a:rPr>
+                                  <m:t> </m:t>
+                                </m:r>
+                                <m:sSub>
+                                  <m:sSubPr>
+                                    <m:ctrlPr>
+                                      <a:rPr lang="en-US" b="0" i="1" smtClean="0">
+                                        <a:latin typeface="Cambria Math" panose="02040503050406030204" pitchFamily="18" charset="0"/>
+                                        <a:ea typeface="Cambria Math" panose="02040503050406030204" pitchFamily="18" charset="0"/>
+                                      </a:rPr>
+                                    </m:ctrlPr>
+                                  </m:sSubPr>
+                                  <m:e>
+                                    <m:r>
+                                      <a:rPr lang="en-US" b="0" i="1" smtClean="0">
+                                        <a:latin typeface="Cambria Math" panose="02040503050406030204" pitchFamily="18" charset="0"/>
+                                        <a:ea typeface="Cambria Math" panose="02040503050406030204" pitchFamily="18" charset="0"/>
+                                      </a:rPr>
+                                      <m:t>ℝ</m:t>
+                                    </m:r>
+                                  </m:e>
+                                  <m:sub>
+                                    <m:r>
+                                      <a:rPr lang="en-US" b="0" i="1" smtClean="0">
+                                        <a:latin typeface="Cambria Math" panose="02040503050406030204" pitchFamily="18" charset="0"/>
+                                        <a:ea typeface="Cambria Math" panose="02040503050406030204" pitchFamily="18" charset="0"/>
+                                      </a:rPr>
+                                      <m:t>&gt;0</m:t>
+                                    </m:r>
+                                  </m:sub>
+                                </m:sSub>
+                                <m:r>
+                                  <a:rPr lang="en-US" b="0" i="1" smtClean="0">
+                                    <a:latin typeface="Cambria Math" panose="02040503050406030204" pitchFamily="18" charset="0"/>
+                                    <a:ea typeface="Cambria Math" panose="02040503050406030204" pitchFamily="18" charset="0"/>
+                                  </a:rPr>
+                                  <m:t> (</m:t>
+                                </m:r>
+                                <m:r>
+                                  <a:rPr lang="en-US" b="0" i="1" smtClean="0">
+                                    <a:latin typeface="Cambria Math" panose="02040503050406030204" pitchFamily="18" charset="0"/>
+                                    <a:ea typeface="Cambria Math" panose="02040503050406030204" pitchFamily="18" charset="0"/>
+                                  </a:rPr>
+                                  <m:t>𝑣𝑎𝑟𝑖𝑎𝑛𝑐𝑒</m:t>
+                                </m:r>
+                                <m:r>
+                                  <a:rPr lang="en-US" b="0" i="1" smtClean="0">
+                                    <a:latin typeface="Cambria Math" panose="02040503050406030204" pitchFamily="18" charset="0"/>
+                                    <a:ea typeface="Cambria Math" panose="02040503050406030204" pitchFamily="18" charset="0"/>
+                                  </a:rPr>
+                                  <m:t>)</m:t>
+                                </m:r>
+                              </m:oMath>
+                            </m:oMathPara>
+                          </a14:m>
                           <a:endParaRPr lang="en-US" dirty="0"/>
                         </a:p>
                       </a:txBody>
@@ -13960,6 +18024,54 @@
                         <a:bodyPr/>
                         <a:lstStyle/>
                         <a:p>
+                          <a14:m>
+                            <m:oMathPara xmlns:m="http://schemas.openxmlformats.org/officeDocument/2006/math">
+                              <m:oMathParaPr>
+                                <m:jc m:val="centerGroup"/>
+                              </m:oMathParaPr>
+                              <m:oMath xmlns:m="http://schemas.openxmlformats.org/officeDocument/2006/math">
+                                <m:r>
+                                  <a:rPr lang="en-US" b="0" i="1" smtClean="0">
+                                    <a:latin typeface="Cambria Math" panose="02040503050406030204" pitchFamily="18" charset="0"/>
+                                  </a:rPr>
+                                  <m:t> </m:t>
+                                </m:r>
+                                <m:r>
+                                  <a:rPr lang="en-US" b="0" i="1" smtClean="0">
+                                    <a:latin typeface="Cambria Math" panose="02040503050406030204" pitchFamily="18" charset="0"/>
+                                  </a:rPr>
+                                  <m:t>𝑘</m:t>
+                                </m:r>
+                                <m:r>
+                                  <a:rPr lang="en-US" b="0" i="1" smtClean="0">
+                                    <a:latin typeface="Cambria Math" panose="02040503050406030204" pitchFamily="18" charset="0"/>
+                                  </a:rPr>
+                                  <m:t> </m:t>
+                                </m:r>
+                                <m:r>
+                                  <a:rPr lang="en-US" b="0" i="1" smtClean="0">
+                                    <a:latin typeface="Cambria Math" panose="02040503050406030204" pitchFamily="18" charset="0"/>
+                                    <a:ea typeface="Cambria Math" panose="02040503050406030204" pitchFamily="18" charset="0"/>
+                                  </a:rPr>
+                                  <m:t>𝜖</m:t>
+                                </m:r>
+                                <m:r>
+                                  <a:rPr lang="en-US" b="0" i="1" smtClean="0">
+                                    <a:latin typeface="Cambria Math" panose="02040503050406030204" pitchFamily="18" charset="0"/>
+                                    <a:ea typeface="Cambria Math" panose="02040503050406030204" pitchFamily="18" charset="0"/>
+                                  </a:rPr>
+                                  <m:t> </m:t>
+                                </m:r>
+                                <m:r>
+                                  <a:rPr lang="en-US" b="0" i="1" smtClean="0">
+                                    <a:latin typeface="Cambria Math" panose="02040503050406030204" pitchFamily="18" charset="0"/>
+                                    <a:ea typeface="Cambria Math" panose="02040503050406030204" pitchFamily="18" charset="0"/>
+                                  </a:rPr>
+                                  <m:t>ℝ</m:t>
+                                </m:r>
+                              </m:oMath>
+                            </m:oMathPara>
+                          </a14:m>
                           <a:endParaRPr lang="en-US" dirty="0"/>
                         </a:p>
                       </a:txBody>
@@ -14033,6 +18145,22 @@
                             <a:tabLst/>
                             <a:defRPr/>
                           </a:pPr>
+                          <a14:m>
+                            <m:oMathPara xmlns:m="http://schemas.openxmlformats.org/officeDocument/2006/math">
+                              <m:oMathParaPr>
+                                <m:jc m:val="centerGroup"/>
+                              </m:oMathParaPr>
+                              <m:oMath xmlns:m="http://schemas.openxmlformats.org/officeDocument/2006/math">
+                                <m:r>
+                                  <a:rPr lang="en-US" i="1" smtClean="0">
+                                    <a:latin typeface="Cambria Math" panose="02040503050406030204" pitchFamily="18" charset="0"/>
+                                    <a:ea typeface="Cambria Math" panose="02040503050406030204" pitchFamily="18" charset="0"/>
+                                  </a:rPr>
+                                  <m:t>𝜇</m:t>
+                                </m:r>
+                              </m:oMath>
+                            </m:oMathPara>
+                          </a14:m>
                           <a:endParaRPr lang="en-US" dirty="0"/>
                         </a:p>
                       </a:txBody>
@@ -14049,7 +18177,7 @@
             </a:graphic>
           </p:graphicFrame>
         </mc:Choice>
-        <mc:Fallback xmlns="">
+        <mc:Fallback>
           <p:graphicFrame>
             <p:nvGraphicFramePr>
               <p:cNvPr id="15" name="Table 15">
@@ -14065,14 +18193,14 @@
               <p:nvPr>
                 <p:extLst>
                   <p:ext uri="{D42A27DB-BD31-4B8C-83A1-F6EECF244321}">
-                    <p14:modId xmlns:p14="http://schemas.microsoft.com/office/powerpoint/2010/main" val="3394622675"/>
+                    <p14:modId xmlns:p14="http://schemas.microsoft.com/office/powerpoint/2010/main" val="2810865113"/>
                   </p:ext>
                 </p:extLst>
               </p:nvPr>
             </p:nvGraphicFramePr>
             <p:xfrm>
               <a:off x="907624" y="2251102"/>
-              <a:ext cx="4106635" cy="1587363"/>
+              <a:ext cx="4106635" cy="2156092"/>
             </p:xfrm>
             <a:graphic>
               <a:graphicData uri="http://schemas.openxmlformats.org/drawingml/2006/table">
@@ -14096,7 +18224,7 @@
                       </a:extLst>
                     </a:gridCol>
                   </a:tblGrid>
-                  <a:tr h="370840">
+                  <a:tr h="670329">
                     <a:tc>
                       <a:txBody>
                         <a:bodyPr/>
@@ -14108,7 +18236,7 @@
                                 <a:schemeClr val="tx1"/>
                               </a:solidFill>
                             </a:rPr>
-                            <a:t>PMF</a:t>
+                            <a:t>PDF</a:t>
                           </a:r>
                         </a:p>
                       </a:txBody>
@@ -14130,7 +18258,7 @@
                       </a:ext>
                     </a:extLst>
                   </a:tr>
-                  <a:tr h="370840">
+                  <a:tr h="640080">
                     <a:tc>
                       <a:txBody>
                         <a:bodyPr/>
@@ -14149,10 +18277,17 @@
                         <a:bodyPr/>
                         <a:lstStyle/>
                         <a:p>
-                          <a:endParaRPr lang="en-US" dirty="0"/>
-                        </a:p>
-                      </a:txBody>
-                      <a:tcPr/>
+                          <a:endParaRPr lang="en-US"/>
+                        </a:p>
+                      </a:txBody>
+                      <a:tcPr>
+                        <a:blipFill>
+                          <a:blip r:embed="rId2"/>
+                          <a:stretch>
+                            <a:fillRect l="-59434" t="-109524" r="-708" b="-135238"/>
+                          </a:stretch>
+                        </a:blipFill>
+                      </a:tcPr>
                     </a:tc>
                     <a:extLst>
                       <a:ext uri="{0D108BD9-81ED-4DB2-BD59-A6C34878D82A}">
@@ -14179,10 +18314,17 @@
                         <a:bodyPr/>
                         <a:lstStyle/>
                         <a:p>
-                          <a:endParaRPr lang="en-US" dirty="0"/>
-                        </a:p>
-                      </a:txBody>
-                      <a:tcPr/>
+                          <a:endParaRPr lang="en-US"/>
+                        </a:p>
+                      </a:txBody>
+                      <a:tcPr>
+                        <a:blipFill>
+                          <a:blip r:embed="rId2"/>
+                          <a:stretch>
+                            <a:fillRect l="-59434" t="-360656" r="-708" b="-132787"/>
+                          </a:stretch>
+                        </a:blipFill>
+                      </a:tcPr>
                     </a:tc>
                     <a:extLst>
                       <a:ext uri="{0D108BD9-81ED-4DB2-BD59-A6C34878D82A}">
@@ -14203,7 +18345,7 @@
                         <a:blipFill>
                           <a:blip r:embed="rId2"/>
                           <a:stretch>
-                            <a:fillRect l="-398" t="-241026" r="-170120" b="-2564"/>
+                            <a:fillRect l="-398" t="-360256" r="-170120" b="-3846"/>
                           </a:stretch>
                         </a:blipFill>
                       </a:tcPr>
@@ -14213,27 +18355,17 @@
                         <a:bodyPr/>
                         <a:lstStyle/>
                         <a:p>
-                          <a:pPr marL="0" marR="0" lvl="0" indent="0" algn="l" defTabSz="914400" rtl="0" eaLnBrk="1" fontAlgn="auto" latinLnBrk="0" hangingPunct="1">
-                            <a:lnSpc>
-                              <a:spcPct val="100000"/>
-                            </a:lnSpc>
-                            <a:spcBef>
-                              <a:spcPts val="0"/>
-                            </a:spcBef>
-                            <a:spcAft>
-                              <a:spcPts val="0"/>
-                            </a:spcAft>
-                            <a:buClrTx/>
-                            <a:buSzTx/>
-                            <a:buFontTx/>
-                            <a:buNone/>
-                            <a:tabLst/>
-                            <a:defRPr/>
-                          </a:pPr>
-                          <a:endParaRPr lang="en-US" dirty="0"/>
-                        </a:p>
-                      </a:txBody>
-                      <a:tcPr/>
+                          <a:endParaRPr lang="en-US"/>
+                        </a:p>
+                      </a:txBody>
+                      <a:tcPr>
+                        <a:blipFill>
+                          <a:blip r:embed="rId2"/>
+                          <a:stretch>
+                            <a:fillRect l="-59434" t="-360256" r="-708" b="-3846"/>
+                          </a:stretch>
+                        </a:blipFill>
+                      </a:tcPr>
                     </a:tc>
                     <a:extLst>
                       <a:ext uri="{0D108BD9-81ED-4DB2-BD59-A6C34878D82A}">
@@ -14318,7 +18450,7 @@
         <p:spPr>
           <a:xfrm>
             <a:off x="908424" y="4446494"/>
-            <a:ext cx="4147670" cy="923330"/>
+            <a:ext cx="4147670" cy="1231106"/>
           </a:xfrm>
           <a:prstGeom prst="rect">
             <a:avLst/>
@@ -14338,7 +18470,7 @@
           <a:p>
             <a:r>
               <a:rPr lang="en-US" b="1" dirty="0"/>
-              <a:t>Typical Uses:</a:t>
+              <a:t>Typical Uses: </a:t>
             </a:r>
           </a:p>
           <a:p>
@@ -14346,13 +18478,20 @@
               <a:buFontTx/>
               <a:buChar char="-"/>
             </a:pPr>
-            <a:endParaRPr lang="en-US" dirty="0"/>
+            <a:r>
+              <a:rPr lang="en-US" sz="1400" dirty="0"/>
+              <a:t>real-valued random variables where the distribution is not known.</a:t>
+            </a:r>
           </a:p>
           <a:p>
             <a:pPr marL="285750" indent="-285750">
               <a:buFontTx/>
               <a:buChar char="-"/>
             </a:pPr>
+            <a:r>
+              <a:rPr lang="en-US" sz="1400" dirty="0"/>
+              <a:t>Height and weight distributions in a general population.</a:t>
+            </a:r>
             <a:endParaRPr lang="en-US" dirty="0"/>
           </a:p>
         </p:txBody>
@@ -14372,7 +18511,7 @@
         <p:spPr>
           <a:xfrm>
             <a:off x="0" y="6317674"/>
-            <a:ext cx="12156141" cy="523220"/>
+            <a:ext cx="12156141" cy="677108"/>
           </a:xfrm>
           <a:prstGeom prst="rect">
             <a:avLst/>
@@ -14389,8 +18528,16 @@
               <a:rPr lang="en-US" sz="1000" b="1" dirty="0"/>
               <a:t>Resources:</a:t>
             </a:r>
+          </a:p>
+          <a:p>
+            <a:r>
+              <a:rPr lang="en-US" sz="1000" dirty="0">
+                <a:hlinkClick r:id="rId3"/>
+              </a:rPr>
+              <a:t>Normal distribution - Wikipedia</a:t>
+            </a:r>
             <a:endParaRPr lang="en-US" sz="1000" b="1" dirty="0">
-              <a:hlinkClick r:id="rId3"/>
+              <a:hlinkClick r:id="rId4"/>
             </a:endParaRPr>
           </a:p>
           <a:p>
@@ -14436,10 +18583,10 @@
       </p:sp>
       <p:pic>
         <p:nvPicPr>
-          <p:cNvPr id="8" name="Picture 7">
+          <p:cNvPr id="9" name="Picture 8">
             <a:extLst>
               <a:ext uri="{FF2B5EF4-FFF2-40B4-BE49-F238E27FC236}">
-                <a16:creationId xmlns:a16="http://schemas.microsoft.com/office/drawing/2014/main" id="{117E7253-22B0-43F0-9F9F-19982D45D3D9}"/>
+                <a16:creationId xmlns:a16="http://schemas.microsoft.com/office/drawing/2014/main" id="{B0F78C00-B80D-41AD-BBF3-F02D79CD6DF1}"/>
               </a:ext>
             </a:extLst>
           </p:cNvPr>
@@ -14449,15 +18596,45 @@
           <p:nvPr/>
         </p:nvPicPr>
         <p:blipFill>
-          <a:blip r:embed="rId4"/>
+          <a:blip r:embed="rId5"/>
           <a:stretch>
             <a:fillRect/>
           </a:stretch>
         </p:blipFill>
         <p:spPr>
           <a:xfrm>
-            <a:off x="6485233" y="1491105"/>
-            <a:ext cx="4996844" cy="4589976"/>
+            <a:off x="2525093" y="2270475"/>
+            <a:ext cx="1314450" cy="552450"/>
+          </a:xfrm>
+          <a:prstGeom prst="rect">
+            <a:avLst/>
+          </a:prstGeom>
+        </p:spPr>
+      </p:pic>
+      <p:pic>
+        <p:nvPicPr>
+          <p:cNvPr id="10" name="Picture 9">
+            <a:extLst>
+              <a:ext uri="{FF2B5EF4-FFF2-40B4-BE49-F238E27FC236}">
+                <a16:creationId xmlns:a16="http://schemas.microsoft.com/office/drawing/2014/main" id="{A16944D5-8FFB-455F-852E-81B4EBE7201E}"/>
+              </a:ext>
+            </a:extLst>
+          </p:cNvPr>
+          <p:cNvPicPr>
+            <a:picLocks noChangeAspect="1"/>
+          </p:cNvPicPr>
+          <p:nvPr/>
+        </p:nvPicPr>
+        <p:blipFill>
+          <a:blip r:embed="rId6"/>
+          <a:stretch>
+            <a:fillRect/>
+          </a:stretch>
+        </p:blipFill>
+        <p:spPr>
+          <a:xfrm>
+            <a:off x="6587592" y="1387518"/>
+            <a:ext cx="4792125" cy="4693572"/>
           </a:xfrm>
           <a:prstGeom prst="rect">
             <a:avLst/>
@@ -14564,12 +18741,15 @@
               <a:rPr lang="en-US" b="1" dirty="0"/>
               <a:t>Support Type:</a:t>
             </a:r>
-            <a:endParaRPr lang="en-US" dirty="0"/>
+            <a:r>
+              <a:rPr lang="en-US" dirty="0"/>
+              <a:t> single variable, continuous</a:t>
+            </a:r>
           </a:p>
         </p:txBody>
       </p:sp>
-      <mc:AlternateContent xmlns:mc="http://schemas.openxmlformats.org/markup-compatibility/2006" xmlns:a14="http://schemas.microsoft.com/office/drawing/2010/main">
-        <mc:Choice Requires="a14">
+      <mc:AlternateContent xmlns:mc="http://schemas.openxmlformats.org/markup-compatibility/2006">
+        <mc:Choice xmlns:a14="http://schemas.microsoft.com/office/drawing/2010/main" Requires="a14">
           <p:graphicFrame>
             <p:nvGraphicFramePr>
               <p:cNvPr id="15" name="Table 15">
@@ -14585,14 +18765,14 @@
               <p:nvPr>
                 <p:extLst>
                   <p:ext uri="{D42A27DB-BD31-4B8C-83A1-F6EECF244321}">
-                    <p14:modId xmlns:p14="http://schemas.microsoft.com/office/powerpoint/2010/main" val="1509813325"/>
+                    <p14:modId xmlns:p14="http://schemas.microsoft.com/office/powerpoint/2010/main" val="1330343540"/>
                   </p:ext>
                 </p:extLst>
               </p:nvPr>
             </p:nvGraphicFramePr>
             <p:xfrm>
               <a:off x="907624" y="2251102"/>
-              <a:ext cx="4106635" cy="1587363"/>
+              <a:ext cx="4106635" cy="2142574"/>
             </p:xfrm>
             <a:graphic>
               <a:graphicData uri="http://schemas.openxmlformats.org/drawingml/2006/table">
@@ -14616,7 +18796,7 @@
                       </a:extLst>
                     </a:gridCol>
                   </a:tblGrid>
-                  <a:tr h="370840">
+                  <a:tr h="926051">
                     <a:tc>
                       <a:txBody>
                         <a:bodyPr/>
@@ -14628,8 +18808,132 @@
                                 <a:schemeClr val="tx1"/>
                               </a:solidFill>
                             </a:rPr>
-                            <a:t>PMF</a:t>
+                            <a:t>PDF </a:t>
                           </a:r>
+                        </a:p>
+                        <a:p>
+                          <a14:m>
+                            <m:oMathPara xmlns:m="http://schemas.openxmlformats.org/officeDocument/2006/math">
+                              <m:oMathParaPr>
+                                <m:jc m:val="centerGroup"/>
+                              </m:oMathParaPr>
+                              <m:oMath xmlns:m="http://schemas.openxmlformats.org/officeDocument/2006/math">
+                                <m:r>
+                                  <a:rPr lang="en-US" sz="1000" b="1" i="1" smtClean="0">
+                                    <a:solidFill>
+                                      <a:schemeClr val="tx1"/>
+                                    </a:solidFill>
+                                    <a:latin typeface="Cambria Math" panose="02040503050406030204" pitchFamily="18" charset="0"/>
+                                    <a:ea typeface="Cambria Math" panose="02040503050406030204" pitchFamily="18" charset="0"/>
+                                  </a:rPr>
+                                  <m:t>𝚪</m:t>
+                                </m:r>
+                                <m:r>
+                                  <a:rPr lang="en-US" sz="1000" b="1" i="1" smtClean="0">
+                                    <a:solidFill>
+                                      <a:schemeClr val="tx1"/>
+                                    </a:solidFill>
+                                    <a:latin typeface="Cambria Math" panose="02040503050406030204" pitchFamily="18" charset="0"/>
+                                    <a:ea typeface="Cambria Math" panose="02040503050406030204" pitchFamily="18" charset="0"/>
+                                  </a:rPr>
+                                  <m:t> </m:t>
+                                </m:r>
+                                <m:r>
+                                  <a:rPr lang="en-US" sz="1000" b="1" i="1" smtClean="0">
+                                    <a:solidFill>
+                                      <a:schemeClr val="tx1"/>
+                                    </a:solidFill>
+                                    <a:latin typeface="Cambria Math" panose="02040503050406030204" pitchFamily="18" charset="0"/>
+                                    <a:ea typeface="Cambria Math" panose="02040503050406030204" pitchFamily="18" charset="0"/>
+                                  </a:rPr>
+                                  <m:t>𝒊𝒔</m:t>
+                                </m:r>
+                                <m:r>
+                                  <a:rPr lang="en-US" sz="1000" b="1" i="1" smtClean="0">
+                                    <a:solidFill>
+                                      <a:schemeClr val="tx1"/>
+                                    </a:solidFill>
+                                    <a:latin typeface="Cambria Math" panose="02040503050406030204" pitchFamily="18" charset="0"/>
+                                    <a:ea typeface="Cambria Math" panose="02040503050406030204" pitchFamily="18" charset="0"/>
+                                  </a:rPr>
+                                  <m:t> </m:t>
+                                </m:r>
+                                <m:r>
+                                  <a:rPr lang="en-US" sz="1000" b="1" i="1" smtClean="0">
+                                    <a:solidFill>
+                                      <a:schemeClr val="tx1"/>
+                                    </a:solidFill>
+                                    <a:latin typeface="Cambria Math" panose="02040503050406030204" pitchFamily="18" charset="0"/>
+                                    <a:ea typeface="Cambria Math" panose="02040503050406030204" pitchFamily="18" charset="0"/>
+                                  </a:rPr>
+                                  <m:t>𝒕𝒉𝒆</m:t>
+                                </m:r>
+                                <m:r>
+                                  <a:rPr lang="en-US" sz="1000" b="1" i="1" smtClean="0">
+                                    <a:solidFill>
+                                      <a:schemeClr val="tx1"/>
+                                    </a:solidFill>
+                                    <a:latin typeface="Cambria Math" panose="02040503050406030204" pitchFamily="18" charset="0"/>
+                                    <a:ea typeface="Cambria Math" panose="02040503050406030204" pitchFamily="18" charset="0"/>
+                                  </a:rPr>
+                                  <m:t> </m:t>
+                                </m:r>
+                              </m:oMath>
+                            </m:oMathPara>
+                          </a14:m>
+                          <a:endParaRPr lang="en-US" sz="1000" b="1" i="1" dirty="0">
+                            <a:solidFill>
+                              <a:schemeClr val="tx1"/>
+                            </a:solidFill>
+                            <a:latin typeface="Cambria Math" panose="02040503050406030204" pitchFamily="18" charset="0"/>
+                            <a:ea typeface="Cambria Math" panose="02040503050406030204" pitchFamily="18" charset="0"/>
+                          </a:endParaRPr>
+                        </a:p>
+                        <a:p>
+                          <a14:m>
+                            <m:oMathPara xmlns:m="http://schemas.openxmlformats.org/officeDocument/2006/math">
+                              <m:oMathParaPr>
+                                <m:jc m:val="centerGroup"/>
+                              </m:oMathParaPr>
+                              <m:oMath xmlns:m="http://schemas.openxmlformats.org/officeDocument/2006/math">
+                                <m:r>
+                                  <a:rPr lang="en-US" sz="1000" b="1" i="1" smtClean="0">
+                                    <a:solidFill>
+                                      <a:schemeClr val="tx1"/>
+                                    </a:solidFill>
+                                    <a:latin typeface="Cambria Math" panose="02040503050406030204" pitchFamily="18" charset="0"/>
+                                    <a:ea typeface="Cambria Math" panose="02040503050406030204" pitchFamily="18" charset="0"/>
+                                  </a:rPr>
+                                  <m:t>𝒈𝒂𝒎𝒎𝒂</m:t>
+                                </m:r>
+                                <m:r>
+                                  <a:rPr lang="en-US" sz="1000" b="1" i="1" smtClean="0">
+                                    <a:solidFill>
+                                      <a:schemeClr val="tx1"/>
+                                    </a:solidFill>
+                                    <a:latin typeface="Cambria Math" panose="02040503050406030204" pitchFamily="18" charset="0"/>
+                                    <a:ea typeface="Cambria Math" panose="02040503050406030204" pitchFamily="18" charset="0"/>
+                                  </a:rPr>
+                                  <m:t> </m:t>
+                                </m:r>
+                                <m:r>
+                                  <a:rPr lang="en-US" sz="1000" b="1" i="1" smtClean="0">
+                                    <a:solidFill>
+                                      <a:schemeClr val="tx1"/>
+                                    </a:solidFill>
+                                    <a:latin typeface="Cambria Math" panose="02040503050406030204" pitchFamily="18" charset="0"/>
+                                    <a:ea typeface="Cambria Math" panose="02040503050406030204" pitchFamily="18" charset="0"/>
+                                  </a:rPr>
+                                  <m:t>𝒇𝒖𝒏𝒄𝒕𝒊𝒐𝒏</m:t>
+                                </m:r>
+                              </m:oMath>
+                            </m:oMathPara>
+                          </a14:m>
+                          <a:endParaRPr lang="en-US" sz="1000" b="1" dirty="0">
+                            <a:solidFill>
+                              <a:schemeClr val="tx1"/>
+                            </a:solidFill>
+                          </a:endParaRPr>
                         </a:p>
                       </a:txBody>
                       <a:tcPr/>
@@ -14669,6 +18973,43 @@
                         <a:bodyPr/>
                         <a:lstStyle/>
                         <a:p>
+                          <a14:m>
+                            <m:oMathPara xmlns:m="http://schemas.openxmlformats.org/officeDocument/2006/math">
+                              <m:oMathParaPr>
+                                <m:jc m:val="centerGroup"/>
+                              </m:oMathParaPr>
+                              <m:oMath xmlns:m="http://schemas.openxmlformats.org/officeDocument/2006/math">
+                                <m:r>
+                                  <a:rPr lang="en-US" i="1" smtClean="0">
+                                    <a:latin typeface="Cambria Math" panose="02040503050406030204" pitchFamily="18" charset="0"/>
+                                    <a:ea typeface="Cambria Math" panose="02040503050406030204" pitchFamily="18" charset="0"/>
+                                  </a:rPr>
+                                  <m:t>𝜈</m:t>
+                                </m:r>
+                                <m:r>
+                                  <a:rPr lang="en-US" b="0" i="1" smtClean="0">
+                                    <a:latin typeface="Cambria Math" panose="02040503050406030204" pitchFamily="18" charset="0"/>
+                                    <a:ea typeface="Cambria Math" panose="02040503050406030204" pitchFamily="18" charset="0"/>
+                                  </a:rPr>
+                                  <m:t>&gt;0 (</m:t>
+                                </m:r>
+                                <m:r>
+                                  <a:rPr lang="en-US" b="0" i="1" smtClean="0">
+                                    <a:latin typeface="Cambria Math" panose="02040503050406030204" pitchFamily="18" charset="0"/>
+                                    <a:ea typeface="Cambria Math" panose="02040503050406030204" pitchFamily="18" charset="0"/>
+                                  </a:rPr>
+                                  <m:t>𝑑𝑓</m:t>
+                                </m:r>
+                                <m:r>
+                                  <a:rPr lang="en-US" b="0" i="1" smtClean="0">
+                                    <a:latin typeface="Cambria Math" panose="02040503050406030204" pitchFamily="18" charset="0"/>
+                                    <a:ea typeface="Cambria Math" panose="02040503050406030204" pitchFamily="18" charset="0"/>
+                                  </a:rPr>
+                                  <m:t>)</m:t>
+                                </m:r>
+                              </m:oMath>
+                            </m:oMathPara>
+                          </a14:m>
                           <a:endParaRPr lang="en-US" dirty="0"/>
                         </a:p>
                       </a:txBody>
@@ -14699,6 +19040,41 @@
                         <a:bodyPr/>
                         <a:lstStyle/>
                         <a:p>
+                          <a14:m>
+                            <m:oMathPara xmlns:m="http://schemas.openxmlformats.org/officeDocument/2006/math">
+                              <m:oMathParaPr>
+                                <m:jc m:val="centerGroup"/>
+                              </m:oMathParaPr>
+                              <m:oMath xmlns:m="http://schemas.openxmlformats.org/officeDocument/2006/math">
+                                <m:r>
+                                  <a:rPr lang="en-US" b="0" i="1" smtClean="0">
+                                    <a:latin typeface="Cambria Math" panose="02040503050406030204" pitchFamily="18" charset="0"/>
+                                  </a:rPr>
+                                  <m:t>𝑥</m:t>
+                                </m:r>
+                                <m:r>
+                                  <a:rPr lang="en-US" b="0" i="1" smtClean="0">
+                                    <a:latin typeface="Cambria Math" panose="02040503050406030204" pitchFamily="18" charset="0"/>
+                                  </a:rPr>
+                                  <m:t> </m:t>
+                                </m:r>
+                                <m:r>
+                                  <a:rPr lang="en-US" b="0" i="1" smtClean="0">
+                                    <a:latin typeface="Cambria Math" panose="02040503050406030204" pitchFamily="18" charset="0"/>
+                                    <a:ea typeface="Cambria Math" panose="02040503050406030204" pitchFamily="18" charset="0"/>
+                                  </a:rPr>
+                                  <m:t>𝜖</m:t>
+                                </m:r>
+                                <m:r>
+                                  <a:rPr lang="en-US" b="0" i="1" smtClean="0">
+                                    <a:latin typeface="Cambria Math" panose="02040503050406030204" pitchFamily="18" charset="0"/>
+                                    <a:ea typeface="Cambria Math" panose="02040503050406030204" pitchFamily="18" charset="0"/>
+                                  </a:rPr>
+                                  <m:t> (−∞, +∞)</m:t>
+                                </m:r>
+                              </m:oMath>
+                            </m:oMathPara>
+                          </a14:m>
                           <a:endParaRPr lang="en-US" dirty="0"/>
                         </a:p>
                       </a:txBody>
@@ -14772,7 +19148,72 @@
                             <a:tabLst/>
                             <a:defRPr/>
                           </a:pPr>
-                          <a:endParaRPr lang="en-US" dirty="0"/>
+                          <a14:m>
+                            <m:oMathPara xmlns:m="http://schemas.openxmlformats.org/officeDocument/2006/math">
+                              <m:oMathParaPr>
+                                <m:jc m:val="centerGroup"/>
+                              </m:oMathParaPr>
+                              <m:oMath xmlns:m="http://schemas.openxmlformats.org/officeDocument/2006/math">
+                                <m:r>
+                                  <a:rPr lang="en-US" sz="1200" b="0" i="1" smtClean="0">
+                                    <a:latin typeface="Cambria Math" panose="02040503050406030204" pitchFamily="18" charset="0"/>
+                                    <a:ea typeface="Cambria Math" panose="02040503050406030204" pitchFamily="18" charset="0"/>
+                                  </a:rPr>
+                                  <m:t>0 </m:t>
+                                </m:r>
+                                <m:r>
+                                  <a:rPr lang="en-US" sz="1200" b="0" i="1" smtClean="0">
+                                    <a:latin typeface="Cambria Math" panose="02040503050406030204" pitchFamily="18" charset="0"/>
+                                    <a:ea typeface="Cambria Math" panose="02040503050406030204" pitchFamily="18" charset="0"/>
+                                  </a:rPr>
+                                  <m:t>𝑓𝑜𝑟</m:t>
+                                </m:r>
+                                <m:r>
+                                  <a:rPr lang="en-US" sz="1200" b="0" i="1" smtClean="0">
+                                    <a:latin typeface="Cambria Math" panose="02040503050406030204" pitchFamily="18" charset="0"/>
+                                    <a:ea typeface="Cambria Math" panose="02040503050406030204" pitchFamily="18" charset="0"/>
+                                  </a:rPr>
+                                  <m:t> </m:t>
+                                </m:r>
+                                <m:r>
+                                  <a:rPr lang="en-US" sz="1200" i="1" smtClean="0">
+                                    <a:latin typeface="Cambria Math" panose="02040503050406030204" pitchFamily="18" charset="0"/>
+                                    <a:ea typeface="Cambria Math" panose="02040503050406030204" pitchFamily="18" charset="0"/>
+                                  </a:rPr>
+                                  <m:t>𝜈</m:t>
+                                </m:r>
+                                <m:r>
+                                  <a:rPr lang="en-US" sz="1200" b="0" i="1" smtClean="0">
+                                    <a:latin typeface="Cambria Math" panose="02040503050406030204" pitchFamily="18" charset="0"/>
+                                    <a:ea typeface="Cambria Math" panose="02040503050406030204" pitchFamily="18" charset="0"/>
+                                  </a:rPr>
+                                  <m:t>&gt;1, </m:t>
+                                </m:r>
+                                <m:r>
+                                  <a:rPr lang="en-US" sz="1200" b="0" i="1" smtClean="0">
+                                    <a:latin typeface="Cambria Math" panose="02040503050406030204" pitchFamily="18" charset="0"/>
+                                    <a:ea typeface="Cambria Math" panose="02040503050406030204" pitchFamily="18" charset="0"/>
+                                  </a:rPr>
+                                  <m:t>𝑜𝑡h𝑒𝑟𝑤𝑖𝑠𝑒</m:t>
+                                </m:r>
+                                <m:r>
+                                  <a:rPr lang="en-US" sz="1200" b="0" i="1" smtClean="0">
+                                    <a:latin typeface="Cambria Math" panose="02040503050406030204" pitchFamily="18" charset="0"/>
+                                    <a:ea typeface="Cambria Math" panose="02040503050406030204" pitchFamily="18" charset="0"/>
+                                  </a:rPr>
+                                  <m:t> </m:t>
+                                </m:r>
+                                <m:r>
+                                  <a:rPr lang="en-US" sz="1200" b="0" i="1" smtClean="0">
+                                    <a:latin typeface="Cambria Math" panose="02040503050406030204" pitchFamily="18" charset="0"/>
+                                    <a:ea typeface="Cambria Math" panose="02040503050406030204" pitchFamily="18" charset="0"/>
+                                  </a:rPr>
+                                  <m:t>𝑢𝑛𝑑𝑒𝑓𝑖𝑛𝑒𝑑</m:t>
+                                </m:r>
+                              </m:oMath>
+                            </m:oMathPara>
+                          </a14:m>
+                          <a:endParaRPr lang="en-US" sz="1200" dirty="0"/>
                         </a:p>
                       </a:txBody>
                       <a:tcPr/>
@@ -14788,7 +19229,7 @@
             </a:graphic>
           </p:graphicFrame>
         </mc:Choice>
-        <mc:Fallback xmlns="">
+        <mc:Fallback>
           <p:graphicFrame>
             <p:nvGraphicFramePr>
               <p:cNvPr id="15" name="Table 15">
@@ -14804,14 +19245,14 @@
               <p:nvPr>
                 <p:extLst>
                   <p:ext uri="{D42A27DB-BD31-4B8C-83A1-F6EECF244321}">
-                    <p14:modId xmlns:p14="http://schemas.microsoft.com/office/powerpoint/2010/main" val="1509813325"/>
+                    <p14:modId xmlns:p14="http://schemas.microsoft.com/office/powerpoint/2010/main" val="1330343540"/>
                   </p:ext>
                 </p:extLst>
               </p:nvPr>
             </p:nvGraphicFramePr>
             <p:xfrm>
               <a:off x="907624" y="2251102"/>
-              <a:ext cx="4106635" cy="1587363"/>
+              <a:ext cx="4106635" cy="2142574"/>
             </p:xfrm>
             <a:graphic>
               <a:graphicData uri="http://schemas.openxmlformats.org/drawingml/2006/table">
@@ -14835,23 +19276,23 @@
                       </a:extLst>
                     </a:gridCol>
                   </a:tblGrid>
-                  <a:tr h="370840">
-                    <a:tc>
-                      <a:txBody>
-                        <a:bodyPr/>
-                        <a:lstStyle/>
-                        <a:p>
-                          <a:r>
-                            <a:rPr lang="en-US" b="1" dirty="0">
-                              <a:solidFill>
-                                <a:schemeClr val="tx1"/>
-                              </a:solidFill>
-                            </a:rPr>
-                            <a:t>PMF</a:t>
-                          </a:r>
-                        </a:p>
-                      </a:txBody>
-                      <a:tcPr/>
+                  <a:tr h="926051">
+                    <a:tc>
+                      <a:txBody>
+                        <a:bodyPr/>
+                        <a:lstStyle/>
+                        <a:p>
+                          <a:endParaRPr lang="en-US"/>
+                        </a:p>
+                      </a:txBody>
+                      <a:tcPr>
+                        <a:blipFill>
+                          <a:blip r:embed="rId2"/>
+                          <a:stretch>
+                            <a:fillRect l="-398" t="-3289" r="-170120" b="-132895"/>
+                          </a:stretch>
+                        </a:blipFill>
+                      </a:tcPr>
                     </a:tc>
                     <a:tc>
                       <a:txBody>
@@ -14888,10 +19329,17 @@
                         <a:bodyPr/>
                         <a:lstStyle/>
                         <a:p>
-                          <a:endParaRPr lang="en-US" dirty="0"/>
-                        </a:p>
-                      </a:txBody>
-                      <a:tcPr/>
+                          <a:endParaRPr lang="en-US"/>
+                        </a:p>
+                      </a:txBody>
+                      <a:tcPr>
+                        <a:blipFill>
+                          <a:blip r:embed="rId2"/>
+                          <a:stretch>
+                            <a:fillRect l="-59434" t="-257377" r="-708" b="-231148"/>
+                          </a:stretch>
+                        </a:blipFill>
+                      </a:tcPr>
                     </a:tc>
                     <a:extLst>
                       <a:ext uri="{0D108BD9-81ED-4DB2-BD59-A6C34878D82A}">
@@ -14918,10 +19366,17 @@
                         <a:bodyPr/>
                         <a:lstStyle/>
                         <a:p>
-                          <a:endParaRPr lang="en-US" dirty="0"/>
-                        </a:p>
-                      </a:txBody>
-                      <a:tcPr/>
+                          <a:endParaRPr lang="en-US"/>
+                        </a:p>
+                      </a:txBody>
+                      <a:tcPr>
+                        <a:blipFill>
+                          <a:blip r:embed="rId2"/>
+                          <a:stretch>
+                            <a:fillRect l="-59434" t="-357377" r="-708" b="-131148"/>
+                          </a:stretch>
+                        </a:blipFill>
+                      </a:tcPr>
                     </a:tc>
                     <a:extLst>
                       <a:ext uri="{0D108BD9-81ED-4DB2-BD59-A6C34878D82A}">
@@ -14942,7 +19397,7 @@
                         <a:blipFill>
                           <a:blip r:embed="rId2"/>
                           <a:stretch>
-                            <a:fillRect l="-398" t="-241026" r="-170120" b="-2564"/>
+                            <a:fillRect l="-398" t="-357692" r="-170120" b="-2564"/>
                           </a:stretch>
                         </a:blipFill>
                       </a:tcPr>
@@ -14952,27 +19407,17 @@
                         <a:bodyPr/>
                         <a:lstStyle/>
                         <a:p>
-                          <a:pPr marL="0" marR="0" lvl="0" indent="0" algn="l" defTabSz="914400" rtl="0" eaLnBrk="1" fontAlgn="auto" latinLnBrk="0" hangingPunct="1">
-                            <a:lnSpc>
-                              <a:spcPct val="100000"/>
-                            </a:lnSpc>
-                            <a:spcBef>
-                              <a:spcPts val="0"/>
-                            </a:spcBef>
-                            <a:spcAft>
-                              <a:spcPts val="0"/>
-                            </a:spcAft>
-                            <a:buClrTx/>
-                            <a:buSzTx/>
-                            <a:buFontTx/>
-                            <a:buNone/>
-                            <a:tabLst/>
-                            <a:defRPr/>
-                          </a:pPr>
-                          <a:endParaRPr lang="en-US" dirty="0"/>
-                        </a:p>
-                      </a:txBody>
-                      <a:tcPr/>
+                          <a:endParaRPr lang="en-US"/>
+                        </a:p>
+                      </a:txBody>
+                      <a:tcPr>
+                        <a:blipFill>
+                          <a:blip r:embed="rId2"/>
+                          <a:stretch>
+                            <a:fillRect l="-59434" t="-357692" r="-708" b="-2564"/>
+                          </a:stretch>
+                        </a:blipFill>
+                      </a:tcPr>
                     </a:tc>
                     <a:extLst>
                       <a:ext uri="{0D108BD9-81ED-4DB2-BD59-A6C34878D82A}">
@@ -15057,7 +19502,7 @@
         <p:spPr>
           <a:xfrm>
             <a:off x="908424" y="4446494"/>
-            <a:ext cx="4147670" cy="923330"/>
+            <a:ext cx="4147670" cy="646331"/>
           </a:xfrm>
           <a:prstGeom prst="rect">
             <a:avLst/>
@@ -15081,18 +19526,10 @@
             </a:r>
           </a:p>
           <a:p>
-            <a:pPr marL="285750" indent="-285750">
-              <a:buFontTx/>
-              <a:buChar char="-"/>
-            </a:pPr>
-            <a:endParaRPr lang="en-US" dirty="0"/>
-          </a:p>
-          <a:p>
-            <a:pPr marL="285750" indent="-285750">
-              <a:buFontTx/>
-              <a:buChar char="-"/>
-            </a:pPr>
-            <a:endParaRPr lang="en-US" dirty="0"/>
+            <a:r>
+              <a:rPr lang="en-US" dirty="0"/>
+              <a:t> - Significance tests</a:t>
+            </a:r>
           </a:p>
         </p:txBody>
       </p:sp>
@@ -15111,7 +19548,7 @@
         <p:spPr>
           <a:xfrm>
             <a:off x="0" y="6317674"/>
-            <a:ext cx="12156141" cy="523220"/>
+            <a:ext cx="12156141" cy="677108"/>
           </a:xfrm>
           <a:prstGeom prst="rect">
             <a:avLst/>
@@ -15128,8 +19565,16 @@
               <a:rPr lang="en-US" sz="1000" b="1" dirty="0"/>
               <a:t>Resources:</a:t>
             </a:r>
+          </a:p>
+          <a:p>
+            <a:r>
+              <a:rPr lang="en-US" sz="1000" dirty="0">
+                <a:hlinkClick r:id="rId3"/>
+              </a:rPr>
+              <a:t>Student's t-distribution - Wikipedia</a:t>
+            </a:r>
             <a:endParaRPr lang="en-US" sz="1000" b="1" dirty="0">
-              <a:hlinkClick r:id="rId3"/>
+              <a:hlinkClick r:id="rId4"/>
             </a:endParaRPr>
           </a:p>
           <a:p>
@@ -15188,7 +19633,7 @@
           <p:nvPr/>
         </p:nvPicPr>
         <p:blipFill>
-          <a:blip r:embed="rId4"/>
+          <a:blip r:embed="rId5"/>
           <a:stretch>
             <a:fillRect/>
           </a:stretch>
@@ -15197,6 +19642,36 @@
           <a:xfrm>
             <a:off x="6515506" y="1473827"/>
             <a:ext cx="4936297" cy="4624531"/>
+          </a:xfrm>
+          <a:prstGeom prst="rect">
+            <a:avLst/>
+          </a:prstGeom>
+        </p:spPr>
+      </p:pic>
+      <p:pic>
+        <p:nvPicPr>
+          <p:cNvPr id="9" name="Picture 8">
+            <a:extLst>
+              <a:ext uri="{FF2B5EF4-FFF2-40B4-BE49-F238E27FC236}">
+                <a16:creationId xmlns:a16="http://schemas.microsoft.com/office/drawing/2014/main" id="{B9298C50-077D-47C2-B2E6-8D41AE62BDC4}"/>
+              </a:ext>
+            </a:extLst>
+          </p:cNvPr>
+          <p:cNvPicPr>
+            <a:picLocks noChangeAspect="1"/>
+          </p:cNvPicPr>
+          <p:nvPr/>
+        </p:nvPicPr>
+        <p:blipFill>
+          <a:blip r:embed="rId6"/>
+          <a:stretch>
+            <a:fillRect/>
+          </a:stretch>
+        </p:blipFill>
+        <p:spPr>
+          <a:xfrm>
+            <a:off x="2465294" y="2263241"/>
+            <a:ext cx="2346930" cy="681645"/>
           </a:xfrm>
           <a:prstGeom prst="rect">
             <a:avLst/>

--- a/Mod0/Probability+Distributions+Assignment.pptx
+++ b/Mod0/Probability+Distributions+Assignment.pptx
@@ -274,7 +274,7 @@
           <a:p>
             <a:fld id="{70DAC3A1-42A1-421A-8CF7-D5228AFF269C}" type="datetimeFigureOut">
               <a:rPr lang="en-US" smtClean="0"/>
-              <a:t>8/30/2021</a:t>
+              <a:t>9/18/2021</a:t>
             </a:fld>
             <a:endParaRPr lang="en-US"/>
           </a:p>
@@ -472,7 +472,7 @@
           <a:p>
             <a:fld id="{70DAC3A1-42A1-421A-8CF7-D5228AFF269C}" type="datetimeFigureOut">
               <a:rPr lang="en-US" smtClean="0"/>
-              <a:t>8/30/2021</a:t>
+              <a:t>9/18/2021</a:t>
             </a:fld>
             <a:endParaRPr lang="en-US"/>
           </a:p>
@@ -680,7 +680,7 @@
           <a:p>
             <a:fld id="{70DAC3A1-42A1-421A-8CF7-D5228AFF269C}" type="datetimeFigureOut">
               <a:rPr lang="en-US" smtClean="0"/>
-              <a:t>8/30/2021</a:t>
+              <a:t>9/18/2021</a:t>
             </a:fld>
             <a:endParaRPr lang="en-US"/>
           </a:p>
@@ -878,7 +878,7 @@
           <a:p>
             <a:fld id="{70DAC3A1-42A1-421A-8CF7-D5228AFF269C}" type="datetimeFigureOut">
               <a:rPr lang="en-US" smtClean="0"/>
-              <a:t>8/30/2021</a:t>
+              <a:t>9/18/2021</a:t>
             </a:fld>
             <a:endParaRPr lang="en-US"/>
           </a:p>
@@ -1153,7 +1153,7 @@
           <a:p>
             <a:fld id="{70DAC3A1-42A1-421A-8CF7-D5228AFF269C}" type="datetimeFigureOut">
               <a:rPr lang="en-US" smtClean="0"/>
-              <a:t>8/30/2021</a:t>
+              <a:t>9/18/2021</a:t>
             </a:fld>
             <a:endParaRPr lang="en-US"/>
           </a:p>
@@ -1418,7 +1418,7 @@
           <a:p>
             <a:fld id="{70DAC3A1-42A1-421A-8CF7-D5228AFF269C}" type="datetimeFigureOut">
               <a:rPr lang="en-US" smtClean="0"/>
-              <a:t>8/30/2021</a:t>
+              <a:t>9/18/2021</a:t>
             </a:fld>
             <a:endParaRPr lang="en-US"/>
           </a:p>
@@ -1830,7 +1830,7 @@
           <a:p>
             <a:fld id="{70DAC3A1-42A1-421A-8CF7-D5228AFF269C}" type="datetimeFigureOut">
               <a:rPr lang="en-US" smtClean="0"/>
-              <a:t>8/30/2021</a:t>
+              <a:t>9/18/2021</a:t>
             </a:fld>
             <a:endParaRPr lang="en-US"/>
           </a:p>
@@ -1971,7 +1971,7 @@
           <a:p>
             <a:fld id="{70DAC3A1-42A1-421A-8CF7-D5228AFF269C}" type="datetimeFigureOut">
               <a:rPr lang="en-US" smtClean="0"/>
-              <a:t>8/30/2021</a:t>
+              <a:t>9/18/2021</a:t>
             </a:fld>
             <a:endParaRPr lang="en-US"/>
           </a:p>
@@ -2084,7 +2084,7 @@
           <a:p>
             <a:fld id="{70DAC3A1-42A1-421A-8CF7-D5228AFF269C}" type="datetimeFigureOut">
               <a:rPr lang="en-US" smtClean="0"/>
-              <a:t>8/30/2021</a:t>
+              <a:t>9/18/2021</a:t>
             </a:fld>
             <a:endParaRPr lang="en-US"/>
           </a:p>
@@ -2395,7 +2395,7 @@
           <a:p>
             <a:fld id="{70DAC3A1-42A1-421A-8CF7-D5228AFF269C}" type="datetimeFigureOut">
               <a:rPr lang="en-US" smtClean="0"/>
-              <a:t>8/30/2021</a:t>
+              <a:t>9/18/2021</a:t>
             </a:fld>
             <a:endParaRPr lang="en-US"/>
           </a:p>
@@ -2683,7 +2683,7 @@
           <a:p>
             <a:fld id="{70DAC3A1-42A1-421A-8CF7-D5228AFF269C}" type="datetimeFigureOut">
               <a:rPr lang="en-US" smtClean="0"/>
-              <a:t>8/30/2021</a:t>
+              <a:t>9/18/2021</a:t>
             </a:fld>
             <a:endParaRPr lang="en-US"/>
           </a:p>
@@ -2924,7 +2924,7 @@
           <a:p>
             <a:fld id="{70DAC3A1-42A1-421A-8CF7-D5228AFF269C}" type="datetimeFigureOut">
               <a:rPr lang="en-US" smtClean="0"/>
-              <a:t>8/30/2021</a:t>
+              <a:t>9/18/2021</a:t>
             </a:fld>
             <a:endParaRPr lang="en-US"/>
           </a:p>
@@ -3539,8 +3539,8 @@
           </a:p>
         </p:txBody>
       </p:sp>
-      <mc:AlternateContent xmlns:mc="http://schemas.openxmlformats.org/markup-compatibility/2006">
-        <mc:Choice xmlns:a14="http://schemas.microsoft.com/office/drawing/2010/main" Requires="a14">
+      <mc:AlternateContent xmlns:mc="http://schemas.openxmlformats.org/markup-compatibility/2006" xmlns:a14="http://schemas.microsoft.com/office/drawing/2010/main">
+        <mc:Choice Requires="a14">
           <p:graphicFrame>
             <p:nvGraphicFramePr>
               <p:cNvPr id="15" name="Table 15">
@@ -3862,7 +3862,7 @@
             </a:graphic>
           </p:graphicFrame>
         </mc:Choice>
-        <mc:Fallback>
+        <mc:Fallback xmlns="">
           <p:graphicFrame>
             <p:nvGraphicFramePr>
               <p:cNvPr id="15" name="Table 15">
@@ -4454,8 +4454,8 @@
           </a:p>
         </p:txBody>
       </p:sp>
-      <mc:AlternateContent xmlns:mc="http://schemas.openxmlformats.org/markup-compatibility/2006">
-        <mc:Choice xmlns:a14="http://schemas.microsoft.com/office/drawing/2010/main" Requires="a14">
+      <mc:AlternateContent xmlns:mc="http://schemas.openxmlformats.org/markup-compatibility/2006" xmlns:a14="http://schemas.microsoft.com/office/drawing/2010/main">
+        <mc:Choice Requires="a14">
           <p:graphicFrame>
             <p:nvGraphicFramePr>
               <p:cNvPr id="15" name="Table 15">
@@ -4555,6 +4555,7 @@
                         <a:bodyPr/>
                         <a:lstStyle/>
                         <a:p>
+                          <a:pPr/>
                           <a14:m>
                             <m:oMathPara xmlns:m="http://schemas.openxmlformats.org/officeDocument/2006/math">
                               <m:oMathParaPr>
@@ -4620,6 +4621,7 @@
                           <a:endParaRPr lang="en-US" sz="1400" b="0" dirty="0"/>
                         </a:p>
                         <a:p>
+                          <a:pPr/>
                           <a14:m>
                             <m:oMathPara xmlns:m="http://schemas.openxmlformats.org/officeDocument/2006/math">
                               <m:oMathParaPr>
@@ -4745,6 +4747,7 @@
                         <a:bodyPr/>
                         <a:lstStyle/>
                         <a:p>
+                          <a:pPr/>
                           <a14:m>
                             <m:oMathPara xmlns:m="http://schemas.openxmlformats.org/officeDocument/2006/math">
                               <m:oMathParaPr>
@@ -4895,6 +4898,7 @@
                           </a:endParaRPr>
                         </a:p>
                         <a:p>
+                          <a:pPr/>
                           <a14:m>
                             <m:oMathPara xmlns:m="http://schemas.openxmlformats.org/officeDocument/2006/math">
                               <m:oMathParaPr>
@@ -5088,7 +5092,7 @@
             </a:graphic>
           </p:graphicFrame>
         </mc:Choice>
-        <mc:Fallback>
+        <mc:Fallback xmlns="">
           <p:graphicFrame>
             <p:nvGraphicFramePr>
               <p:cNvPr id="15" name="Table 15">
@@ -5662,8 +5666,8 @@
           </a:p>
         </p:txBody>
       </p:sp>
-      <mc:AlternateContent xmlns:mc="http://schemas.openxmlformats.org/markup-compatibility/2006">
-        <mc:Choice xmlns:a14="http://schemas.microsoft.com/office/drawing/2010/main" Requires="a14">
+      <mc:AlternateContent xmlns:mc="http://schemas.openxmlformats.org/markup-compatibility/2006" xmlns:a14="http://schemas.microsoft.com/office/drawing/2010/main">
+        <mc:Choice Requires="a14">
           <p:graphicFrame>
             <p:nvGraphicFramePr>
               <p:cNvPr id="15" name="Table 15">
@@ -5826,6 +5830,7 @@
                           </a:r>
                         </a:p>
                         <a:p>
+                          <a:pPr/>
                           <a14:m>
                             <m:oMathPara xmlns:m="http://schemas.openxmlformats.org/officeDocument/2006/math">
                               <m:oMathParaPr>
@@ -5926,6 +5931,7 @@
                           <a:endParaRPr lang="en-US" sz="1100" b="0" dirty="0"/>
                         </a:p>
                         <a:p>
+                          <a:pPr/>
                           <a14:m>
                             <m:oMathPara xmlns:m="http://schemas.openxmlformats.org/officeDocument/2006/math">
                               <m:oMathParaPr>
@@ -6009,6 +6015,7 @@
                         <a:bodyPr/>
                         <a:lstStyle/>
                         <a:p>
+                          <a:pPr/>
                           <a14:m>
                             <m:oMathPara xmlns:m="http://schemas.openxmlformats.org/officeDocument/2006/math">
                               <m:oMathParaPr>
@@ -6446,7 +6453,7 @@
             </a:graphic>
           </p:graphicFrame>
         </mc:Choice>
-        <mc:Fallback>
+        <mc:Fallback xmlns="">
           <p:graphicFrame>
             <p:nvGraphicFramePr>
               <p:cNvPr id="15" name="Table 15">
@@ -7025,8 +7032,8 @@
           </a:p>
         </p:txBody>
       </p:sp>
-      <mc:AlternateContent xmlns:mc="http://schemas.openxmlformats.org/markup-compatibility/2006">
-        <mc:Choice xmlns:a14="http://schemas.microsoft.com/office/drawing/2010/main" Requires="a14">
+      <mc:AlternateContent xmlns:mc="http://schemas.openxmlformats.org/markup-compatibility/2006" xmlns:a14="http://schemas.microsoft.com/office/drawing/2010/main">
+        <mc:Choice Requires="a14">
           <p:graphicFrame>
             <p:nvGraphicFramePr>
               <p:cNvPr id="15" name="Table 15">
@@ -7225,6 +7232,7 @@
                           <a:endParaRPr lang="en-US" sz="1600" b="1" dirty="0"/>
                         </a:p>
                         <a:p>
+                          <a:pPr/>
                           <a14:m>
                             <m:oMathPara xmlns:m="http://schemas.openxmlformats.org/officeDocument/2006/math">
                               <m:oMathParaPr>
@@ -7582,7 +7590,7 @@
             </a:graphic>
           </p:graphicFrame>
         </mc:Choice>
-        <mc:Fallback>
+        <mc:Fallback xmlns="">
           <p:graphicFrame>
             <p:nvGraphicFramePr>
               <p:cNvPr id="15" name="Table 15">
@@ -8232,8 +8240,8 @@
           </a:p>
         </p:txBody>
       </p:sp>
-      <mc:AlternateContent xmlns:mc="http://schemas.openxmlformats.org/markup-compatibility/2006">
-        <mc:Choice xmlns:a14="http://schemas.microsoft.com/office/drawing/2010/main" Requires="a14">
+      <mc:AlternateContent xmlns:mc="http://schemas.openxmlformats.org/markup-compatibility/2006" xmlns:a14="http://schemas.microsoft.com/office/drawing/2010/main">
+        <mc:Choice Requires="a14">
           <p:graphicFrame>
             <p:nvGraphicFramePr>
               <p:cNvPr id="15" name="Table 15">
@@ -8333,6 +8341,7 @@
                         <a:bodyPr/>
                         <a:lstStyle/>
                         <a:p>
+                          <a:pPr/>
                           <a14:m>
                             <m:oMathPara xmlns:m="http://schemas.openxmlformats.org/officeDocument/2006/math">
                               <m:oMathParaPr>
@@ -8471,6 +8480,7 @@
                           <a:endParaRPr lang="en-US" sz="1400" b="1" dirty="0"/>
                         </a:p>
                         <a:p>
+                          <a:pPr/>
                           <a14:m>
                             <m:oMathPara xmlns:m="http://schemas.openxmlformats.org/officeDocument/2006/math">
                               <m:oMathParaPr>
@@ -8539,6 +8549,7 @@
                           <a:endParaRPr lang="en-US" sz="1400" b="1" dirty="0"/>
                         </a:p>
                         <a:p>
+                          <a:pPr/>
                           <a14:m>
                             <m:oMathPara xmlns:m="http://schemas.openxmlformats.org/officeDocument/2006/math">
                               <m:oMathParaPr>
@@ -8655,6 +8666,7 @@
                         <a:bodyPr/>
                         <a:lstStyle/>
                         <a:p>
+                          <a:pPr/>
                           <a14:m>
                             <m:oMathPara xmlns:m="http://schemas.openxmlformats.org/officeDocument/2006/math">
                               <m:oMathParaPr>
@@ -8899,7 +8911,7 @@
             </a:graphic>
           </p:graphicFrame>
         </mc:Choice>
-        <mc:Fallback>
+        <mc:Fallback xmlns="">
           <p:graphicFrame>
             <p:nvGraphicFramePr>
               <p:cNvPr id="15" name="Table 15">
@@ -9457,8 +9469,8 @@
           </a:p>
         </p:txBody>
       </p:sp>
-      <mc:AlternateContent xmlns:mc="http://schemas.openxmlformats.org/markup-compatibility/2006">
-        <mc:Choice xmlns:a14="http://schemas.microsoft.com/office/drawing/2010/main" Requires="a14">
+      <mc:AlternateContent xmlns:mc="http://schemas.openxmlformats.org/markup-compatibility/2006" xmlns:a14="http://schemas.microsoft.com/office/drawing/2010/main">
+        <mc:Choice Requires="a14">
           <p:graphicFrame>
             <p:nvGraphicFramePr>
               <p:cNvPr id="15" name="Table 15">
@@ -9969,7 +9981,7 @@
             </a:graphic>
           </p:graphicFrame>
         </mc:Choice>
-        <mc:Fallback>
+        <mc:Fallback xmlns="">
           <p:graphicFrame>
             <p:nvGraphicFramePr>
               <p:cNvPr id="15" name="Table 15">
@@ -10126,7 +10138,7 @@
                               <a:latin typeface="+mn-lt"/>
                               <a:ea typeface="+mn-ea"/>
                               <a:cs typeface="+mn-cs"/>
-                              <a:hlinkClick r:id="rId2" tooltip="Degrees of freedom (statistics)"/>
+                              <a:hlinkClick r:id="rId5" tooltip="Degrees of freedom (statistics)"/>
                             </a:rPr>
                             <a:t>degrees of freedom</a:t>
                           </a:r>
@@ -10166,7 +10178,7 @@
                               <a:latin typeface="+mn-lt"/>
                               <a:ea typeface="+mn-ea"/>
                               <a:cs typeface="+mn-cs"/>
-                              <a:hlinkClick r:id="rId3" tooltip="Scale matrix"/>
+                              <a:hlinkClick r:id="rId6" tooltip="Scale matrix"/>
                             </a:rPr>
                             <a:t>scale matrix</a:t>
                           </a:r>
@@ -10239,7 +10251,7 @@
                               <a:latin typeface="+mn-lt"/>
                               <a:ea typeface="+mn-ea"/>
                               <a:cs typeface="+mn-cs"/>
-                              <a:hlinkClick r:id="rId4" tooltip="Positive definite matrix"/>
+                              <a:hlinkClick r:id="rId7" tooltip="Positive definite matrix"/>
                             </a:rPr>
                             <a:t>pos. def</a:t>
                           </a:r>
@@ -10366,7 +10378,7 @@
                               <a:latin typeface="+mn-lt"/>
                               <a:ea typeface="+mn-ea"/>
                               <a:cs typeface="+mn-cs"/>
-                              <a:hlinkClick r:id="rId4" tooltip="Positive definite matrix"/>
+                              <a:hlinkClick r:id="rId7" tooltip="Positive definite matrix"/>
                             </a:rPr>
                             <a:t>positive definite matrix</a:t>
                           </a:r>
@@ -10392,7 +10404,7 @@
                       </a:txBody>
                       <a:tcPr>
                         <a:blipFill>
-                          <a:blip r:embed="rId5"/>
+                          <a:blip r:embed="rId8"/>
                           <a:stretch>
                             <a:fillRect l="-398" t="-375641" r="-170120" b="-2564"/>
                           </a:stretch>
@@ -10409,7 +10421,7 @@
                       </a:txBody>
                       <a:tcPr>
                         <a:blipFill>
-                          <a:blip r:embed="rId5"/>
+                          <a:blip r:embed="rId8"/>
                           <a:stretch>
                             <a:fillRect l="-59434" t="-375641" r="-708" b="-2564"/>
                           </a:stretch>
@@ -10553,7 +10565,7 @@
             </a:r>
             <a:r>
               <a:rPr lang="en-US" sz="1400" dirty="0">
-                <a:hlinkClick r:id="rId6" tooltip="Bayesian inference"/>
+                <a:hlinkClick r:id="rId9" tooltip="Bayesian inference"/>
               </a:rPr>
               <a:t>Bayesian statistics</a:t>
             </a:r>
@@ -10563,7 +10575,7 @@
             </a:r>
             <a:r>
               <a:rPr lang="en-US" sz="1400" dirty="0">
-                <a:hlinkClick r:id="rId7" tooltip="Conjugate prior"/>
+                <a:hlinkClick r:id="rId10" tooltip="Conjugate prior"/>
               </a:rPr>
               <a:t>conjugate prior</a:t>
             </a:r>
@@ -10573,7 +10585,7 @@
             </a:r>
             <a:r>
               <a:rPr lang="en-US" sz="1400" dirty="0">
-                <a:hlinkClick r:id="rId8" tooltip="Matrix inverse"/>
+                <a:hlinkClick r:id="rId11" tooltip="Matrix inverse"/>
               </a:rPr>
               <a:t>inverse</a:t>
             </a:r>
@@ -10583,7 +10595,7 @@
             </a:r>
             <a:r>
               <a:rPr lang="en-US" sz="1400" dirty="0">
-                <a:hlinkClick r:id="rId9" tooltip="Covariance matrix"/>
+                <a:hlinkClick r:id="rId12" tooltip="Covariance matrix"/>
               </a:rPr>
               <a:t>covariance-matrix</a:t>
             </a:r>
@@ -10593,7 +10605,7 @@
             </a:r>
             <a:r>
               <a:rPr lang="en-US" sz="1400" dirty="0">
-                <a:hlinkClick r:id="rId10"/>
+                <a:hlinkClick r:id="rId13"/>
               </a:rPr>
               <a:t>multivariate-normal random-vector</a:t>
             </a:r>
@@ -10641,7 +10653,7 @@
           <a:p>
             <a:r>
               <a:rPr lang="en-US" sz="1000" dirty="0">
-                <a:hlinkClick r:id="rId11"/>
+                <a:hlinkClick r:id="rId14"/>
               </a:rPr>
               <a:t>Wishart distribution - Wikipedia</a:t>
             </a:r>
@@ -10700,7 +10712,7 @@
           <p:nvPr/>
         </p:nvPicPr>
         <p:blipFill>
-          <a:blip r:embed="rId12"/>
+          <a:blip r:embed="rId15"/>
           <a:stretch>
             <a:fillRect/>
           </a:stretch>
@@ -10730,7 +10742,7 @@
           <p:nvPr/>
         </p:nvPicPr>
         <p:blipFill>
-          <a:blip r:embed="rId13"/>
+          <a:blip r:embed="rId16"/>
           <a:stretch>
             <a:fillRect/>
           </a:stretch>
@@ -10827,8 +10839,8 @@
           </a:p>
         </p:txBody>
       </p:sp>
-      <mc:AlternateContent xmlns:mc="http://schemas.openxmlformats.org/markup-compatibility/2006" xmlns:a14="http://schemas.microsoft.com/office/drawing/2010/main">
-        <mc:Choice Requires="a14">
+      <mc:AlternateContent xmlns:mc="http://schemas.openxmlformats.org/markup-compatibility/2006">
+        <mc:Choice xmlns:a14="http://schemas.microsoft.com/office/drawing/2010/main" Requires="a14">
           <p:sp>
             <p:nvSpPr>
               <p:cNvPr id="4" name="Content Placeholder 3">
@@ -10881,7 +10893,7 @@
                         <a:rPr lang="en-US" b="0" i="1" smtClean="0">
                           <a:latin typeface="Cambria Math" panose="02040503050406030204" pitchFamily="18" charset="0"/>
                         </a:rPr>
-                        <m:t>=50,</m:t>
+                        <m:t>=43,</m:t>
                       </m:r>
                       <m:r>
                         <a:rPr lang="en-US" b="0" i="1" smtClean="0">
@@ -10893,7 +10905,7 @@
                         <a:rPr lang="en-US" b="0" i="1" smtClean="0">
                           <a:latin typeface="Cambria Math" panose="02040503050406030204" pitchFamily="18" charset="0"/>
                         </a:rPr>
-                        <m:t>=∎|</m:t>
+                        <m:t>=0.8 |</m:t>
                       </m:r>
                       <m:r>
                         <a:rPr lang="en-US" b="0" i="1" smtClean="0">
@@ -10912,10 +10924,34 @@
                 </a14:m>
                 <a:endParaRPr lang="en-US" dirty="0"/>
               </a:p>
+              <a:p>
+                <a:pPr marL="0" indent="0">
+                  <a:buNone/>
+                </a:pPr>
+                <a:endParaRPr lang="en-US" dirty="0"/>
+              </a:p>
+              <a:p>
+                <a:pPr marL="0" indent="0">
+                  <a:buNone/>
+                </a:pPr>
+                <a:r>
+                  <a:rPr lang="en-US" sz="2400" dirty="0"/>
+                  <a:t>For the discrete binomial distribution:</a:t>
+                </a:r>
+              </a:p>
+              <a:p>
+                <a:pPr marL="0" indent="0">
+                  <a:buNone/>
+                </a:pPr>
+                <a:r>
+                  <a:rPr lang="en-US" sz="2400" dirty="0"/>
+                  <a:t>L(n=43,p=0.8|k=21) = p(k=21|n=43,p=0.8) = 4.06992e-06</a:t>
+                </a:r>
+              </a:p>
             </p:txBody>
           </p:sp>
         </mc:Choice>
-        <mc:Fallback xmlns="">
+        <mc:Fallback>
           <p:sp>
             <p:nvSpPr>
               <p:cNvPr id="4" name="Content Placeholder 3">
@@ -10936,7 +10972,7 @@
               <a:blipFill>
                 <a:blip r:embed="rId3"/>
                 <a:stretch>
-                  <a:fillRect/>
+                  <a:fillRect l="-1891"/>
                 </a:stretch>
               </a:blipFill>
             </p:spPr>
@@ -10955,8 +10991,8 @@
           </p:sp>
         </mc:Fallback>
       </mc:AlternateContent>
-      <mc:AlternateContent xmlns:mc="http://schemas.openxmlformats.org/markup-compatibility/2006" xmlns:a14="http://schemas.microsoft.com/office/drawing/2010/main">
-        <mc:Choice Requires="a14">
+      <mc:AlternateContent xmlns:mc="http://schemas.openxmlformats.org/markup-compatibility/2006">
+        <mc:Choice xmlns:a14="http://schemas.microsoft.com/office/drawing/2010/main" Requires="a14">
           <p:sp>
             <p:nvSpPr>
               <p:cNvPr id="6" name="Content Placeholder 5">
@@ -11014,13 +11050,9 @@
                       </m:r>
                       <m:r>
                         <a:rPr lang="en-US" b="0" i="1" smtClean="0">
-                          <a:solidFill>
-                            <a:srgbClr val="FF0000"/>
-                          </a:solidFill>
                           <a:latin typeface="Cambria Math" panose="02040503050406030204" pitchFamily="18" charset="0"/>
-                          <a:ea typeface="Cambria Math" panose="02040503050406030204" pitchFamily="18" charset="0"/>
                         </a:rPr>
-                        <m:t>∎</m:t>
+                        <m:t>10</m:t>
                       </m:r>
                       <m:r>
                         <a:rPr lang="en-US" b="0" i="1" smtClean="0">
@@ -11043,13 +11075,9 @@
                       </m:r>
                       <m:r>
                         <a:rPr lang="en-US" b="0" i="1" smtClean="0">
-                          <a:solidFill>
-                            <a:srgbClr val="FF0000"/>
-                          </a:solidFill>
                           <a:latin typeface="Cambria Math" panose="02040503050406030204" pitchFamily="18" charset="0"/>
-                          <a:ea typeface="Cambria Math" panose="02040503050406030204" pitchFamily="18" charset="0"/>
                         </a:rPr>
-                        <m:t>∎</m:t>
+                        <m:t>2</m:t>
                       </m:r>
                       <m:r>
                         <a:rPr lang="en-US" b="0" i="1" smtClean="0">
@@ -11078,12 +11106,30 @@
                 <a:pPr marL="0" indent="0">
                   <a:buNone/>
                 </a:pPr>
-                <a:endParaRPr lang="en-US" dirty="0"/>
+                <a:endParaRPr lang="en-US" sz="2400" dirty="0"/>
+              </a:p>
+              <a:p>
+                <a:pPr marL="0" indent="0">
+                  <a:buNone/>
+                </a:pPr>
+                <a:r>
+                  <a:rPr lang="en-US" sz="2400" dirty="0"/>
+                  <a:t>For the continuous gaussian distribution:</a:t>
+                </a:r>
+              </a:p>
+              <a:p>
+                <a:pPr marL="0" indent="0">
+                  <a:buNone/>
+                </a:pPr>
+                <a:r>
+                  <a:rPr lang="en-US" sz="2400" dirty="0"/>
+                  <a:t>L(μ=10,σ=2|x=7) = f(x=7|μ=10,σ=2) = 0.06476</a:t>
+                </a:r>
               </a:p>
             </p:txBody>
           </p:sp>
         </mc:Choice>
-        <mc:Fallback xmlns="">
+        <mc:Fallback>
           <p:sp>
             <p:nvSpPr>
               <p:cNvPr id="6" name="Content Placeholder 5">
@@ -11104,7 +11150,7 @@
               <a:blipFill>
                 <a:blip r:embed="rId4"/>
                 <a:stretch>
-                  <a:fillRect/>
+                  <a:fillRect l="-1882"/>
                 </a:stretch>
               </a:blipFill>
             </p:spPr>
@@ -14451,8 +14497,8 @@
           </a:p>
         </p:txBody>
       </p:sp>
-      <mc:AlternateContent xmlns:mc="http://schemas.openxmlformats.org/markup-compatibility/2006">
-        <mc:Choice xmlns:a14="http://schemas.microsoft.com/office/drawing/2010/main" Requires="a14">
+      <mc:AlternateContent xmlns:mc="http://schemas.openxmlformats.org/markup-compatibility/2006" xmlns:a14="http://schemas.microsoft.com/office/drawing/2010/main">
+        <mc:Choice Requires="a14">
           <p:graphicFrame>
             <p:nvGraphicFramePr>
               <p:cNvPr id="15" name="Table 15">
@@ -14752,6 +14798,7 @@
                         <a:bodyPr/>
                         <a:lstStyle/>
                         <a:p>
+                          <a:pPr/>
                           <a14:m>
                             <m:oMathPara xmlns:m="http://schemas.openxmlformats.org/officeDocument/2006/math">
                               <m:oMathParaPr>
@@ -15099,7 +15146,7 @@
             </a:graphic>
           </p:graphicFrame>
         </mc:Choice>
-        <mc:Fallback>
+        <mc:Fallback xmlns="">
           <p:graphicFrame>
             <p:nvGraphicFramePr>
               <p:cNvPr id="15" name="Table 15">
@@ -15635,8 +15682,8 @@
           </a:p>
         </p:txBody>
       </p:sp>
-      <mc:AlternateContent xmlns:mc="http://schemas.openxmlformats.org/markup-compatibility/2006">
-        <mc:Choice xmlns:a14="http://schemas.microsoft.com/office/drawing/2010/main" Requires="a14">
+      <mc:AlternateContent xmlns:mc="http://schemas.openxmlformats.org/markup-compatibility/2006" xmlns:a14="http://schemas.microsoft.com/office/drawing/2010/main">
+        <mc:Choice Requires="a14">
           <p:graphicFrame>
             <p:nvGraphicFramePr>
               <p:cNvPr id="15" name="Table 15">
@@ -15736,6 +15783,7 @@
                         <a:bodyPr/>
                         <a:lstStyle/>
                         <a:p>
+                          <a:pPr/>
                           <a14:m>
                             <m:oMathPara xmlns:m="http://schemas.openxmlformats.org/officeDocument/2006/math">
                               <m:oMathParaPr>
@@ -15764,6 +15812,7 @@
                           </a:endParaRPr>
                         </a:p>
                         <a:p>
+                          <a:pPr/>
                           <a14:m>
                             <m:oMathPara xmlns:m="http://schemas.openxmlformats.org/officeDocument/2006/math">
                               <m:oMathParaPr>
@@ -15817,6 +15866,7 @@
                         <a:bodyPr/>
                         <a:lstStyle/>
                         <a:p>
+                          <a:pPr/>
                           <a14:m>
                             <m:oMathPara xmlns:m="http://schemas.openxmlformats.org/officeDocument/2006/math">
                               <m:oMathParaPr>
@@ -16152,7 +16202,7 @@
             </a:graphic>
           </p:graphicFrame>
         </mc:Choice>
-        <mc:Fallback>
+        <mc:Fallback xmlns="">
           <p:graphicFrame>
             <p:nvGraphicFramePr>
               <p:cNvPr id="15" name="Table 15">
@@ -16730,8 +16780,8 @@
           </a:p>
         </p:txBody>
       </p:sp>
-      <mc:AlternateContent xmlns:mc="http://schemas.openxmlformats.org/markup-compatibility/2006">
-        <mc:Choice xmlns:a14="http://schemas.microsoft.com/office/drawing/2010/main" Requires="a14">
+      <mc:AlternateContent xmlns:mc="http://schemas.openxmlformats.org/markup-compatibility/2006" xmlns:a14="http://schemas.microsoft.com/office/drawing/2010/main">
+        <mc:Choice Requires="a14">
           <p:graphicFrame>
             <p:nvGraphicFramePr>
               <p:cNvPr id="15" name="Table 15">
@@ -16831,6 +16881,7 @@
                         <a:bodyPr/>
                         <a:lstStyle/>
                         <a:p>
+                          <a:pPr/>
                           <a14:m>
                             <m:oMathPara xmlns:m="http://schemas.openxmlformats.org/officeDocument/2006/math">
                               <m:oMathParaPr>
@@ -16873,6 +16924,7 @@
                           </a:endParaRPr>
                         </a:p>
                         <a:p>
+                          <a:pPr/>
                           <a14:m>
                             <m:oMathPara xmlns:m="http://schemas.openxmlformats.org/officeDocument/2006/math">
                               <m:oMathParaPr>
@@ -16940,6 +16992,7 @@
                         <a:bodyPr/>
                         <a:lstStyle/>
                         <a:p>
+                          <a:pPr/>
                           <a14:m>
                             <m:oMathPara xmlns:m="http://schemas.openxmlformats.org/officeDocument/2006/math">
                               <m:oMathParaPr>
@@ -17100,7 +17153,7 @@
             </a:graphic>
           </p:graphicFrame>
         </mc:Choice>
-        <mc:Fallback>
+        <mc:Fallback xmlns="">
           <p:graphicFrame>
             <p:nvGraphicFramePr>
               <p:cNvPr id="15" name="Table 15">
@@ -17719,8 +17772,8 @@
           </a:p>
         </p:txBody>
       </p:sp>
-      <mc:AlternateContent xmlns:mc="http://schemas.openxmlformats.org/markup-compatibility/2006">
-        <mc:Choice xmlns:a14="http://schemas.microsoft.com/office/drawing/2010/main" Requires="a14">
+      <mc:AlternateContent xmlns:mc="http://schemas.openxmlformats.org/markup-compatibility/2006" xmlns:a14="http://schemas.microsoft.com/office/drawing/2010/main">
+        <mc:Choice Requires="a14">
           <p:graphicFrame>
             <p:nvGraphicFramePr>
               <p:cNvPr id="15" name="Table 15">
@@ -17820,6 +17873,7 @@
                         <a:bodyPr/>
                         <a:lstStyle/>
                         <a:p>
+                          <a:pPr/>
                           <a14:m>
                             <m:oMathPara xmlns:m="http://schemas.openxmlformats.org/officeDocument/2006/math">
                               <m:oMathParaPr>
@@ -17890,6 +17944,7 @@
                           </a:endParaRPr>
                         </a:p>
                         <a:p>
+                          <a:pPr/>
                           <a14:m>
                             <m:oMathPara xmlns:m="http://schemas.openxmlformats.org/officeDocument/2006/math">
                               <m:oMathParaPr>
@@ -18024,6 +18079,7 @@
                         <a:bodyPr/>
                         <a:lstStyle/>
                         <a:p>
+                          <a:pPr/>
                           <a14:m>
                             <m:oMathPara xmlns:m="http://schemas.openxmlformats.org/officeDocument/2006/math">
                               <m:oMathParaPr>
@@ -18177,7 +18233,7 @@
             </a:graphic>
           </p:graphicFrame>
         </mc:Choice>
-        <mc:Fallback>
+        <mc:Fallback xmlns="">
           <p:graphicFrame>
             <p:nvGraphicFramePr>
               <p:cNvPr id="15" name="Table 15">
@@ -18748,8 +18804,8 @@
           </a:p>
         </p:txBody>
       </p:sp>
-      <mc:AlternateContent xmlns:mc="http://schemas.openxmlformats.org/markup-compatibility/2006">
-        <mc:Choice xmlns:a14="http://schemas.microsoft.com/office/drawing/2010/main" Requires="a14">
+      <mc:AlternateContent xmlns:mc="http://schemas.openxmlformats.org/markup-compatibility/2006" xmlns:a14="http://schemas.microsoft.com/office/drawing/2010/main">
+        <mc:Choice Requires="a14">
           <p:graphicFrame>
             <p:nvGraphicFramePr>
               <p:cNvPr id="15" name="Table 15">
@@ -18812,6 +18868,7 @@
                           </a:r>
                         </a:p>
                         <a:p>
+                          <a:pPr/>
                           <a14:m>
                             <m:oMathPara xmlns:m="http://schemas.openxmlformats.org/officeDocument/2006/math">
                               <m:oMathParaPr>
@@ -18890,6 +18947,7 @@
                           </a:endParaRPr>
                         </a:p>
                         <a:p>
+                          <a:pPr/>
                           <a14:m>
                             <m:oMathPara xmlns:m="http://schemas.openxmlformats.org/officeDocument/2006/math">
                               <m:oMathParaPr>
@@ -18973,6 +19031,7 @@
                         <a:bodyPr/>
                         <a:lstStyle/>
                         <a:p>
+                          <a:pPr/>
                           <a14:m>
                             <m:oMathPara xmlns:m="http://schemas.openxmlformats.org/officeDocument/2006/math">
                               <m:oMathParaPr>
@@ -19040,6 +19099,7 @@
                         <a:bodyPr/>
                         <a:lstStyle/>
                         <a:p>
+                          <a:pPr/>
                           <a14:m>
                             <m:oMathPara xmlns:m="http://schemas.openxmlformats.org/officeDocument/2006/math">
                               <m:oMathParaPr>
@@ -19229,7 +19289,7 @@
             </a:graphic>
           </p:graphicFrame>
         </mc:Choice>
-        <mc:Fallback>
+        <mc:Fallback xmlns="">
           <p:graphicFrame>
             <p:nvGraphicFramePr>
               <p:cNvPr id="15" name="Table 15">
